--- a/13B/Assembly/Assembly Language.pptx
+++ b/13B/Assembly/Assembly Language.pptx
@@ -1,23 +1,23 @@
 
 <file path=ppt/presentation.xml><?xml version="1.0" encoding="utf-8"?>
-<p:presentation xmlns:a="http://schemas.openxmlformats.org/drawingml/2006/main" xmlns:r="http://schemas.openxmlformats.org/officeDocument/2006/relationships" xmlns:p="http://schemas.openxmlformats.org/presentationml/2006/main" xmlns:m="http://schemas.openxmlformats.org/officeDocument/2006/math" xmlns:a14="http://schemas.microsoft.com/office/drawing/2010/main">
+<p:presentation xmlns:a="http://schemas.openxmlformats.org/drawingml/2006/main" xmlns:r="http://schemas.openxmlformats.org/officeDocument/2006/relationships" xmlns:p="http://schemas.openxmlformats.org/presentationml/2006/main">
   <p:sldMasterIdLst>
-    <p:sldMasterId id="2147483648" r:id="rId5"/>
+    <p:sldMasterId id="2147483648" r:id="rId1"/>
   </p:sldMasterIdLst>
   <p:notesMasterIdLst>
-    <p:notesMasterId r:id="rId7"/>
+    <p:notesMasterId r:id="rId12"/>
   </p:notesMasterIdLst>
   <p:sldIdLst>
-    <p:sldId id="256" r:id="rId8"/>
-    <p:sldId id="257" r:id="rId9"/>
-    <p:sldId id="258" r:id="rId10"/>
-    <p:sldId id="259" r:id="rId11"/>
-    <p:sldId id="260" r:id="rId12"/>
-    <p:sldId id="261" r:id="rId13"/>
-    <p:sldId id="262" r:id="rId14"/>
-    <p:sldId id="263" r:id="rId15"/>
-    <p:sldId id="264" r:id="rId16"/>
-    <p:sldId id="265" r:id="rId17"/>
+    <p:sldId id="256" r:id="rId2"/>
+    <p:sldId id="257" r:id="rId3"/>
+    <p:sldId id="258" r:id="rId4"/>
+    <p:sldId id="259" r:id="rId5"/>
+    <p:sldId id="260" r:id="rId6"/>
+    <p:sldId id="261" r:id="rId7"/>
+    <p:sldId id="262" r:id="rId8"/>
+    <p:sldId id="263" r:id="rId9"/>
+    <p:sldId id="264" r:id="rId10"/>
+    <p:sldId id="265" r:id="rId11"/>
   </p:sldIdLst>
   <p:sldSz cx="24384000" cy="13716000"/>
   <p:notesSz cx="6858000" cy="9144000"/>
@@ -37,7 +37,7 @@
       <a:buFontTx/>
       <a:buNone/>
       <a:tabLst/>
-      <a:defRPr b="0" baseline="0" cap="none" i="0" spc="0" strike="noStrike" sz="1800" u="none" kumimoji="0" normalizeH="0">
+      <a:defRPr kumimoji="0" sz="1800" b="0" i="0" u="none" strike="noStrike" cap="none" spc="0" normalizeH="0" baseline="0">
         <a:ln>
           <a:noFill/>
         </a:ln>
@@ -63,7 +63,7 @@
       <a:buFontTx/>
       <a:buNone/>
       <a:tabLst/>
-      <a:defRPr b="0" baseline="0" cap="none" i="0" spc="0" strike="noStrike" sz="2200" u="none" kumimoji="0" normalizeH="0">
+      <a:defRPr kumimoji="0" sz="2200" b="0" i="0" u="none" strike="noStrike" cap="none" spc="0" normalizeH="0" baseline="0">
         <a:ln>
           <a:noFill/>
         </a:ln>
@@ -93,7 +93,7 @@
       <a:buFontTx/>
       <a:buNone/>
       <a:tabLst/>
-      <a:defRPr b="0" baseline="0" cap="none" i="0" spc="0" strike="noStrike" sz="2200" u="none" kumimoji="0" normalizeH="0">
+      <a:defRPr kumimoji="0" sz="2200" b="0" i="0" u="none" strike="noStrike" cap="none" spc="0" normalizeH="0" baseline="0">
         <a:ln>
           <a:noFill/>
         </a:ln>
@@ -123,7 +123,7 @@
       <a:buFontTx/>
       <a:buNone/>
       <a:tabLst/>
-      <a:defRPr b="0" baseline="0" cap="none" i="0" spc="0" strike="noStrike" sz="2200" u="none" kumimoji="0" normalizeH="0">
+      <a:defRPr kumimoji="0" sz="2200" b="0" i="0" u="none" strike="noStrike" cap="none" spc="0" normalizeH="0" baseline="0">
         <a:ln>
           <a:noFill/>
         </a:ln>
@@ -153,7 +153,7 @@
       <a:buFontTx/>
       <a:buNone/>
       <a:tabLst/>
-      <a:defRPr b="0" baseline="0" cap="none" i="0" spc="0" strike="noStrike" sz="2200" u="none" kumimoji="0" normalizeH="0">
+      <a:defRPr kumimoji="0" sz="2200" b="0" i="0" u="none" strike="noStrike" cap="none" spc="0" normalizeH="0" baseline="0">
         <a:ln>
           <a:noFill/>
         </a:ln>
@@ -183,7 +183,7 @@
       <a:buFontTx/>
       <a:buNone/>
       <a:tabLst/>
-      <a:defRPr b="0" baseline="0" cap="none" i="0" spc="0" strike="noStrike" sz="2200" u="none" kumimoji="0" normalizeH="0">
+      <a:defRPr kumimoji="0" sz="2200" b="0" i="0" u="none" strike="noStrike" cap="none" spc="0" normalizeH="0" baseline="0">
         <a:ln>
           <a:noFill/>
         </a:ln>
@@ -213,7 +213,7 @@
       <a:buFontTx/>
       <a:buNone/>
       <a:tabLst/>
-      <a:defRPr b="0" baseline="0" cap="none" i="0" spc="0" strike="noStrike" sz="2200" u="none" kumimoji="0" normalizeH="0">
+      <a:defRPr kumimoji="0" sz="2200" b="0" i="0" u="none" strike="noStrike" cap="none" spc="0" normalizeH="0" baseline="0">
         <a:ln>
           <a:noFill/>
         </a:ln>
@@ -243,7 +243,7 @@
       <a:buFontTx/>
       <a:buNone/>
       <a:tabLst/>
-      <a:defRPr b="0" baseline="0" cap="none" i="0" spc="0" strike="noStrike" sz="2200" u="none" kumimoji="0" normalizeH="0">
+      <a:defRPr kumimoji="0" sz="2200" b="0" i="0" u="none" strike="noStrike" cap="none" spc="0" normalizeH="0" baseline="0">
         <a:ln>
           <a:noFill/>
         </a:ln>
@@ -273,7 +273,7 @@
       <a:buFontTx/>
       <a:buNone/>
       <a:tabLst/>
-      <a:defRPr b="0" baseline="0" cap="none" i="0" spc="0" strike="noStrike" sz="2200" u="none" kumimoji="0" normalizeH="0">
+      <a:defRPr kumimoji="0" sz="2200" b="0" i="0" u="none" strike="noStrike" cap="none" spc="0" normalizeH="0" baseline="0">
         <a:ln>
           <a:noFill/>
         </a:ln>
@@ -303,7 +303,7 @@
       <a:buFontTx/>
       <a:buNone/>
       <a:tabLst/>
-      <a:defRPr b="0" baseline="0" cap="none" i="0" spc="0" strike="noStrike" sz="2200" u="none" kumimoji="0" normalizeH="0">
+      <a:defRPr kumimoji="0" sz="2200" b="0" i="0" u="none" strike="noStrike" cap="none" spc="0" normalizeH="0" baseline="0">
         <a:ln>
           <a:noFill/>
         </a:ln>
@@ -322,13 +322,14 @@
 </p:presentation>
 </file>
 
-<file path=ppt/commentAuthors.xml><?xml version="1.0" encoding="utf-8"?>
-<p:cmAuthorLst xmlns:a="http://schemas.openxmlformats.org/drawingml/2006/main" xmlns:r="http://schemas.openxmlformats.org/officeDocument/2006/relationships" xmlns:p="http://schemas.openxmlformats.org/presentationml/2006/main" xmlns:m="http://schemas.openxmlformats.org/officeDocument/2006/math" xmlns:a14="http://schemas.microsoft.com/office/drawing/2010/main"/>
-</file>
-
 <file path=ppt/notesMasters/notesMaster1.xml><?xml version="1.0" encoding="utf-8"?>
-<p:notesMaster xmlns:a="http://schemas.openxmlformats.org/drawingml/2006/main" xmlns:r="http://schemas.openxmlformats.org/officeDocument/2006/relationships" xmlns:p="http://schemas.openxmlformats.org/presentationml/2006/main" xmlns:m="http://schemas.openxmlformats.org/officeDocument/2006/math" xmlns:a14="http://schemas.microsoft.com/office/drawing/2010/main">
+<p:notesMaster xmlns:a="http://schemas.openxmlformats.org/drawingml/2006/main" xmlns:r="http://schemas.openxmlformats.org/officeDocument/2006/relationships" xmlns:p="http://schemas.openxmlformats.org/presentationml/2006/main">
   <p:cSld>
+    <p:bg>
+      <p:bgRef idx="1001">
+        <a:schemeClr val="bg1"/>
+      </p:bgRef>
+    </p:bg>
     <p:spTree>
       <p:nvGrpSpPr>
         <p:cNvPr id="1" name=""/>
@@ -346,7 +347,9 @@
       <p:sp>
         <p:nvSpPr>
           <p:cNvPr id="147" name="Shape 147"/>
-          <p:cNvSpPr/>
+          <p:cNvSpPr>
+            <a:spLocks noGrp="1" noRot="1" noChangeAspect="1"/>
+          </p:cNvSpPr>
           <p:nvPr>
             <p:ph type="sldImg"/>
           </p:nvPr>
@@ -364,14 +367,16 @@
           <a:bodyPr/>
           <a:lstStyle/>
           <a:p>
-            <a:pPr/>
+            <a:endParaRPr/>
           </a:p>
         </p:txBody>
       </p:sp>
       <p:sp>
         <p:nvSpPr>
           <p:cNvPr id="148" name="Shape 148"/>
-          <p:cNvSpPr/>
+          <p:cNvSpPr>
+            <a:spLocks noGrp="1"/>
+          </p:cNvSpPr>
           <p:nvPr>
             <p:ph type="body" sz="quarter" idx="1"/>
           </p:nvPr>
@@ -389,7 +394,7 @@
           <a:bodyPr/>
           <a:lstStyle/>
           <a:p>
-            <a:pPr/>
+            <a:endParaRPr/>
           </a:p>
         </p:txBody>
       </p:sp>
@@ -501,7 +506,7 @@
 </file>
 
 <file path=ppt/notesSlides/notesSlide1.xml><?xml version="1.0" encoding="utf-8"?>
-<p:notes xmlns:a="http://schemas.openxmlformats.org/drawingml/2006/main" xmlns:r="http://schemas.openxmlformats.org/officeDocument/2006/relationships" xmlns:p="http://schemas.openxmlformats.org/presentationml/2006/main" xmlns:m="http://schemas.openxmlformats.org/officeDocument/2006/math" xmlns:a14="http://schemas.microsoft.com/office/drawing/2010/main" showMasterSp="1" showMasterPhAnim="1">
+<p:notes xmlns:a="http://schemas.openxmlformats.org/drawingml/2006/main" xmlns:r="http://schemas.openxmlformats.org/officeDocument/2006/relationships" xmlns:p="http://schemas.openxmlformats.org/presentationml/2006/main">
   <p:cSld>
     <p:spTree>
       <p:nvGrpSpPr>
@@ -520,12 +525,18 @@
       <p:sp>
         <p:nvSpPr>
           <p:cNvPr id="163" name="Shape 163"/>
-          <p:cNvSpPr/>
+          <p:cNvSpPr>
+            <a:spLocks noGrp="1" noRot="1" noChangeAspect="1"/>
+          </p:cNvSpPr>
           <p:nvPr>
             <p:ph type="sldImg"/>
           </p:nvPr>
         </p:nvSpPr>
         <p:spPr>
+          <a:xfrm>
+            <a:off x="381000" y="685800"/>
+            <a:ext cx="6096000" cy="3429000"/>
+          </a:xfrm>
           <a:prstGeom prst="rect">
             <a:avLst/>
           </a:prstGeom>
@@ -534,14 +545,16 @@
           <a:bodyPr/>
           <a:lstStyle/>
           <a:p>
-            <a:pPr/>
+            <a:endParaRPr/>
           </a:p>
         </p:txBody>
       </p:sp>
       <p:sp>
         <p:nvSpPr>
           <p:cNvPr id="164" name="Shape 164"/>
-          <p:cNvSpPr/>
+          <p:cNvSpPr>
+            <a:spLocks noGrp="1"/>
+          </p:cNvSpPr>
           <p:nvPr>
             <p:ph type="body" sz="quarter" idx="1"/>
           </p:nvPr>
@@ -556,7 +569,7 @@
           <a:lstStyle>
             <a:lvl1pPr>
               <a:defRPr u="sng">
-                <a:hlinkClick r:id="rId3" invalidUrl="" action="" tgtFrame="" tooltip="" history="1" highlightClick="0" endSnd="0"/>
+                <a:hlinkClick r:id="rId3"/>
               </a:defRPr>
             </a:lvl1pPr>
           </a:lstStyle>
@@ -566,7 +579,7 @@
             </a:pPr>
             <a:r>
               <a:rPr u="sng">
-                <a:hlinkClick r:id="rId3" invalidUrl="" action="" tgtFrame="" tooltip="" history="1" highlightClick="0" endSnd="0"/>
+                <a:hlinkClick r:id="rId3"/>
               </a:rPr>
               <a:t>https://filestore.aqa.org.uk/resources/computing/AQA-75162-75172-ALI.PDF</a:t>
             </a:r>
@@ -582,7 +595,7 @@
 </file>
 
 <file path=ppt/notesSlides/notesSlide2.xml><?xml version="1.0" encoding="utf-8"?>
-<p:notes xmlns:a="http://schemas.openxmlformats.org/drawingml/2006/main" xmlns:r="http://schemas.openxmlformats.org/officeDocument/2006/relationships" xmlns:p="http://schemas.openxmlformats.org/presentationml/2006/main" xmlns:m="http://schemas.openxmlformats.org/officeDocument/2006/math" xmlns:a14="http://schemas.microsoft.com/office/drawing/2010/main" showMasterSp="1" showMasterPhAnim="1">
+<p:notes xmlns:a="http://schemas.openxmlformats.org/drawingml/2006/main" xmlns:r="http://schemas.openxmlformats.org/officeDocument/2006/relationships" xmlns:p="http://schemas.openxmlformats.org/presentationml/2006/main">
   <p:cSld>
     <p:spTree>
       <p:nvGrpSpPr>
@@ -601,12 +614,18 @@
       <p:sp>
         <p:nvSpPr>
           <p:cNvPr id="176" name="Shape 176"/>
-          <p:cNvSpPr/>
+          <p:cNvSpPr>
+            <a:spLocks noGrp="1" noRot="1" noChangeAspect="1"/>
+          </p:cNvSpPr>
           <p:nvPr>
             <p:ph type="sldImg"/>
           </p:nvPr>
         </p:nvSpPr>
         <p:spPr>
+          <a:xfrm>
+            <a:off x="381000" y="685800"/>
+            <a:ext cx="6096000" cy="3429000"/>
+          </a:xfrm>
           <a:prstGeom prst="rect">
             <a:avLst/>
           </a:prstGeom>
@@ -615,14 +634,16 @@
           <a:bodyPr/>
           <a:lstStyle/>
           <a:p>
-            <a:pPr/>
+            <a:endParaRPr/>
           </a:p>
         </p:txBody>
       </p:sp>
       <p:sp>
         <p:nvSpPr>
           <p:cNvPr id="177" name="Shape 177"/>
-          <p:cNvSpPr/>
+          <p:cNvSpPr>
+            <a:spLocks noGrp="1"/>
+          </p:cNvSpPr>
           <p:nvPr>
             <p:ph type="body" sz="quarter" idx="1"/>
           </p:nvPr>
@@ -636,13 +657,11 @@
           <a:bodyPr/>
           <a:lstStyle/>
           <a:p>
-            <a:pPr/>
             <a:r>
               <a:t>IF 			-&gt; Go over general structure of IF Statements</a:t>
             </a:r>
           </a:p>
           <a:p>
-            <a:pPr/>
             <a:r>
               <a:t>IF ELSE 	-&gt; Invite Student to write on the whiteboard a general assembly for IF ELSE</a:t>
             </a:r>
@@ -658,7 +677,7 @@
 </file>
 
 <file path=ppt/notesSlides/notesSlide3.xml><?xml version="1.0" encoding="utf-8"?>
-<p:notes xmlns:a="http://schemas.openxmlformats.org/drawingml/2006/main" xmlns:r="http://schemas.openxmlformats.org/officeDocument/2006/relationships" xmlns:p="http://schemas.openxmlformats.org/presentationml/2006/main" xmlns:m="http://schemas.openxmlformats.org/officeDocument/2006/math" xmlns:a14="http://schemas.microsoft.com/office/drawing/2010/main" showMasterSp="1" showMasterPhAnim="1">
+<p:notes xmlns:a="http://schemas.openxmlformats.org/drawingml/2006/main" xmlns:r="http://schemas.openxmlformats.org/officeDocument/2006/relationships" xmlns:p="http://schemas.openxmlformats.org/presentationml/2006/main">
   <p:cSld>
     <p:spTree>
       <p:nvGrpSpPr>
@@ -677,12 +696,18 @@
       <p:sp>
         <p:nvSpPr>
           <p:cNvPr id="201" name="Shape 201"/>
-          <p:cNvSpPr/>
+          <p:cNvSpPr>
+            <a:spLocks noGrp="1" noRot="1" noChangeAspect="1"/>
+          </p:cNvSpPr>
           <p:nvPr>
             <p:ph type="sldImg"/>
           </p:nvPr>
         </p:nvSpPr>
         <p:spPr>
+          <a:xfrm>
+            <a:off x="381000" y="685800"/>
+            <a:ext cx="6096000" cy="3429000"/>
+          </a:xfrm>
           <a:prstGeom prst="rect">
             <a:avLst/>
           </a:prstGeom>
@@ -691,14 +716,16 @@
           <a:bodyPr/>
           <a:lstStyle/>
           <a:p>
-            <a:pPr/>
+            <a:endParaRPr/>
           </a:p>
         </p:txBody>
       </p:sp>
       <p:sp>
         <p:nvSpPr>
           <p:cNvPr id="202" name="Shape 202"/>
-          <p:cNvSpPr/>
+          <p:cNvSpPr>
+            <a:spLocks noGrp="1"/>
+          </p:cNvSpPr>
           <p:nvPr>
             <p:ph type="body" sz="quarter" idx="1"/>
           </p:nvPr>
@@ -712,16 +739,21 @@
           <a:bodyPr/>
           <a:lstStyle/>
           <a:p>
-            <a:pPr/>
+            <a:pPr marL="342900" indent="-342900">
+              <a:buFontTx/>
+              <a:buChar char="-"/>
+            </a:pPr>
             <a:r>
-              <a:t>LDR R0, [R2+data]</a:t>
+              <a:rPr lang="en-GB" dirty="0"/>
+              <a:t>2 Types of While</a:t>
             </a:r>
           </a:p>
           <a:p>
-            <a:pPr/>
-            <a:r>
-              <a:t>LDR R1, [R2+data]</a:t>
-            </a:r>
+            <a:pPr marL="342900" indent="-342900">
+              <a:buFontTx/>
+              <a:buChar char="-"/>
+            </a:pPr>
+            <a:endParaRPr dirty="0"/>
           </a:p>
         </p:txBody>
       </p:sp>
@@ -734,7 +766,7 @@
 </file>
 
 <file path=ppt/notesSlides/notesSlide4.xml><?xml version="1.0" encoding="utf-8"?>
-<p:notes xmlns:a="http://schemas.openxmlformats.org/drawingml/2006/main" xmlns:r="http://schemas.openxmlformats.org/officeDocument/2006/relationships" xmlns:p="http://schemas.openxmlformats.org/presentationml/2006/main" xmlns:m="http://schemas.openxmlformats.org/officeDocument/2006/math" xmlns:a14="http://schemas.microsoft.com/office/drawing/2010/main" showMasterSp="1" showMasterPhAnim="1">
+<p:notes xmlns:a="http://schemas.openxmlformats.org/drawingml/2006/main" xmlns:r="http://schemas.openxmlformats.org/officeDocument/2006/relationships" xmlns:p="http://schemas.openxmlformats.org/presentationml/2006/main">
   <p:cSld>
     <p:spTree>
       <p:nvGrpSpPr>
@@ -753,12 +785,18 @@
       <p:sp>
         <p:nvSpPr>
           <p:cNvPr id="210" name="Shape 210"/>
-          <p:cNvSpPr/>
+          <p:cNvSpPr>
+            <a:spLocks noGrp="1" noRot="1" noChangeAspect="1"/>
+          </p:cNvSpPr>
           <p:nvPr>
             <p:ph type="sldImg"/>
           </p:nvPr>
         </p:nvSpPr>
         <p:spPr>
+          <a:xfrm>
+            <a:off x="381000" y="685800"/>
+            <a:ext cx="6096000" cy="3429000"/>
+          </a:xfrm>
           <a:prstGeom prst="rect">
             <a:avLst/>
           </a:prstGeom>
@@ -767,14 +805,16 @@
           <a:bodyPr/>
           <a:lstStyle/>
           <a:p>
-            <a:pPr/>
+            <a:endParaRPr/>
           </a:p>
         </p:txBody>
       </p:sp>
       <p:sp>
         <p:nvSpPr>
           <p:cNvPr id="211" name="Shape 211"/>
-          <p:cNvSpPr/>
+          <p:cNvSpPr>
+            <a:spLocks noGrp="1"/>
+          </p:cNvSpPr>
           <p:nvPr>
             <p:ph type="body" sz="quarter" idx="1"/>
           </p:nvPr>
@@ -788,7 +828,6 @@
           <a:bodyPr/>
           <a:lstStyle/>
           <a:p>
-            <a:pPr/>
             <a:r>
               <a:t>IF Example -&gt; </a:t>
             </a:r>
@@ -804,13 +843,14 @@
 </file>
 
 <file path=ppt/slideLayouts/slideLayout1.xml><?xml version="1.0" encoding="utf-8"?>
-<p:sldLayout xmlns:a="http://schemas.openxmlformats.org/drawingml/2006/main" xmlns:r="http://schemas.openxmlformats.org/officeDocument/2006/relationships" xmlns:p="http://schemas.openxmlformats.org/presentationml/2006/main" xmlns:m="http://schemas.openxmlformats.org/officeDocument/2006/math" xmlns:a14="http://schemas.microsoft.com/office/drawing/2010/main" type="title" showMasterSp="1" showMasterPhAnim="1">
+<p:sldLayout xmlns:a="http://schemas.openxmlformats.org/drawingml/2006/main" xmlns:r="http://schemas.openxmlformats.org/officeDocument/2006/relationships" xmlns:p="http://schemas.openxmlformats.org/presentationml/2006/main" type="title">
   <p:cSld name="Title">
     <p:bg>
       <p:bgPr>
         <a:solidFill>
           <a:srgbClr val="00BFF3"/>
         </a:solidFill>
+        <a:effectLst/>
       </p:bgPr>
     </p:bg>
     <p:spTree>
@@ -830,7 +870,9 @@
       <p:sp>
         <p:nvSpPr>
           <p:cNvPr id="11" name="Author and Date"/>
-          <p:cNvSpPr txBox="1"/>
+          <p:cNvSpPr txBox="1">
+            <a:spLocks noGrp="1"/>
+          </p:cNvSpPr>
           <p:nvPr>
             <p:ph type="body" sz="quarter" idx="21" hasCustomPrompt="1"/>
           </p:nvPr>
@@ -857,7 +899,7 @@
               <a:buClrTx/>
               <a:buSzTx/>
               <a:buNone/>
-              <a:defRPr b="0" cap="all" sz="3600">
+              <a:defRPr sz="3600" b="0" cap="all">
                 <a:solidFill>
                   <a:srgbClr val="FFFFFF"/>
                 </a:solidFill>
@@ -869,7 +911,6 @@
             </a:lvl1pPr>
           </a:lstStyle>
           <a:p>
-            <a:pPr/>
             <a:r>
               <a:t>Author and Date</a:t>
             </a:r>
@@ -879,7 +920,9 @@
       <p:sp>
         <p:nvSpPr>
           <p:cNvPr id="12" name="Body Level One…"/>
-          <p:cNvSpPr txBox="1"/>
+          <p:cNvSpPr txBox="1">
+            <a:spLocks noGrp="1"/>
+          </p:cNvSpPr>
           <p:nvPr>
             <p:ph type="body" sz="quarter" idx="1" hasCustomPrompt="1"/>
           </p:nvPr>
@@ -906,7 +949,7 @@
               <a:buClrTx/>
               <a:buSzTx/>
               <a:buNone/>
-              <a:defRPr b="0" spc="-52" sz="5200">
+              <a:defRPr sz="5200" b="0" spc="-52">
                 <a:solidFill>
                   <a:srgbClr val="000000"/>
                 </a:solidFill>
@@ -926,7 +969,7 @@
               <a:buClrTx/>
               <a:buSzTx/>
               <a:buNone/>
-              <a:defRPr b="0" spc="-52" sz="5200">
+              <a:defRPr sz="5200" b="0" spc="-52">
                 <a:solidFill>
                   <a:srgbClr val="000000"/>
                 </a:solidFill>
@@ -946,7 +989,7 @@
               <a:buClrTx/>
               <a:buSzTx/>
               <a:buNone/>
-              <a:defRPr b="0" spc="-52" sz="5200">
+              <a:defRPr sz="5200" b="0" spc="-52">
                 <a:solidFill>
                   <a:srgbClr val="000000"/>
                 </a:solidFill>
@@ -966,7 +1009,7 @@
               <a:buClrTx/>
               <a:buSzTx/>
               <a:buNone/>
-              <a:defRPr b="0" spc="-52" sz="5200">
+              <a:defRPr sz="5200" b="0" spc="-52">
                 <a:solidFill>
                   <a:srgbClr val="000000"/>
                 </a:solidFill>
@@ -986,7 +1029,7 @@
               <a:buClrTx/>
               <a:buSzTx/>
               <a:buNone/>
-              <a:defRPr b="0" spc="-52" sz="5200">
+              <a:defRPr sz="5200" b="0" spc="-52">
                 <a:solidFill>
                   <a:srgbClr val="000000"/>
                 </a:solidFill>
@@ -998,41 +1041,34 @@
             </a:lvl5pPr>
           </a:lstStyle>
           <a:p>
-            <a:pPr/>
             <a:r>
               <a:t>Presentation Subtitle</a:t>
             </a:r>
           </a:p>
           <a:p>
             <a:pPr lvl="1"/>
-            <a:r>
-              <a:t/>
-            </a:r>
+            <a:endParaRPr/>
           </a:p>
           <a:p>
             <a:pPr lvl="2"/>
-            <a:r>
-              <a:t/>
-            </a:r>
+            <a:endParaRPr/>
           </a:p>
           <a:p>
             <a:pPr lvl="3"/>
-            <a:r>
-              <a:t/>
-            </a:r>
+            <a:endParaRPr/>
           </a:p>
           <a:p>
             <a:pPr lvl="4"/>
-            <a:r>
-              <a:t/>
-            </a:r>
+            <a:endParaRPr/>
           </a:p>
         </p:txBody>
       </p:sp>
       <p:sp>
         <p:nvSpPr>
           <p:cNvPr id="13" name="Presentation Title"/>
-          <p:cNvSpPr txBox="1"/>
+          <p:cNvSpPr txBox="1">
+            <a:spLocks noGrp="1"/>
+          </p:cNvSpPr>
           <p:nvPr>
             <p:ph type="title" hasCustomPrompt="1"/>
           </p:nvPr>
@@ -1050,7 +1086,7 @@
           <a:bodyPr/>
           <a:lstStyle>
             <a:lvl1pPr defTabSz="584200">
-              <a:defRPr spc="-220" sz="22000">
+              <a:defRPr sz="22000" spc="-220">
                 <a:solidFill>
                   <a:srgbClr val="FFFFFF"/>
                 </a:solidFill>
@@ -1058,7 +1094,6 @@
             </a:lvl1pPr>
           </a:lstStyle>
           <a:p>
-            <a:pPr/>
             <a:r>
               <a:t>Presentation Title</a:t>
             </a:r>
@@ -1068,7 +1103,9 @@
       <p:sp>
         <p:nvSpPr>
           <p:cNvPr id="14" name="Slide Number"/>
-          <p:cNvSpPr txBox="1"/>
+          <p:cNvSpPr txBox="1">
+            <a:spLocks noGrp="1"/>
+          </p:cNvSpPr>
           <p:nvPr>
             <p:ph type="sldNum" sz="quarter" idx="2"/>
           </p:nvPr>
@@ -1082,8 +1119,10 @@
           <a:bodyPr/>
           <a:lstStyle/>
           <a:p>
-            <a:pPr/>
-            <a:fld id="{86CB4B4D-7CA3-9044-876B-883B54F8677D}" type="slidenum"/>
+            <a:fld id="{86CB4B4D-7CA3-9044-876B-883B54F8677D}" type="slidenum">
+              <a:t>‹#›</a:t>
+            </a:fld>
+            <a:endParaRPr/>
           </a:p>
         </p:txBody>
       </p:sp>
@@ -1092,18 +1131,19 @@
   <p:clrMapOvr>
     <a:masterClrMapping/>
   </p:clrMapOvr>
-  <p:transition xmlns:p14="http://schemas.microsoft.com/office/powerpoint/2010/main" spd="med" advClick="1"/>
+  <p:transition spd="med"/>
 </p:sldLayout>
 </file>
 
 <file path=ppt/slideLayouts/slideLayout10.xml><?xml version="1.0" encoding="utf-8"?>
-<p:sldLayout xmlns:a="http://schemas.openxmlformats.org/drawingml/2006/main" xmlns:r="http://schemas.openxmlformats.org/officeDocument/2006/relationships" xmlns:p="http://schemas.openxmlformats.org/presentationml/2006/main" xmlns:m="http://schemas.openxmlformats.org/officeDocument/2006/math" xmlns:a14="http://schemas.microsoft.com/office/drawing/2010/main" type="tx" showMasterSp="1" showMasterPhAnim="1">
+<p:sldLayout xmlns:a="http://schemas.openxmlformats.org/drawingml/2006/main" xmlns:r="http://schemas.openxmlformats.org/officeDocument/2006/relationships" xmlns:p="http://schemas.openxmlformats.org/presentationml/2006/main" type="tx">
   <p:cSld name="Statement">
     <p:bg>
       <p:bgPr>
         <a:solidFill>
           <a:schemeClr val="accent6"/>
         </a:solidFill>
+        <a:effectLst/>
       </p:bgPr>
     </p:bg>
     <p:spTree>
@@ -1123,7 +1163,9 @@
       <p:sp>
         <p:nvSpPr>
           <p:cNvPr id="97" name="Body Level One…"/>
-          <p:cNvSpPr txBox="1"/>
+          <p:cNvSpPr txBox="1">
+            <a:spLocks noGrp="1"/>
+          </p:cNvSpPr>
           <p:nvPr>
             <p:ph type="body" sz="half" idx="1" hasCustomPrompt="1"/>
           </p:nvPr>
@@ -1147,7 +1189,7 @@
               <a:buClrTx/>
               <a:buSzTx/>
               <a:buNone/>
-              <a:defRPr b="0" cap="all" sz="14000">
+              <a:defRPr sz="14000" b="0" cap="all">
                 <a:solidFill>
                   <a:srgbClr val="FFFFFF"/>
                 </a:solidFill>
@@ -1164,7 +1206,7 @@
               <a:buClrTx/>
               <a:buSzTx/>
               <a:buNone/>
-              <a:defRPr b="0" cap="all" sz="14000">
+              <a:defRPr sz="14000" b="0" cap="all">
                 <a:solidFill>
                   <a:srgbClr val="FFFFFF"/>
                 </a:solidFill>
@@ -1181,7 +1223,7 @@
               <a:buClrTx/>
               <a:buSzTx/>
               <a:buNone/>
-              <a:defRPr b="0" cap="all" sz="14000">
+              <a:defRPr sz="14000" b="0" cap="all">
                 <a:solidFill>
                   <a:srgbClr val="FFFFFF"/>
                 </a:solidFill>
@@ -1198,7 +1240,7 @@
               <a:buClrTx/>
               <a:buSzTx/>
               <a:buNone/>
-              <a:defRPr b="0" cap="all" sz="14000">
+              <a:defRPr sz="14000" b="0" cap="all">
                 <a:solidFill>
                   <a:srgbClr val="FFFFFF"/>
                 </a:solidFill>
@@ -1215,7 +1257,7 @@
               <a:buClrTx/>
               <a:buSzTx/>
               <a:buNone/>
-              <a:defRPr b="0" cap="all" sz="14000">
+              <a:defRPr sz="14000" b="0" cap="all">
                 <a:solidFill>
                   <a:srgbClr val="FFFFFF"/>
                 </a:solidFill>
@@ -1227,41 +1269,34 @@
             </a:lvl5pPr>
           </a:lstStyle>
           <a:p>
-            <a:pPr/>
             <a:r>
               <a:t>Statement</a:t>
             </a:r>
           </a:p>
           <a:p>
             <a:pPr lvl="1"/>
-            <a:r>
-              <a:t/>
-            </a:r>
+            <a:endParaRPr/>
           </a:p>
           <a:p>
             <a:pPr lvl="2"/>
-            <a:r>
-              <a:t/>
-            </a:r>
+            <a:endParaRPr/>
           </a:p>
           <a:p>
             <a:pPr lvl="3"/>
-            <a:r>
-              <a:t/>
-            </a:r>
+            <a:endParaRPr/>
           </a:p>
           <a:p>
             <a:pPr lvl="4"/>
-            <a:r>
-              <a:t/>
-            </a:r>
+            <a:endParaRPr/>
           </a:p>
         </p:txBody>
       </p:sp>
       <p:sp>
         <p:nvSpPr>
           <p:cNvPr id="98" name="Slide Number"/>
-          <p:cNvSpPr txBox="1"/>
+          <p:cNvSpPr txBox="1">
+            <a:spLocks noGrp="1"/>
+          </p:cNvSpPr>
           <p:nvPr>
             <p:ph type="sldNum" sz="quarter" idx="2"/>
           </p:nvPr>
@@ -1275,8 +1310,10 @@
           <a:bodyPr/>
           <a:lstStyle/>
           <a:p>
-            <a:pPr/>
-            <a:fld id="{86CB4B4D-7CA3-9044-876B-883B54F8677D}" type="slidenum"/>
+            <a:fld id="{86CB4B4D-7CA3-9044-876B-883B54F8677D}" type="slidenum">
+              <a:t>‹#›</a:t>
+            </a:fld>
+            <a:endParaRPr/>
           </a:p>
         </p:txBody>
       </p:sp>
@@ -1285,18 +1322,19 @@
   <p:clrMapOvr>
     <a:masterClrMapping/>
   </p:clrMapOvr>
-  <p:transition xmlns:p14="http://schemas.microsoft.com/office/powerpoint/2010/main" spd="med" advClick="1"/>
+  <p:transition spd="med"/>
 </p:sldLayout>
 </file>
 
 <file path=ppt/slideLayouts/slideLayout11.xml><?xml version="1.0" encoding="utf-8"?>
-<p:sldLayout xmlns:a="http://schemas.openxmlformats.org/drawingml/2006/main" xmlns:r="http://schemas.openxmlformats.org/officeDocument/2006/relationships" xmlns:p="http://schemas.openxmlformats.org/presentationml/2006/main" xmlns:m="http://schemas.openxmlformats.org/officeDocument/2006/math" xmlns:a14="http://schemas.microsoft.com/office/drawing/2010/main" type="tx" showMasterSp="1" showMasterPhAnim="1">
+<p:sldLayout xmlns:a="http://schemas.openxmlformats.org/drawingml/2006/main" xmlns:r="http://schemas.openxmlformats.org/officeDocument/2006/relationships" xmlns:p="http://schemas.openxmlformats.org/presentationml/2006/main" type="tx">
   <p:cSld name="Big Fact">
     <p:bg>
       <p:bgPr>
         <a:solidFill>
           <a:srgbClr val="FFC617"/>
         </a:solidFill>
+        <a:effectLst/>
       </p:bgPr>
     </p:bg>
     <p:spTree>
@@ -1316,7 +1354,9 @@
       <p:sp>
         <p:nvSpPr>
           <p:cNvPr id="105" name="Body Level One…"/>
-          <p:cNvSpPr txBox="1"/>
+          <p:cNvSpPr txBox="1">
+            <a:spLocks noGrp="1"/>
+          </p:cNvSpPr>
           <p:nvPr>
             <p:ph type="body" idx="1" hasCustomPrompt="1"/>
           </p:nvPr>
@@ -1343,7 +1383,7 @@
               <a:buClrTx/>
               <a:buSzTx/>
               <a:buNone/>
-              <a:defRPr b="0" cap="all" spc="-500" sz="50000">
+              <a:defRPr sz="50000" b="0" cap="all" spc="-500">
                 <a:solidFill>
                   <a:srgbClr val="FFFFFF"/>
                 </a:solidFill>
@@ -1363,7 +1403,7 @@
               <a:buClrTx/>
               <a:buSzTx/>
               <a:buNone/>
-              <a:defRPr b="0" cap="all" spc="-500" sz="50000">
+              <a:defRPr sz="50000" b="0" cap="all" spc="-500">
                 <a:solidFill>
                   <a:srgbClr val="FFFFFF"/>
                 </a:solidFill>
@@ -1383,7 +1423,7 @@
               <a:buClrTx/>
               <a:buSzTx/>
               <a:buNone/>
-              <a:defRPr b="0" cap="all" spc="-500" sz="50000">
+              <a:defRPr sz="50000" b="0" cap="all" spc="-500">
                 <a:solidFill>
                   <a:srgbClr val="FFFFFF"/>
                 </a:solidFill>
@@ -1403,7 +1443,7 @@
               <a:buClrTx/>
               <a:buSzTx/>
               <a:buNone/>
-              <a:defRPr b="0" cap="all" spc="-500" sz="50000">
+              <a:defRPr sz="50000" b="0" cap="all" spc="-500">
                 <a:solidFill>
                   <a:srgbClr val="FFFFFF"/>
                 </a:solidFill>
@@ -1423,7 +1463,7 @@
               <a:buClrTx/>
               <a:buSzTx/>
               <a:buNone/>
-              <a:defRPr b="0" cap="all" spc="-500" sz="50000">
+              <a:defRPr sz="50000" b="0" cap="all" spc="-500">
                 <a:solidFill>
                   <a:srgbClr val="FFFFFF"/>
                 </a:solidFill>
@@ -1435,41 +1475,34 @@
             </a:lvl5pPr>
           </a:lstStyle>
           <a:p>
-            <a:pPr/>
             <a:r>
               <a:t>100%</a:t>
             </a:r>
           </a:p>
           <a:p>
             <a:pPr lvl="1"/>
-            <a:r>
-              <a:t/>
-            </a:r>
+            <a:endParaRPr/>
           </a:p>
           <a:p>
             <a:pPr lvl="2"/>
-            <a:r>
-              <a:t/>
-            </a:r>
+            <a:endParaRPr/>
           </a:p>
           <a:p>
             <a:pPr lvl="3"/>
-            <a:r>
-              <a:t/>
-            </a:r>
+            <a:endParaRPr/>
           </a:p>
           <a:p>
             <a:pPr lvl="4"/>
-            <a:r>
-              <a:t/>
-            </a:r>
+            <a:endParaRPr/>
           </a:p>
         </p:txBody>
       </p:sp>
       <p:sp>
         <p:nvSpPr>
           <p:cNvPr id="106" name="Fact information"/>
-          <p:cNvSpPr txBox="1"/>
+          <p:cNvSpPr txBox="1">
+            <a:spLocks noGrp="1"/>
+          </p:cNvSpPr>
           <p:nvPr>
             <p:ph type="body" sz="quarter" idx="21" hasCustomPrompt="1"/>
           </p:nvPr>
@@ -1496,7 +1529,7 @@
               <a:buClrTx/>
               <a:buSzTx/>
               <a:buNone/>
-              <a:defRPr b="0" cap="all" spc="-32" sz="3200">
+              <a:defRPr sz="3200" b="0" cap="all" spc="-32">
                 <a:solidFill>
                   <a:srgbClr val="000000"/>
                 </a:solidFill>
@@ -1508,7 +1541,6 @@
             </a:lvl1pPr>
           </a:lstStyle>
           <a:p>
-            <a:pPr/>
             <a:r>
               <a:t>Fact information</a:t>
             </a:r>
@@ -1518,7 +1550,9 @@
       <p:sp>
         <p:nvSpPr>
           <p:cNvPr id="107" name="Slide Number"/>
-          <p:cNvSpPr txBox="1"/>
+          <p:cNvSpPr txBox="1">
+            <a:spLocks noGrp="1"/>
+          </p:cNvSpPr>
           <p:nvPr>
             <p:ph type="sldNum" sz="quarter" idx="2"/>
           </p:nvPr>
@@ -1532,8 +1566,10 @@
           <a:bodyPr/>
           <a:lstStyle/>
           <a:p>
-            <a:pPr/>
-            <a:fld id="{86CB4B4D-7CA3-9044-876B-883B54F8677D}" type="slidenum"/>
+            <a:fld id="{86CB4B4D-7CA3-9044-876B-883B54F8677D}" type="slidenum">
+              <a:t>‹#›</a:t>
+            </a:fld>
+            <a:endParaRPr/>
           </a:p>
         </p:txBody>
       </p:sp>
@@ -1542,18 +1578,19 @@
   <p:clrMapOvr>
     <a:masterClrMapping/>
   </p:clrMapOvr>
-  <p:transition xmlns:p14="http://schemas.microsoft.com/office/powerpoint/2010/main" spd="med" advClick="1"/>
+  <p:transition spd="med"/>
 </p:sldLayout>
 </file>
 
 <file path=ppt/slideLayouts/slideLayout12.xml><?xml version="1.0" encoding="utf-8"?>
-<p:sldLayout xmlns:a="http://schemas.openxmlformats.org/drawingml/2006/main" xmlns:r="http://schemas.openxmlformats.org/officeDocument/2006/relationships" xmlns:p="http://schemas.openxmlformats.org/presentationml/2006/main" xmlns:m="http://schemas.openxmlformats.org/officeDocument/2006/math" xmlns:a14="http://schemas.microsoft.com/office/drawing/2010/main" type="tx" showMasterSp="1" showMasterPhAnim="1">
+<p:sldLayout xmlns:a="http://schemas.openxmlformats.org/drawingml/2006/main" xmlns:r="http://schemas.openxmlformats.org/officeDocument/2006/relationships" xmlns:p="http://schemas.openxmlformats.org/presentationml/2006/main" type="tx">
   <p:cSld name="Quote">
     <p:bg>
       <p:bgPr>
         <a:solidFill>
           <a:srgbClr val="00BFF3"/>
         </a:solidFill>
+        <a:effectLst/>
       </p:bgPr>
     </p:bg>
     <p:spTree>
@@ -1573,7 +1610,9 @@
       <p:sp>
         <p:nvSpPr>
           <p:cNvPr id="114" name="Body Level One…"/>
-          <p:cNvSpPr txBox="1"/>
+          <p:cNvSpPr txBox="1">
+            <a:spLocks noGrp="1"/>
+          </p:cNvSpPr>
           <p:nvPr>
             <p:ph type="body" sz="half" idx="1" hasCustomPrompt="1"/>
           </p:nvPr>
@@ -1597,7 +1636,7 @@
               <a:buClrTx/>
               <a:buSzTx/>
               <a:buNone/>
-              <a:defRPr b="0" cap="all" sz="14000">
+              <a:defRPr sz="14000" b="0" cap="all">
                 <a:solidFill>
                   <a:srgbClr val="FFFFFF"/>
                 </a:solidFill>
@@ -1614,7 +1653,7 @@
               <a:buClrTx/>
               <a:buSzTx/>
               <a:buNone/>
-              <a:defRPr b="0" cap="all" sz="14000">
+              <a:defRPr sz="14000" b="0" cap="all">
                 <a:solidFill>
                   <a:srgbClr val="FFFFFF"/>
                 </a:solidFill>
@@ -1631,7 +1670,7 @@
               <a:buClrTx/>
               <a:buSzTx/>
               <a:buNone/>
-              <a:defRPr b="0" cap="all" sz="14000">
+              <a:defRPr sz="14000" b="0" cap="all">
                 <a:solidFill>
                   <a:srgbClr val="FFFFFF"/>
                 </a:solidFill>
@@ -1648,7 +1687,7 @@
               <a:buClrTx/>
               <a:buSzTx/>
               <a:buNone/>
-              <a:defRPr b="0" cap="all" sz="14000">
+              <a:defRPr sz="14000" b="0" cap="all">
                 <a:solidFill>
                   <a:srgbClr val="FFFFFF"/>
                 </a:solidFill>
@@ -1665,7 +1704,7 @@
               <a:buClrTx/>
               <a:buSzTx/>
               <a:buNone/>
-              <a:defRPr b="0" cap="all" sz="14000">
+              <a:defRPr sz="14000" b="0" cap="all">
                 <a:solidFill>
                   <a:srgbClr val="FFFFFF"/>
                 </a:solidFill>
@@ -1677,41 +1716,34 @@
             </a:lvl5pPr>
           </a:lstStyle>
           <a:p>
-            <a:pPr/>
             <a:r>
               <a:t>“Notable Quote”</a:t>
             </a:r>
           </a:p>
           <a:p>
             <a:pPr lvl="1"/>
-            <a:r>
-              <a:t/>
-            </a:r>
+            <a:endParaRPr/>
           </a:p>
           <a:p>
             <a:pPr lvl="2"/>
-            <a:r>
-              <a:t/>
-            </a:r>
+            <a:endParaRPr/>
           </a:p>
           <a:p>
             <a:pPr lvl="3"/>
-            <a:r>
-              <a:t/>
-            </a:r>
+            <a:endParaRPr/>
           </a:p>
           <a:p>
             <a:pPr lvl="4"/>
-            <a:r>
-              <a:t/>
-            </a:r>
+            <a:endParaRPr/>
           </a:p>
         </p:txBody>
       </p:sp>
       <p:sp>
         <p:nvSpPr>
           <p:cNvPr id="115" name="Attribution"/>
-          <p:cNvSpPr txBox="1"/>
+          <p:cNvSpPr txBox="1">
+            <a:spLocks noGrp="1"/>
+          </p:cNvSpPr>
           <p:nvPr>
             <p:ph type="body" sz="quarter" idx="21" hasCustomPrompt="1"/>
           </p:nvPr>
@@ -1738,7 +1770,7 @@
               <a:buClrTx/>
               <a:buSzTx/>
               <a:buNone/>
-              <a:defRPr b="0" cap="all" spc="-32" sz="3200">
+              <a:defRPr sz="3200" b="0" cap="all" spc="-32">
                 <a:solidFill>
                   <a:srgbClr val="FFFFFF"/>
                 </a:solidFill>
@@ -1750,7 +1782,6 @@
             </a:lvl1pPr>
           </a:lstStyle>
           <a:p>
-            <a:pPr/>
             <a:r>
               <a:t>Attribution</a:t>
             </a:r>
@@ -1760,7 +1791,9 @@
       <p:sp>
         <p:nvSpPr>
           <p:cNvPr id="116" name="Slide Number"/>
-          <p:cNvSpPr txBox="1"/>
+          <p:cNvSpPr txBox="1">
+            <a:spLocks noGrp="1"/>
+          </p:cNvSpPr>
           <p:nvPr>
             <p:ph type="sldNum" sz="quarter" idx="2"/>
           </p:nvPr>
@@ -1774,8 +1807,10 @@
           <a:bodyPr/>
           <a:lstStyle/>
           <a:p>
-            <a:pPr/>
-            <a:fld id="{86CB4B4D-7CA3-9044-876B-883B54F8677D}" type="slidenum"/>
+            <a:fld id="{86CB4B4D-7CA3-9044-876B-883B54F8677D}" type="slidenum">
+              <a:t>‹#›</a:t>
+            </a:fld>
+            <a:endParaRPr/>
           </a:p>
         </p:txBody>
       </p:sp>
@@ -1784,12 +1819,12 @@
   <p:clrMapOvr>
     <a:masterClrMapping/>
   </p:clrMapOvr>
-  <p:transition xmlns:p14="http://schemas.microsoft.com/office/powerpoint/2010/main" spd="med" advClick="1"/>
+  <p:transition spd="med"/>
 </p:sldLayout>
 </file>
 
 <file path=ppt/slideLayouts/slideLayout13.xml><?xml version="1.0" encoding="utf-8"?>
-<p:sldLayout xmlns:a="http://schemas.openxmlformats.org/drawingml/2006/main" xmlns:r="http://schemas.openxmlformats.org/officeDocument/2006/relationships" xmlns:p="http://schemas.openxmlformats.org/presentationml/2006/main" xmlns:m="http://schemas.openxmlformats.org/officeDocument/2006/math" xmlns:a14="http://schemas.microsoft.com/office/drawing/2010/main" type="tx" showMasterSp="1" showMasterPhAnim="1">
+<p:sldLayout xmlns:a="http://schemas.openxmlformats.org/drawingml/2006/main" xmlns:r="http://schemas.openxmlformats.org/officeDocument/2006/relationships" xmlns:p="http://schemas.openxmlformats.org/presentationml/2006/main" type="tx">
   <p:cSld name="Photo - 3 Up">
     <p:spTree>
       <p:nvGrpSpPr>
@@ -1808,7 +1843,9 @@
       <p:sp>
         <p:nvSpPr>
           <p:cNvPr id="123" name="A person’s lower body with blue trousers and green shoes on a yellow and pink floor"/>
-          <p:cNvSpPr/>
+          <p:cNvSpPr>
+            <a:spLocks noGrp="1"/>
+          </p:cNvSpPr>
           <p:nvPr>
             <p:ph type="pic" sz="half" idx="21"/>
           </p:nvPr>
@@ -1828,14 +1865,16 @@
           </a:bodyPr>
           <a:lstStyle/>
           <a:p>
-            <a:pPr/>
+            <a:endParaRPr/>
           </a:p>
         </p:txBody>
       </p:sp>
       <p:sp>
         <p:nvSpPr>
           <p:cNvPr id="124" name="Two adults wearing outfits with bold, solid colours — green, blue, pink and yellow"/>
-          <p:cNvSpPr/>
+          <p:cNvSpPr>
+            <a:spLocks noGrp="1"/>
+          </p:cNvSpPr>
           <p:nvPr>
             <p:ph type="pic" sz="half" idx="22"/>
           </p:nvPr>
@@ -1855,14 +1894,16 @@
           </a:bodyPr>
           <a:lstStyle/>
           <a:p>
-            <a:pPr/>
+            <a:endParaRPr/>
           </a:p>
         </p:txBody>
       </p:sp>
       <p:sp>
         <p:nvSpPr>
           <p:cNvPr id="125" name="Person blowing pink bubblegum against a solid pink and blue background"/>
-          <p:cNvSpPr/>
+          <p:cNvSpPr>
+            <a:spLocks noGrp="1"/>
+          </p:cNvSpPr>
           <p:nvPr>
             <p:ph type="pic" idx="23"/>
           </p:nvPr>
@@ -1882,14 +1923,16 @@
           </a:bodyPr>
           <a:lstStyle/>
           <a:p>
-            <a:pPr/>
+            <a:endParaRPr/>
           </a:p>
         </p:txBody>
       </p:sp>
       <p:sp>
         <p:nvSpPr>
           <p:cNvPr id="126" name="Slide Number"/>
-          <p:cNvSpPr txBox="1"/>
+          <p:cNvSpPr txBox="1">
+            <a:spLocks noGrp="1"/>
+          </p:cNvSpPr>
           <p:nvPr>
             <p:ph type="sldNum" sz="quarter" idx="2"/>
           </p:nvPr>
@@ -1903,8 +1946,10 @@
           <a:bodyPr/>
           <a:lstStyle/>
           <a:p>
-            <a:pPr/>
-            <a:fld id="{86CB4B4D-7CA3-9044-876B-883B54F8677D}" type="slidenum"/>
+            <a:fld id="{86CB4B4D-7CA3-9044-876B-883B54F8677D}" type="slidenum">
+              <a:t>‹#›</a:t>
+            </a:fld>
+            <a:endParaRPr/>
           </a:p>
         </p:txBody>
       </p:sp>
@@ -1913,12 +1958,12 @@
   <p:clrMapOvr>
     <a:masterClrMapping/>
   </p:clrMapOvr>
-  <p:transition xmlns:p14="http://schemas.microsoft.com/office/powerpoint/2010/main" spd="med" advClick="1"/>
+  <p:transition spd="med"/>
 </p:sldLayout>
 </file>
 
 <file path=ppt/slideLayouts/slideLayout14.xml><?xml version="1.0" encoding="utf-8"?>
-<p:sldLayout xmlns:a="http://schemas.openxmlformats.org/drawingml/2006/main" xmlns:r="http://schemas.openxmlformats.org/officeDocument/2006/relationships" xmlns:p="http://schemas.openxmlformats.org/presentationml/2006/main" xmlns:m="http://schemas.openxmlformats.org/officeDocument/2006/math" xmlns:a14="http://schemas.microsoft.com/office/drawing/2010/main" type="tx" showMasterSp="1" showMasterPhAnim="1">
+<p:sldLayout xmlns:a="http://schemas.openxmlformats.org/drawingml/2006/main" xmlns:r="http://schemas.openxmlformats.org/officeDocument/2006/relationships" xmlns:p="http://schemas.openxmlformats.org/presentationml/2006/main" type="tx">
   <p:cSld name="Photo">
     <p:spTree>
       <p:nvGrpSpPr>
@@ -1937,7 +1982,9 @@
       <p:sp>
         <p:nvSpPr>
           <p:cNvPr id="133" name="A person’s lower body with blue trousers and green shoes on a yellow and pink floor"/>
-          <p:cNvSpPr/>
+          <p:cNvSpPr>
+            <a:spLocks noGrp="1"/>
+          </p:cNvSpPr>
           <p:nvPr>
             <p:ph type="pic" idx="21"/>
           </p:nvPr>
@@ -1957,14 +2004,16 @@
           </a:bodyPr>
           <a:lstStyle/>
           <a:p>
-            <a:pPr/>
+            <a:endParaRPr/>
           </a:p>
         </p:txBody>
       </p:sp>
       <p:sp>
         <p:nvSpPr>
           <p:cNvPr id="134" name="Slide Number"/>
-          <p:cNvSpPr txBox="1"/>
+          <p:cNvSpPr txBox="1">
+            <a:spLocks noGrp="1"/>
+          </p:cNvSpPr>
           <p:nvPr>
             <p:ph type="sldNum" sz="quarter" idx="2"/>
           </p:nvPr>
@@ -1978,8 +2027,10 @@
           <a:bodyPr/>
           <a:lstStyle/>
           <a:p>
-            <a:pPr/>
-            <a:fld id="{86CB4B4D-7CA3-9044-876B-883B54F8677D}" type="slidenum"/>
+            <a:fld id="{86CB4B4D-7CA3-9044-876B-883B54F8677D}" type="slidenum">
+              <a:t>‹#›</a:t>
+            </a:fld>
+            <a:endParaRPr/>
           </a:p>
         </p:txBody>
       </p:sp>
@@ -1988,12 +2039,12 @@
   <p:clrMapOvr>
     <a:masterClrMapping/>
   </p:clrMapOvr>
-  <p:transition xmlns:p14="http://schemas.microsoft.com/office/powerpoint/2010/main" spd="med" advClick="1"/>
+  <p:transition spd="med"/>
 </p:sldLayout>
 </file>
 
 <file path=ppt/slideLayouts/slideLayout15.xml><?xml version="1.0" encoding="utf-8"?>
-<p:sldLayout xmlns:a="http://schemas.openxmlformats.org/drawingml/2006/main" xmlns:r="http://schemas.openxmlformats.org/officeDocument/2006/relationships" xmlns:p="http://schemas.openxmlformats.org/presentationml/2006/main" xmlns:m="http://schemas.openxmlformats.org/officeDocument/2006/math" xmlns:a14="http://schemas.microsoft.com/office/drawing/2010/main" type="tx" showMasterSp="1" showMasterPhAnim="1">
+<p:sldLayout xmlns:a="http://schemas.openxmlformats.org/drawingml/2006/main" xmlns:r="http://schemas.openxmlformats.org/officeDocument/2006/relationships" xmlns:p="http://schemas.openxmlformats.org/presentationml/2006/main" type="tx">
   <p:cSld name="Blank">
     <p:spTree>
       <p:nvGrpSpPr>
@@ -2012,7 +2063,9 @@
       <p:sp>
         <p:nvSpPr>
           <p:cNvPr id="141" name="Slide Number"/>
-          <p:cNvSpPr txBox="1"/>
+          <p:cNvSpPr txBox="1">
+            <a:spLocks noGrp="1"/>
+          </p:cNvSpPr>
           <p:nvPr>
             <p:ph type="sldNum" sz="quarter" idx="2"/>
           </p:nvPr>
@@ -2026,8 +2079,10 @@
           <a:bodyPr/>
           <a:lstStyle/>
           <a:p>
-            <a:pPr/>
-            <a:fld id="{86CB4B4D-7CA3-9044-876B-883B54F8677D}" type="slidenum"/>
+            <a:fld id="{86CB4B4D-7CA3-9044-876B-883B54F8677D}" type="slidenum">
+              <a:t>‹#›</a:t>
+            </a:fld>
+            <a:endParaRPr/>
           </a:p>
         </p:txBody>
       </p:sp>
@@ -2036,16 +2091,17 @@
   <p:clrMapOvr>
     <a:masterClrMapping/>
   </p:clrMapOvr>
-  <p:transition xmlns:p14="http://schemas.microsoft.com/office/powerpoint/2010/main" spd="med" advClick="1"/>
+  <p:transition spd="med"/>
 </p:sldLayout>
 </file>
 
 <file path=ppt/slideLayouts/slideLayout2.xml><?xml version="1.0" encoding="utf-8"?>
-<p:sldLayout xmlns:a="http://schemas.openxmlformats.org/drawingml/2006/main" xmlns:r="http://schemas.openxmlformats.org/officeDocument/2006/relationships" xmlns:p="http://schemas.openxmlformats.org/presentationml/2006/main" xmlns:m="http://schemas.openxmlformats.org/officeDocument/2006/math" xmlns:a14="http://schemas.microsoft.com/office/drawing/2010/main" type="tx" showMasterSp="1" showMasterPhAnim="1">
+<p:sldLayout xmlns:a="http://schemas.openxmlformats.org/drawingml/2006/main" xmlns:r="http://schemas.openxmlformats.org/officeDocument/2006/relationships" xmlns:p="http://schemas.openxmlformats.org/presentationml/2006/main" type="tx">
   <p:cSld name="Title &amp; Photo">
     <p:bg>
       <p:bgPr>
         <a:noFill/>
+        <a:effectLst/>
       </p:bgPr>
     </p:bg>
     <p:spTree>
@@ -2065,7 +2121,9 @@
       <p:sp>
         <p:nvSpPr>
           <p:cNvPr id="21" name="Two adults wearing outfits with bold, solid colours — green, blue, pink and yellow"/>
-          <p:cNvSpPr/>
+          <p:cNvSpPr>
+            <a:spLocks noGrp="1"/>
+          </p:cNvSpPr>
           <p:nvPr>
             <p:ph type="pic" idx="21"/>
           </p:nvPr>
@@ -2085,14 +2143,16 @@
           </a:bodyPr>
           <a:lstStyle/>
           <a:p>
-            <a:pPr/>
+            <a:endParaRPr/>
           </a:p>
         </p:txBody>
       </p:sp>
       <p:sp>
         <p:nvSpPr>
           <p:cNvPr id="22" name="Body Level One…"/>
-          <p:cNvSpPr txBox="1"/>
+          <p:cNvSpPr txBox="1">
+            <a:spLocks noGrp="1"/>
+          </p:cNvSpPr>
           <p:nvPr>
             <p:ph type="body" sz="quarter" idx="1" hasCustomPrompt="1"/>
           </p:nvPr>
@@ -2119,7 +2179,7 @@
               <a:buClrTx/>
               <a:buSzTx/>
               <a:buNone/>
-              <a:defRPr b="0" spc="-52" sz="5200">
+              <a:defRPr sz="5200" b="0" spc="-52">
                 <a:solidFill>
                   <a:srgbClr val="FFFFFF"/>
                 </a:solidFill>
@@ -2139,7 +2199,7 @@
               <a:buClrTx/>
               <a:buSzTx/>
               <a:buNone/>
-              <a:defRPr b="0" spc="-52" sz="5200">
+              <a:defRPr sz="5200" b="0" spc="-52">
                 <a:solidFill>
                   <a:srgbClr val="FFFFFF"/>
                 </a:solidFill>
@@ -2159,7 +2219,7 @@
               <a:buClrTx/>
               <a:buSzTx/>
               <a:buNone/>
-              <a:defRPr b="0" spc="-52" sz="5200">
+              <a:defRPr sz="5200" b="0" spc="-52">
                 <a:solidFill>
                   <a:srgbClr val="FFFFFF"/>
                 </a:solidFill>
@@ -2179,7 +2239,7 @@
               <a:buClrTx/>
               <a:buSzTx/>
               <a:buNone/>
-              <a:defRPr b="0" spc="-52" sz="5200">
+              <a:defRPr sz="5200" b="0" spc="-52">
                 <a:solidFill>
                   <a:srgbClr val="FFFFFF"/>
                 </a:solidFill>
@@ -2199,7 +2259,7 @@
               <a:buClrTx/>
               <a:buSzTx/>
               <a:buNone/>
-              <a:defRPr b="0" spc="-52" sz="5200">
+              <a:defRPr sz="5200" b="0" spc="-52">
                 <a:solidFill>
                   <a:srgbClr val="FFFFFF"/>
                 </a:solidFill>
@@ -2211,41 +2271,34 @@
             </a:lvl5pPr>
           </a:lstStyle>
           <a:p>
-            <a:pPr/>
             <a:r>
               <a:t>Presentation Subtitle</a:t>
             </a:r>
           </a:p>
           <a:p>
             <a:pPr lvl="1"/>
-            <a:r>
-              <a:t/>
-            </a:r>
+            <a:endParaRPr/>
           </a:p>
           <a:p>
             <a:pPr lvl="2"/>
-            <a:r>
-              <a:t/>
-            </a:r>
+            <a:endParaRPr/>
           </a:p>
           <a:p>
             <a:pPr lvl="3"/>
-            <a:r>
-              <a:t/>
-            </a:r>
+            <a:endParaRPr/>
           </a:p>
           <a:p>
             <a:pPr lvl="4"/>
-            <a:r>
-              <a:t/>
-            </a:r>
+            <a:endParaRPr/>
           </a:p>
         </p:txBody>
       </p:sp>
       <p:sp>
         <p:nvSpPr>
           <p:cNvPr id="23" name="Presentation Title"/>
-          <p:cNvSpPr txBox="1"/>
+          <p:cNvSpPr txBox="1">
+            <a:spLocks noGrp="1"/>
+          </p:cNvSpPr>
           <p:nvPr>
             <p:ph type="title" hasCustomPrompt="1"/>
           </p:nvPr>
@@ -2263,7 +2316,7 @@
           <a:bodyPr/>
           <a:lstStyle>
             <a:lvl1pPr defTabSz="584200">
-              <a:defRPr spc="-220" sz="22000">
+              <a:defRPr sz="22000" spc="-220">
                 <a:solidFill>
                   <a:srgbClr val="FFFFFF"/>
                 </a:solidFill>
@@ -2271,7 +2324,6 @@
             </a:lvl1pPr>
           </a:lstStyle>
           <a:p>
-            <a:pPr/>
             <a:r>
               <a:t>Presentation Title</a:t>
             </a:r>
@@ -2281,7 +2333,9 @@
       <p:sp>
         <p:nvSpPr>
           <p:cNvPr id="24" name="Author and Date"/>
-          <p:cNvSpPr txBox="1"/>
+          <p:cNvSpPr txBox="1">
+            <a:spLocks noGrp="1"/>
+          </p:cNvSpPr>
           <p:nvPr>
             <p:ph type="body" sz="quarter" idx="22" hasCustomPrompt="1"/>
           </p:nvPr>
@@ -2308,7 +2362,7 @@
               <a:buClrTx/>
               <a:buSzTx/>
               <a:buNone/>
-              <a:defRPr b="0" cap="all" sz="3600">
+              <a:defRPr sz="3600" b="0" cap="all">
                 <a:solidFill>
                   <a:srgbClr val="FFFFFF"/>
                 </a:solidFill>
@@ -2320,7 +2374,6 @@
             </a:lvl1pPr>
           </a:lstStyle>
           <a:p>
-            <a:pPr/>
             <a:r>
               <a:t>Author and Date</a:t>
             </a:r>
@@ -2330,7 +2383,9 @@
       <p:sp>
         <p:nvSpPr>
           <p:cNvPr id="25" name="Slide Number"/>
-          <p:cNvSpPr txBox="1"/>
+          <p:cNvSpPr txBox="1">
+            <a:spLocks noGrp="1"/>
+          </p:cNvSpPr>
           <p:nvPr>
             <p:ph type="sldNum" sz="quarter" idx="2"/>
           </p:nvPr>
@@ -2344,8 +2399,10 @@
           <a:bodyPr/>
           <a:lstStyle/>
           <a:p>
-            <a:pPr/>
-            <a:fld id="{86CB4B4D-7CA3-9044-876B-883B54F8677D}" type="slidenum"/>
+            <a:fld id="{86CB4B4D-7CA3-9044-876B-883B54F8677D}" type="slidenum">
+              <a:t>‹#›</a:t>
+            </a:fld>
+            <a:endParaRPr/>
           </a:p>
         </p:txBody>
       </p:sp>
@@ -2354,18 +2411,19 @@
   <p:clrMapOvr>
     <a:masterClrMapping/>
   </p:clrMapOvr>
-  <p:transition xmlns:p14="http://schemas.microsoft.com/office/powerpoint/2010/main" spd="med" advClick="1"/>
+  <p:transition spd="med"/>
 </p:sldLayout>
 </file>
 
 <file path=ppt/slideLayouts/slideLayout3.xml><?xml version="1.0" encoding="utf-8"?>
-<p:sldLayout xmlns:a="http://schemas.openxmlformats.org/drawingml/2006/main" xmlns:r="http://schemas.openxmlformats.org/officeDocument/2006/relationships" xmlns:p="http://schemas.openxmlformats.org/presentationml/2006/main" xmlns:m="http://schemas.openxmlformats.org/officeDocument/2006/math" xmlns:a14="http://schemas.microsoft.com/office/drawing/2010/main" type="tx" showMasterSp="1" showMasterPhAnim="1">
+<p:sldLayout xmlns:a="http://schemas.openxmlformats.org/drawingml/2006/main" xmlns:r="http://schemas.openxmlformats.org/officeDocument/2006/relationships" xmlns:p="http://schemas.openxmlformats.org/presentationml/2006/main" type="tx">
   <p:cSld name="Title &amp; Photo Alt">
     <p:bg>
       <p:bgPr>
         <a:solidFill>
           <a:srgbClr val="00BFF3"/>
         </a:solidFill>
+        <a:effectLst/>
       </p:bgPr>
     </p:bg>
     <p:spTree>
@@ -2385,7 +2443,9 @@
       <p:sp>
         <p:nvSpPr>
           <p:cNvPr id="32" name="Body Level One…"/>
-          <p:cNvSpPr txBox="1"/>
+          <p:cNvSpPr txBox="1">
+            <a:spLocks noGrp="1"/>
+          </p:cNvSpPr>
           <p:nvPr>
             <p:ph type="body" sz="quarter" idx="1" hasCustomPrompt="1"/>
           </p:nvPr>
@@ -2412,7 +2472,7 @@
               <a:buClrTx/>
               <a:buSzTx/>
               <a:buNone/>
-              <a:defRPr b="0" spc="-32" sz="3200">
+              <a:defRPr sz="3200" b="0" spc="-32">
                 <a:solidFill>
                   <a:srgbClr val="FFFFFF"/>
                 </a:solidFill>
@@ -2432,7 +2492,7 @@
               <a:buClrTx/>
               <a:buSzTx/>
               <a:buNone/>
-              <a:defRPr b="0" spc="-32" sz="3200">
+              <a:defRPr sz="3200" b="0" spc="-32">
                 <a:solidFill>
                   <a:srgbClr val="FFFFFF"/>
                 </a:solidFill>
@@ -2452,7 +2512,7 @@
               <a:buClrTx/>
               <a:buSzTx/>
               <a:buNone/>
-              <a:defRPr b="0" spc="-32" sz="3200">
+              <a:defRPr sz="3200" b="0" spc="-32">
                 <a:solidFill>
                   <a:srgbClr val="FFFFFF"/>
                 </a:solidFill>
@@ -2472,7 +2532,7 @@
               <a:buClrTx/>
               <a:buSzTx/>
               <a:buNone/>
-              <a:defRPr b="0" spc="-32" sz="3200">
+              <a:defRPr sz="3200" b="0" spc="-32">
                 <a:solidFill>
                   <a:srgbClr val="FFFFFF"/>
                 </a:solidFill>
@@ -2492,7 +2552,7 @@
               <a:buClrTx/>
               <a:buSzTx/>
               <a:buNone/>
-              <a:defRPr b="0" spc="-32" sz="3200">
+              <a:defRPr sz="3200" b="0" spc="-32">
                 <a:solidFill>
                   <a:srgbClr val="FFFFFF"/>
                 </a:solidFill>
@@ -2504,41 +2564,34 @@
             </a:lvl5pPr>
           </a:lstStyle>
           <a:p>
-            <a:pPr/>
             <a:r>
               <a:t>Caption Text</a:t>
             </a:r>
           </a:p>
           <a:p>
             <a:pPr lvl="1"/>
-            <a:r>
-              <a:t/>
-            </a:r>
+            <a:endParaRPr/>
           </a:p>
           <a:p>
             <a:pPr lvl="2"/>
-            <a:r>
-              <a:t/>
-            </a:r>
+            <a:endParaRPr/>
           </a:p>
           <a:p>
             <a:pPr lvl="3"/>
-            <a:r>
-              <a:t/>
-            </a:r>
+            <a:endParaRPr/>
           </a:p>
           <a:p>
             <a:pPr lvl="4"/>
-            <a:r>
-              <a:t/>
-            </a:r>
+            <a:endParaRPr/>
           </a:p>
         </p:txBody>
       </p:sp>
       <p:sp>
         <p:nvSpPr>
           <p:cNvPr id="33" name="A person’s lower body with blue trousers and green shoes on a yellow and pink floor"/>
-          <p:cNvSpPr/>
+          <p:cNvSpPr>
+            <a:spLocks noGrp="1"/>
+          </p:cNvSpPr>
           <p:nvPr>
             <p:ph type="pic" idx="21"/>
           </p:nvPr>
@@ -2558,14 +2611,16 @@
           </a:bodyPr>
           <a:lstStyle/>
           <a:p>
-            <a:pPr/>
+            <a:endParaRPr/>
           </a:p>
         </p:txBody>
       </p:sp>
       <p:sp>
         <p:nvSpPr>
           <p:cNvPr id="34" name="Slide Title"/>
-          <p:cNvSpPr txBox="1"/>
+          <p:cNvSpPr txBox="1">
+            <a:spLocks noGrp="1"/>
+          </p:cNvSpPr>
           <p:nvPr>
             <p:ph type="title" hasCustomPrompt="1"/>
           </p:nvPr>
@@ -2583,7 +2638,7 @@
           <a:bodyPr anchor="b"/>
           <a:lstStyle>
             <a:lvl1pPr algn="ctr" defTabSz="584200">
-              <a:defRPr spc="-220" sz="22000">
+              <a:defRPr sz="22000" spc="-220">
                 <a:solidFill>
                   <a:srgbClr val="FFD74C"/>
                 </a:solidFill>
@@ -2591,7 +2646,6 @@
             </a:lvl1pPr>
           </a:lstStyle>
           <a:p>
-            <a:pPr/>
             <a:r>
               <a:t>Slide Title</a:t>
             </a:r>
@@ -2627,7 +2681,7 @@
               <a:lnSpc>
                 <a:spcPct val="120000"/>
               </a:lnSpc>
-              <a:defRPr cap="all" sz="3000">
+              <a:defRPr sz="3000" cap="all">
                 <a:solidFill>
                   <a:srgbClr val="FFFFFF"/>
                 </a:solidFill>
@@ -2637,13 +2691,16 @@
                 <a:sym typeface="Proxima Nova Extrabold"/>
               </a:defRPr>
             </a:pPr>
+            <a:endParaRPr/>
           </a:p>
         </p:txBody>
       </p:sp>
       <p:sp>
         <p:nvSpPr>
           <p:cNvPr id="36" name="Slide Number"/>
-          <p:cNvSpPr txBox="1"/>
+          <p:cNvSpPr txBox="1">
+            <a:spLocks noGrp="1"/>
+          </p:cNvSpPr>
           <p:nvPr>
             <p:ph type="sldNum" sz="quarter" idx="2"/>
           </p:nvPr>
@@ -2657,8 +2714,10 @@
           <a:bodyPr/>
           <a:lstStyle/>
           <a:p>
-            <a:pPr/>
-            <a:fld id="{86CB4B4D-7CA3-9044-876B-883B54F8677D}" type="slidenum"/>
+            <a:fld id="{86CB4B4D-7CA3-9044-876B-883B54F8677D}" type="slidenum">
+              <a:t>‹#›</a:t>
+            </a:fld>
+            <a:endParaRPr/>
           </a:p>
         </p:txBody>
       </p:sp>
@@ -2667,12 +2726,12 @@
   <p:clrMapOvr>
     <a:masterClrMapping/>
   </p:clrMapOvr>
-  <p:transition xmlns:p14="http://schemas.microsoft.com/office/powerpoint/2010/main" spd="med" advClick="1"/>
+  <p:transition spd="med"/>
 </p:sldLayout>
 </file>
 
 <file path=ppt/slideLayouts/slideLayout4.xml><?xml version="1.0" encoding="utf-8"?>
-<p:sldLayout xmlns:a="http://schemas.openxmlformats.org/drawingml/2006/main" xmlns:r="http://schemas.openxmlformats.org/officeDocument/2006/relationships" xmlns:p="http://schemas.openxmlformats.org/presentationml/2006/main" xmlns:m="http://schemas.openxmlformats.org/officeDocument/2006/math" xmlns:a14="http://schemas.microsoft.com/office/drawing/2010/main" type="tx" showMasterSp="1" showMasterPhAnim="1">
+<p:sldLayout xmlns:a="http://schemas.openxmlformats.org/drawingml/2006/main" xmlns:r="http://schemas.openxmlformats.org/officeDocument/2006/relationships" xmlns:p="http://schemas.openxmlformats.org/presentationml/2006/main" type="tx">
   <p:cSld name="Title &amp; Bullets">
     <p:spTree>
       <p:nvGrpSpPr>
@@ -2691,7 +2750,9 @@
       <p:sp>
         <p:nvSpPr>
           <p:cNvPr id="43" name="Body Level One…"/>
-          <p:cNvSpPr txBox="1"/>
+          <p:cNvSpPr txBox="1">
+            <a:spLocks noGrp="1"/>
+          </p:cNvSpPr>
           <p:nvPr>
             <p:ph type="body" idx="1" hasCustomPrompt="1"/>
           </p:nvPr>
@@ -2705,41 +2766,34 @@
           <a:bodyPr/>
           <a:lstStyle/>
           <a:p>
-            <a:pPr/>
             <a:r>
               <a:t>Slide bullet text</a:t>
             </a:r>
           </a:p>
           <a:p>
             <a:pPr lvl="1"/>
-            <a:r>
-              <a:t/>
-            </a:r>
+            <a:endParaRPr/>
           </a:p>
           <a:p>
             <a:pPr lvl="2"/>
-            <a:r>
-              <a:t/>
-            </a:r>
+            <a:endParaRPr/>
           </a:p>
           <a:p>
             <a:pPr lvl="3"/>
-            <a:r>
-              <a:t/>
-            </a:r>
+            <a:endParaRPr/>
           </a:p>
           <a:p>
             <a:pPr lvl="4"/>
-            <a:r>
-              <a:t/>
-            </a:r>
+            <a:endParaRPr/>
           </a:p>
         </p:txBody>
       </p:sp>
       <p:sp>
         <p:nvSpPr>
           <p:cNvPr id="44" name="Slide Title"/>
-          <p:cNvSpPr txBox="1"/>
+          <p:cNvSpPr txBox="1">
+            <a:spLocks noGrp="1"/>
+          </p:cNvSpPr>
           <p:nvPr>
             <p:ph type="title" hasCustomPrompt="1"/>
           </p:nvPr>
@@ -2753,7 +2807,6 @@
           <a:bodyPr/>
           <a:lstStyle/>
           <a:p>
-            <a:pPr/>
             <a:r>
               <a:t>Slide Title</a:t>
             </a:r>
@@ -2763,7 +2816,9 @@
       <p:sp>
         <p:nvSpPr>
           <p:cNvPr id="45" name="Slide Number"/>
-          <p:cNvSpPr txBox="1"/>
+          <p:cNvSpPr txBox="1">
+            <a:spLocks noGrp="1"/>
+          </p:cNvSpPr>
           <p:nvPr>
             <p:ph type="sldNum" sz="quarter" idx="2"/>
           </p:nvPr>
@@ -2777,8 +2832,10 @@
           <a:bodyPr/>
           <a:lstStyle/>
           <a:p>
-            <a:pPr/>
-            <a:fld id="{86CB4B4D-7CA3-9044-876B-883B54F8677D}" type="slidenum"/>
+            <a:fld id="{86CB4B4D-7CA3-9044-876B-883B54F8677D}" type="slidenum">
+              <a:t>‹#›</a:t>
+            </a:fld>
+            <a:endParaRPr/>
           </a:p>
         </p:txBody>
       </p:sp>
@@ -2787,12 +2844,12 @@
   <p:clrMapOvr>
     <a:masterClrMapping/>
   </p:clrMapOvr>
-  <p:transition xmlns:p14="http://schemas.microsoft.com/office/powerpoint/2010/main" spd="med" advClick="1"/>
+  <p:transition spd="med"/>
 </p:sldLayout>
 </file>
 
 <file path=ppt/slideLayouts/slideLayout5.xml><?xml version="1.0" encoding="utf-8"?>
-<p:sldLayout xmlns:a="http://schemas.openxmlformats.org/drawingml/2006/main" xmlns:r="http://schemas.openxmlformats.org/officeDocument/2006/relationships" xmlns:p="http://schemas.openxmlformats.org/presentationml/2006/main" xmlns:m="http://schemas.openxmlformats.org/officeDocument/2006/math" xmlns:a14="http://schemas.microsoft.com/office/drawing/2010/main" type="tx" showMasterSp="1" showMasterPhAnim="1">
+<p:sldLayout xmlns:a="http://schemas.openxmlformats.org/drawingml/2006/main" xmlns:r="http://schemas.openxmlformats.org/officeDocument/2006/relationships" xmlns:p="http://schemas.openxmlformats.org/presentationml/2006/main" type="tx">
   <p:cSld name="Bullets">
     <p:spTree>
       <p:nvGrpSpPr>
@@ -2811,7 +2868,9 @@
       <p:sp>
         <p:nvSpPr>
           <p:cNvPr id="52" name="Body Level One…"/>
-          <p:cNvSpPr txBox="1"/>
+          <p:cNvSpPr txBox="1">
+            <a:spLocks noGrp="1"/>
+          </p:cNvSpPr>
           <p:nvPr>
             <p:ph type="body" idx="1" hasCustomPrompt="1"/>
           </p:nvPr>
@@ -2825,41 +2884,34 @@
           <a:bodyPr numCol="2" spcCol="1097280"/>
           <a:lstStyle/>
           <a:p>
-            <a:pPr/>
             <a:r>
               <a:t>Slide bullet text</a:t>
             </a:r>
           </a:p>
           <a:p>
             <a:pPr lvl="1"/>
-            <a:r>
-              <a:t/>
-            </a:r>
+            <a:endParaRPr/>
           </a:p>
           <a:p>
             <a:pPr lvl="2"/>
-            <a:r>
-              <a:t/>
-            </a:r>
+            <a:endParaRPr/>
           </a:p>
           <a:p>
             <a:pPr lvl="3"/>
-            <a:r>
-              <a:t/>
-            </a:r>
+            <a:endParaRPr/>
           </a:p>
           <a:p>
             <a:pPr lvl="4"/>
-            <a:r>
-              <a:t/>
-            </a:r>
+            <a:endParaRPr/>
           </a:p>
         </p:txBody>
       </p:sp>
       <p:sp>
         <p:nvSpPr>
           <p:cNvPr id="53" name="Slide Number"/>
-          <p:cNvSpPr txBox="1"/>
+          <p:cNvSpPr txBox="1">
+            <a:spLocks noGrp="1"/>
+          </p:cNvSpPr>
           <p:nvPr>
             <p:ph type="sldNum" sz="quarter" idx="2"/>
           </p:nvPr>
@@ -2873,8 +2925,10 @@
           <a:bodyPr/>
           <a:lstStyle/>
           <a:p>
-            <a:pPr/>
-            <a:fld id="{86CB4B4D-7CA3-9044-876B-883B54F8677D}" type="slidenum"/>
+            <a:fld id="{86CB4B4D-7CA3-9044-876B-883B54F8677D}" type="slidenum">
+              <a:t>‹#›</a:t>
+            </a:fld>
+            <a:endParaRPr/>
           </a:p>
         </p:txBody>
       </p:sp>
@@ -2883,12 +2937,12 @@
   <p:clrMapOvr>
     <a:masterClrMapping/>
   </p:clrMapOvr>
-  <p:transition xmlns:p14="http://schemas.microsoft.com/office/powerpoint/2010/main" spd="med" advClick="1"/>
+  <p:transition spd="med"/>
 </p:sldLayout>
 </file>
 
 <file path=ppt/slideLayouts/slideLayout6.xml><?xml version="1.0" encoding="utf-8"?>
-<p:sldLayout xmlns:a="http://schemas.openxmlformats.org/drawingml/2006/main" xmlns:r="http://schemas.openxmlformats.org/officeDocument/2006/relationships" xmlns:p="http://schemas.openxmlformats.org/presentationml/2006/main" xmlns:m="http://schemas.openxmlformats.org/officeDocument/2006/math" xmlns:a14="http://schemas.microsoft.com/office/drawing/2010/main" type="tx" showMasterSp="1" showMasterPhAnim="1">
+<p:sldLayout xmlns:a="http://schemas.openxmlformats.org/drawingml/2006/main" xmlns:r="http://schemas.openxmlformats.org/officeDocument/2006/relationships" xmlns:p="http://schemas.openxmlformats.org/presentationml/2006/main" type="tx">
   <p:cSld name="Title, Bullets &amp; Photo">
     <p:spTree>
       <p:nvGrpSpPr>
@@ -2907,7 +2961,9 @@
       <p:sp>
         <p:nvSpPr>
           <p:cNvPr id="60" name="Body Level One…"/>
-          <p:cNvSpPr txBox="1"/>
+          <p:cNvSpPr txBox="1">
+            <a:spLocks noGrp="1"/>
+          </p:cNvSpPr>
           <p:nvPr>
             <p:ph type="body" sz="quarter" idx="1" hasCustomPrompt="1"/>
           </p:nvPr>
@@ -2925,41 +2981,34 @@
           <a:bodyPr/>
           <a:lstStyle/>
           <a:p>
-            <a:pPr/>
             <a:r>
               <a:t>Slide bullet text</a:t>
             </a:r>
           </a:p>
           <a:p>
             <a:pPr lvl="1"/>
-            <a:r>
-              <a:t/>
-            </a:r>
+            <a:endParaRPr/>
           </a:p>
           <a:p>
             <a:pPr lvl="2"/>
-            <a:r>
-              <a:t/>
-            </a:r>
+            <a:endParaRPr/>
           </a:p>
           <a:p>
             <a:pPr lvl="3"/>
-            <a:r>
-              <a:t/>
-            </a:r>
+            <a:endParaRPr/>
           </a:p>
           <a:p>
             <a:pPr lvl="4"/>
-            <a:r>
-              <a:t/>
-            </a:r>
+            <a:endParaRPr/>
           </a:p>
         </p:txBody>
       </p:sp>
       <p:sp>
         <p:nvSpPr>
           <p:cNvPr id="61" name="Slide Title"/>
-          <p:cNvSpPr txBox="1"/>
+          <p:cNvSpPr txBox="1">
+            <a:spLocks noGrp="1"/>
+          </p:cNvSpPr>
           <p:nvPr>
             <p:ph type="title" hasCustomPrompt="1"/>
           </p:nvPr>
@@ -2977,7 +3026,6 @@
           <a:bodyPr/>
           <a:lstStyle/>
           <a:p>
-            <a:pPr/>
             <a:r>
               <a:t>Slide Title</a:t>
             </a:r>
@@ -3013,7 +3061,7 @@
               <a:lnSpc>
                 <a:spcPct val="120000"/>
               </a:lnSpc>
-              <a:defRPr cap="all" sz="3000">
+              <a:defRPr sz="3000" cap="all">
                 <a:solidFill>
                   <a:srgbClr val="FFFFFF"/>
                 </a:solidFill>
@@ -3023,13 +3071,16 @@
                 <a:sym typeface="Proxima Nova Extrabold"/>
               </a:defRPr>
             </a:pPr>
+            <a:endParaRPr/>
           </a:p>
         </p:txBody>
       </p:sp>
       <p:sp>
         <p:nvSpPr>
           <p:cNvPr id="63" name="Partial view of a building exterior painted yellow with blue window shutters and a curtained doorway"/>
-          <p:cNvSpPr/>
+          <p:cNvSpPr>
+            <a:spLocks noGrp="1"/>
+          </p:cNvSpPr>
           <p:nvPr>
             <p:ph type="pic" idx="21"/>
           </p:nvPr>
@@ -3049,14 +3100,16 @@
           </a:bodyPr>
           <a:lstStyle/>
           <a:p>
-            <a:pPr/>
+            <a:endParaRPr/>
           </a:p>
         </p:txBody>
       </p:sp>
       <p:sp>
         <p:nvSpPr>
           <p:cNvPr id="64" name="Author and Date"/>
-          <p:cNvSpPr txBox="1"/>
+          <p:cNvSpPr txBox="1">
+            <a:spLocks noGrp="1"/>
+          </p:cNvSpPr>
           <p:nvPr>
             <p:ph type="body" sz="quarter" idx="22" hasCustomPrompt="1"/>
           </p:nvPr>
@@ -3083,7 +3136,7 @@
               <a:buClrTx/>
               <a:buSzTx/>
               <a:buNone/>
-              <a:defRPr b="0" cap="all" sz="3600">
+              <a:defRPr sz="3600" b="0" cap="all">
                 <a:solidFill>
                   <a:srgbClr val="00C7FC"/>
                 </a:solidFill>
@@ -3095,7 +3148,6 @@
             </a:lvl1pPr>
           </a:lstStyle>
           <a:p>
-            <a:pPr/>
             <a:r>
               <a:t>Author and Date</a:t>
             </a:r>
@@ -3105,7 +3157,9 @@
       <p:sp>
         <p:nvSpPr>
           <p:cNvPr id="65" name="Slide Number"/>
-          <p:cNvSpPr txBox="1"/>
+          <p:cNvSpPr txBox="1">
+            <a:spLocks noGrp="1"/>
+          </p:cNvSpPr>
           <p:nvPr>
             <p:ph type="sldNum" sz="quarter" idx="2"/>
           </p:nvPr>
@@ -3119,8 +3173,10 @@
           <a:bodyPr/>
           <a:lstStyle/>
           <a:p>
-            <a:pPr/>
-            <a:fld id="{86CB4B4D-7CA3-9044-876B-883B54F8677D}" type="slidenum"/>
+            <a:fld id="{86CB4B4D-7CA3-9044-876B-883B54F8677D}" type="slidenum">
+              <a:t>‹#›</a:t>
+            </a:fld>
+            <a:endParaRPr/>
           </a:p>
         </p:txBody>
       </p:sp>
@@ -3129,18 +3185,19 @@
   <p:clrMapOvr>
     <a:masterClrMapping/>
   </p:clrMapOvr>
-  <p:transition xmlns:p14="http://schemas.microsoft.com/office/powerpoint/2010/main" spd="med" advClick="1"/>
+  <p:transition spd="med"/>
 </p:sldLayout>
 </file>
 
 <file path=ppt/slideLayouts/slideLayout7.xml><?xml version="1.0" encoding="utf-8"?>
-<p:sldLayout xmlns:a="http://schemas.openxmlformats.org/drawingml/2006/main" xmlns:r="http://schemas.openxmlformats.org/officeDocument/2006/relationships" xmlns:p="http://schemas.openxmlformats.org/presentationml/2006/main" xmlns:m="http://schemas.openxmlformats.org/officeDocument/2006/math" xmlns:a14="http://schemas.microsoft.com/office/drawing/2010/main" type="tx" showMasterSp="1" showMasterPhAnim="1">
+<p:sldLayout xmlns:a="http://schemas.openxmlformats.org/drawingml/2006/main" xmlns:r="http://schemas.openxmlformats.org/officeDocument/2006/relationships" xmlns:p="http://schemas.openxmlformats.org/presentationml/2006/main" type="tx">
   <p:cSld name="Section">
     <p:bg>
       <p:bgPr>
         <a:solidFill>
           <a:srgbClr val="00BFF3"/>
         </a:solidFill>
+        <a:effectLst/>
       </p:bgPr>
     </p:bg>
     <p:spTree>
@@ -3160,7 +3217,9 @@
       <p:sp>
         <p:nvSpPr>
           <p:cNvPr id="72" name="Section Title"/>
-          <p:cNvSpPr txBox="1"/>
+          <p:cNvSpPr txBox="1">
+            <a:spLocks noGrp="1"/>
+          </p:cNvSpPr>
           <p:nvPr>
             <p:ph type="title" hasCustomPrompt="1"/>
           </p:nvPr>
@@ -3178,7 +3237,7 @@
           <a:bodyPr anchor="ctr"/>
           <a:lstStyle>
             <a:lvl1pPr marL="431800" indent="-431800">
-              <a:defRPr spc="0" sz="14000">
+              <a:defRPr sz="14000" spc="0">
                 <a:solidFill>
                   <a:srgbClr val="FFFFFF"/>
                 </a:solidFill>
@@ -3186,7 +3245,6 @@
             </a:lvl1pPr>
           </a:lstStyle>
           <a:p>
-            <a:pPr/>
             <a:r>
               <a:t>Section Title</a:t>
             </a:r>
@@ -3196,7 +3254,9 @@
       <p:sp>
         <p:nvSpPr>
           <p:cNvPr id="73" name="Slide Number"/>
-          <p:cNvSpPr txBox="1"/>
+          <p:cNvSpPr txBox="1">
+            <a:spLocks noGrp="1"/>
+          </p:cNvSpPr>
           <p:nvPr>
             <p:ph type="sldNum" sz="quarter" idx="2"/>
           </p:nvPr>
@@ -3210,8 +3270,10 @@
           <a:bodyPr/>
           <a:lstStyle/>
           <a:p>
-            <a:pPr/>
-            <a:fld id="{86CB4B4D-7CA3-9044-876B-883B54F8677D}" type="slidenum"/>
+            <a:fld id="{86CB4B4D-7CA3-9044-876B-883B54F8677D}" type="slidenum">
+              <a:t>‹#›</a:t>
+            </a:fld>
+            <a:endParaRPr/>
           </a:p>
         </p:txBody>
       </p:sp>
@@ -3220,12 +3282,12 @@
   <p:clrMapOvr>
     <a:masterClrMapping/>
   </p:clrMapOvr>
-  <p:transition xmlns:p14="http://schemas.microsoft.com/office/powerpoint/2010/main" spd="med" advClick="1"/>
+  <p:transition spd="med"/>
 </p:sldLayout>
 </file>
 
 <file path=ppt/slideLayouts/slideLayout8.xml><?xml version="1.0" encoding="utf-8"?>
-<p:sldLayout xmlns:a="http://schemas.openxmlformats.org/drawingml/2006/main" xmlns:r="http://schemas.openxmlformats.org/officeDocument/2006/relationships" xmlns:p="http://schemas.openxmlformats.org/presentationml/2006/main" xmlns:m="http://schemas.openxmlformats.org/officeDocument/2006/math" xmlns:a14="http://schemas.microsoft.com/office/drawing/2010/main" type="tx" showMasterSp="1" showMasterPhAnim="1">
+<p:sldLayout xmlns:a="http://schemas.openxmlformats.org/drawingml/2006/main" xmlns:r="http://schemas.openxmlformats.org/officeDocument/2006/relationships" xmlns:p="http://schemas.openxmlformats.org/presentationml/2006/main" type="tx">
   <p:cSld name="Title Only">
     <p:spTree>
       <p:nvGrpSpPr>
@@ -3244,7 +3306,9 @@
       <p:sp>
         <p:nvSpPr>
           <p:cNvPr id="80" name="Slide Title"/>
-          <p:cNvSpPr txBox="1"/>
+          <p:cNvSpPr txBox="1">
+            <a:spLocks noGrp="1"/>
+          </p:cNvSpPr>
           <p:nvPr>
             <p:ph type="title" hasCustomPrompt="1"/>
           </p:nvPr>
@@ -3258,7 +3322,6 @@
           <a:bodyPr/>
           <a:lstStyle/>
           <a:p>
-            <a:pPr/>
             <a:r>
               <a:t>Slide Title</a:t>
             </a:r>
@@ -3268,7 +3331,9 @@
       <p:sp>
         <p:nvSpPr>
           <p:cNvPr id="81" name="Slide Number"/>
-          <p:cNvSpPr txBox="1"/>
+          <p:cNvSpPr txBox="1">
+            <a:spLocks noGrp="1"/>
+          </p:cNvSpPr>
           <p:nvPr>
             <p:ph type="sldNum" sz="quarter" idx="2"/>
           </p:nvPr>
@@ -3282,8 +3347,10 @@
           <a:bodyPr/>
           <a:lstStyle/>
           <a:p>
-            <a:pPr/>
-            <a:fld id="{86CB4B4D-7CA3-9044-876B-883B54F8677D}" type="slidenum"/>
+            <a:fld id="{86CB4B4D-7CA3-9044-876B-883B54F8677D}" type="slidenum">
+              <a:t>‹#›</a:t>
+            </a:fld>
+            <a:endParaRPr/>
           </a:p>
         </p:txBody>
       </p:sp>
@@ -3292,18 +3359,19 @@
   <p:clrMapOvr>
     <a:masterClrMapping/>
   </p:clrMapOvr>
-  <p:transition xmlns:p14="http://schemas.microsoft.com/office/powerpoint/2010/main" spd="med" advClick="1"/>
+  <p:transition spd="med"/>
 </p:sldLayout>
 </file>
 
 <file path=ppt/slideLayouts/slideLayout9.xml><?xml version="1.0" encoding="utf-8"?>
-<p:sldLayout xmlns:a="http://schemas.openxmlformats.org/drawingml/2006/main" xmlns:r="http://schemas.openxmlformats.org/officeDocument/2006/relationships" xmlns:p="http://schemas.openxmlformats.org/presentationml/2006/main" xmlns:m="http://schemas.openxmlformats.org/officeDocument/2006/math" xmlns:a14="http://schemas.microsoft.com/office/drawing/2010/main" type="tx" showMasterSp="1" showMasterPhAnim="1">
+<p:sldLayout xmlns:a="http://schemas.openxmlformats.org/drawingml/2006/main" xmlns:r="http://schemas.openxmlformats.org/officeDocument/2006/relationships" xmlns:p="http://schemas.openxmlformats.org/presentationml/2006/main" type="tx">
   <p:cSld name="Agenda">
     <p:bg>
       <p:bgPr>
         <a:solidFill>
           <a:srgbClr val="FFC617"/>
         </a:solidFill>
+        <a:effectLst/>
       </p:bgPr>
     </p:bg>
     <p:spTree>
@@ -3323,7 +3391,9 @@
       <p:sp>
         <p:nvSpPr>
           <p:cNvPr id="88" name="Agenda Title"/>
-          <p:cNvSpPr txBox="1"/>
+          <p:cNvSpPr txBox="1">
+            <a:spLocks noGrp="1"/>
+          </p:cNvSpPr>
           <p:nvPr>
             <p:ph type="title" hasCustomPrompt="1"/>
           </p:nvPr>
@@ -3337,7 +3407,7 @@
           <a:bodyPr/>
           <a:lstStyle>
             <a:lvl1pPr>
-              <a:defRPr spc="-140" sz="14000">
+              <a:defRPr sz="14000" spc="-140">
                 <a:solidFill>
                   <a:srgbClr val="FFFFFF"/>
                 </a:solidFill>
@@ -3345,7 +3415,6 @@
             </a:lvl1pPr>
           </a:lstStyle>
           <a:p>
-            <a:pPr/>
             <a:r>
               <a:t>Agenda Title</a:t>
             </a:r>
@@ -3355,7 +3424,9 @@
       <p:sp>
         <p:nvSpPr>
           <p:cNvPr id="89" name="Body Level One…"/>
-          <p:cNvSpPr txBox="1"/>
+          <p:cNvSpPr txBox="1">
+            <a:spLocks noGrp="1"/>
+          </p:cNvSpPr>
           <p:nvPr>
             <p:ph type="body" idx="1" hasCustomPrompt="1"/>
           </p:nvPr>
@@ -3382,7 +3453,7 @@
               <a:buClrTx/>
               <a:buSzTx/>
               <a:buNone/>
-              <a:defRPr spc="-53" sz="5400">
+              <a:defRPr sz="5400" spc="-53">
                 <a:solidFill>
                   <a:srgbClr val="000000"/>
                 </a:solidFill>
@@ -3398,7 +3469,7 @@
               <a:buClrTx/>
               <a:buSzTx/>
               <a:buNone/>
-              <a:defRPr spc="-53" sz="5400">
+              <a:defRPr sz="5400" spc="-53">
                 <a:solidFill>
                   <a:srgbClr val="000000"/>
                 </a:solidFill>
@@ -3414,7 +3485,7 @@
               <a:buClrTx/>
               <a:buSzTx/>
               <a:buNone/>
-              <a:defRPr spc="-53" sz="5400">
+              <a:defRPr sz="5400" spc="-53">
                 <a:solidFill>
                   <a:srgbClr val="000000"/>
                 </a:solidFill>
@@ -3430,7 +3501,7 @@
               <a:buClrTx/>
               <a:buSzTx/>
               <a:buNone/>
-              <a:defRPr spc="-53" sz="5400">
+              <a:defRPr sz="5400" spc="-53">
                 <a:solidFill>
                   <a:srgbClr val="000000"/>
                 </a:solidFill>
@@ -3446,7 +3517,7 @@
               <a:buClrTx/>
               <a:buSzTx/>
               <a:buNone/>
-              <a:defRPr spc="-53" sz="5400">
+              <a:defRPr sz="5400" spc="-53">
                 <a:solidFill>
                   <a:srgbClr val="000000"/>
                 </a:solidFill>
@@ -3454,41 +3525,34 @@
             </a:lvl5pPr>
           </a:lstStyle>
           <a:p>
-            <a:pPr/>
             <a:r>
               <a:t>Agenda Topics</a:t>
             </a:r>
           </a:p>
           <a:p>
             <a:pPr lvl="1"/>
-            <a:r>
-              <a:t/>
-            </a:r>
+            <a:endParaRPr/>
           </a:p>
           <a:p>
             <a:pPr lvl="2"/>
-            <a:r>
-              <a:t/>
-            </a:r>
+            <a:endParaRPr/>
           </a:p>
           <a:p>
             <a:pPr lvl="3"/>
-            <a:r>
-              <a:t/>
-            </a:r>
+            <a:endParaRPr/>
           </a:p>
           <a:p>
             <a:pPr lvl="4"/>
-            <a:r>
-              <a:t/>
-            </a:r>
+            <a:endParaRPr/>
           </a:p>
         </p:txBody>
       </p:sp>
       <p:sp>
         <p:nvSpPr>
           <p:cNvPr id="90" name="Slide Number"/>
-          <p:cNvSpPr txBox="1"/>
+          <p:cNvSpPr txBox="1">
+            <a:spLocks noGrp="1"/>
+          </p:cNvSpPr>
           <p:nvPr>
             <p:ph type="sldNum" sz="quarter" idx="2"/>
           </p:nvPr>
@@ -3502,8 +3566,10 @@
           <a:bodyPr/>
           <a:lstStyle/>
           <a:p>
-            <a:pPr/>
-            <a:fld id="{86CB4B4D-7CA3-9044-876B-883B54F8677D}" type="slidenum"/>
+            <a:fld id="{86CB4B4D-7CA3-9044-876B-883B54F8677D}" type="slidenum">
+              <a:t>‹#›</a:t>
+            </a:fld>
+            <a:endParaRPr/>
           </a:p>
         </p:txBody>
       </p:sp>
@@ -3512,18 +3578,19 @@
   <p:clrMapOvr>
     <a:masterClrMapping/>
   </p:clrMapOvr>
-  <p:transition xmlns:p14="http://schemas.microsoft.com/office/powerpoint/2010/main" spd="med" advClick="1"/>
+  <p:transition spd="med"/>
 </p:sldLayout>
 </file>
 
 <file path=ppt/slideMasters/slideMaster1.xml><?xml version="1.0" encoding="utf-8"?>
-<p:sldMaster xmlns:a="http://schemas.openxmlformats.org/drawingml/2006/main" xmlns:r="http://schemas.openxmlformats.org/officeDocument/2006/relationships" xmlns:p="http://schemas.openxmlformats.org/presentationml/2006/main" xmlns:m="http://schemas.openxmlformats.org/officeDocument/2006/math" xmlns:a14="http://schemas.microsoft.com/office/drawing/2010/main">
+<p:sldMaster xmlns:a="http://schemas.openxmlformats.org/drawingml/2006/main" xmlns:r="http://schemas.openxmlformats.org/officeDocument/2006/relationships" xmlns:p="http://schemas.openxmlformats.org/presentationml/2006/main">
   <p:cSld>
     <p:bg>
       <p:bgPr>
         <a:solidFill>
           <a:srgbClr val="FFFFFF"/>
         </a:solidFill>
+        <a:effectLst/>
       </p:bgPr>
     </p:bg>
     <p:spTree>
@@ -3543,7 +3610,9 @@
       <p:sp>
         <p:nvSpPr>
           <p:cNvPr id="2" name="Body Level One…"/>
-          <p:cNvSpPr txBox="1"/>
+          <p:cNvSpPr txBox="1">
+            <a:spLocks noGrp="1"/>
+          </p:cNvSpPr>
           <p:nvPr>
             <p:ph type="body" idx="1" hasCustomPrompt="1"/>
           </p:nvPr>
@@ -3561,51 +3630,44 @@
           </a:ln>
           <a:extLst>
             <a:ext uri="{C572A759-6A51-4108-AA02-DFA0A04FC94B}">
-              <ma14:wrappingTextBoxFlag xmlns:ma14="http://schemas.microsoft.com/office/mac/drawingml/2011/main" val="1"/>
+              <ma14:wrappingTextBoxFlag xmlns:ma14="http://schemas.microsoft.com/office/mac/drawingml/2011/main" xmlns:a14="http://schemas.microsoft.com/office/drawing/2010/main" xmlns:m="http://schemas.openxmlformats.org/officeDocument/2006/math" xmlns="" val="1"/>
             </a:ext>
           </a:extLst>
         </p:spPr>
         <p:txBody>
           <a:bodyPr lIns="50800" tIns="50800" rIns="50800" bIns="50800">
-            <a:normAutofit fontScale="100000" lnSpcReduction="0"/>
+            <a:normAutofit/>
           </a:bodyPr>
           <a:lstStyle/>
           <a:p>
-            <a:pPr/>
             <a:r>
               <a:t>Slide bullet text</a:t>
             </a:r>
           </a:p>
           <a:p>
             <a:pPr lvl="1"/>
-            <a:r>
-              <a:t/>
-            </a:r>
+            <a:endParaRPr/>
           </a:p>
           <a:p>
             <a:pPr lvl="2"/>
-            <a:r>
-              <a:t/>
-            </a:r>
+            <a:endParaRPr/>
           </a:p>
           <a:p>
             <a:pPr lvl="3"/>
-            <a:r>
-              <a:t/>
-            </a:r>
+            <a:endParaRPr/>
           </a:p>
           <a:p>
             <a:pPr lvl="4"/>
-            <a:r>
-              <a:t/>
-            </a:r>
+            <a:endParaRPr/>
           </a:p>
         </p:txBody>
       </p:sp>
       <p:sp>
         <p:nvSpPr>
           <p:cNvPr id="3" name="Slide Title"/>
-          <p:cNvSpPr txBox="1"/>
+          <p:cNvSpPr txBox="1">
+            <a:spLocks noGrp="1"/>
+          </p:cNvSpPr>
           <p:nvPr>
             <p:ph type="title" hasCustomPrompt="1"/>
           </p:nvPr>
@@ -3623,17 +3685,16 @@
           </a:ln>
           <a:extLst>
             <a:ext uri="{C572A759-6A51-4108-AA02-DFA0A04FC94B}">
-              <ma14:wrappingTextBoxFlag xmlns:ma14="http://schemas.microsoft.com/office/mac/drawingml/2011/main" val="1"/>
+              <ma14:wrappingTextBoxFlag xmlns:ma14="http://schemas.microsoft.com/office/mac/drawingml/2011/main" xmlns:a14="http://schemas.microsoft.com/office/drawing/2010/main" xmlns:m="http://schemas.openxmlformats.org/officeDocument/2006/math" xmlns="" val="1"/>
             </a:ext>
           </a:extLst>
         </p:spPr>
         <p:txBody>
           <a:bodyPr lIns="50800" tIns="50800" rIns="50800" bIns="50800">
-            <a:normAutofit fontScale="100000" lnSpcReduction="0"/>
+            <a:normAutofit/>
           </a:bodyPr>
           <a:lstStyle/>
           <a:p>
-            <a:pPr/>
             <a:r>
               <a:t>Slide Title</a:t>
             </a:r>
@@ -3643,7 +3704,9 @@
       <p:sp>
         <p:nvSpPr>
           <p:cNvPr id="4" name="Slide Number"/>
-          <p:cNvSpPr txBox="1"/>
+          <p:cNvSpPr txBox="1">
+            <a:spLocks noGrp="1"/>
+          </p:cNvSpPr>
           <p:nvPr>
             <p:ph type="sldNum" sz="quarter" idx="2"/>
           </p:nvPr>
@@ -3678,8 +3741,10 @@
             </a:lvl1pPr>
           </a:lstStyle>
           <a:p>
-            <a:pPr/>
-            <a:fld id="{86CB4B4D-7CA3-9044-876B-883B54F8677D}" type="slidenum"/>
+            <a:fld id="{86CB4B4D-7CA3-9044-876B-883B54F8677D}" type="slidenum">
+              <a:t>‹#›</a:t>
+            </a:fld>
+            <a:endParaRPr/>
           </a:p>
         </p:txBody>
       </p:sp>
@@ -3687,23 +3752,23 @@
   </p:cSld>
   <p:clrMap bg1="lt1" tx1="dk1" bg2="lt2" tx2="dk2" accent1="accent1" accent2="accent2" accent3="accent3" accent4="accent4" accent5="accent5" accent6="accent6" hlink="hlink" folHlink="folHlink"/>
   <p:sldLayoutIdLst>
-    <p:sldLayoutId id="2147483649" r:id="rId2"/>
-    <p:sldLayoutId id="2147483650" r:id="rId3"/>
-    <p:sldLayoutId id="2147483651" r:id="rId4"/>
-    <p:sldLayoutId id="2147483652" r:id="rId5"/>
-    <p:sldLayoutId id="2147483653" r:id="rId6"/>
-    <p:sldLayoutId id="2147483654" r:id="rId7"/>
-    <p:sldLayoutId id="2147483655" r:id="rId8"/>
-    <p:sldLayoutId id="2147483656" r:id="rId9"/>
-    <p:sldLayoutId id="2147483657" r:id="rId10"/>
-    <p:sldLayoutId id="2147483658" r:id="rId11"/>
-    <p:sldLayoutId id="2147483659" r:id="rId12"/>
-    <p:sldLayoutId id="2147483660" r:id="rId13"/>
-    <p:sldLayoutId id="2147483661" r:id="rId14"/>
-    <p:sldLayoutId id="2147483662" r:id="rId15"/>
-    <p:sldLayoutId id="2147483663" r:id="rId16"/>
+    <p:sldLayoutId id="2147483649" r:id="rId1"/>
+    <p:sldLayoutId id="2147483650" r:id="rId2"/>
+    <p:sldLayoutId id="2147483651" r:id="rId3"/>
+    <p:sldLayoutId id="2147483652" r:id="rId4"/>
+    <p:sldLayoutId id="2147483653" r:id="rId5"/>
+    <p:sldLayoutId id="2147483654" r:id="rId6"/>
+    <p:sldLayoutId id="2147483655" r:id="rId7"/>
+    <p:sldLayoutId id="2147483656" r:id="rId8"/>
+    <p:sldLayoutId id="2147483657" r:id="rId9"/>
+    <p:sldLayoutId id="2147483658" r:id="rId10"/>
+    <p:sldLayoutId id="2147483659" r:id="rId11"/>
+    <p:sldLayoutId id="2147483660" r:id="rId12"/>
+    <p:sldLayoutId id="2147483661" r:id="rId13"/>
+    <p:sldLayoutId id="2147483662" r:id="rId14"/>
+    <p:sldLayoutId id="2147483663" r:id="rId15"/>
   </p:sldLayoutIdLst>
-  <p:transition xmlns:p14="http://schemas.microsoft.com/office/powerpoint/2010/main" spd="med" advClick="1"/>
+  <p:transition spd="med"/>
   <p:txStyles>
     <p:titleStyle>
       <a:lvl1pPr marL="0" marR="0" indent="0" algn="l" defTabSz="825500" rtl="0" latinLnBrk="0">
@@ -3721,7 +3786,7 @@
         <a:buFontTx/>
         <a:buNone/>
         <a:tabLst/>
-        <a:defRPr b="0" baseline="0" cap="all" i="0" spc="-116" strike="noStrike" sz="11600" u="none">
+        <a:defRPr sz="11600" b="0" i="0" u="none" strike="noStrike" cap="all" spc="-116" baseline="0">
           <a:solidFill>
             <a:srgbClr val="00BFF3"/>
           </a:solidFill>
@@ -3747,7 +3812,7 @@
         <a:buFontTx/>
         <a:buNone/>
         <a:tabLst/>
-        <a:defRPr b="0" baseline="0" cap="all" i="0" spc="-116" strike="noStrike" sz="11600" u="none">
+        <a:defRPr sz="11600" b="0" i="0" u="none" strike="noStrike" cap="all" spc="-116" baseline="0">
           <a:solidFill>
             <a:srgbClr val="00BFF3"/>
           </a:solidFill>
@@ -3773,7 +3838,7 @@
         <a:buFontTx/>
         <a:buNone/>
         <a:tabLst/>
-        <a:defRPr b="0" baseline="0" cap="all" i="0" spc="-116" strike="noStrike" sz="11600" u="none">
+        <a:defRPr sz="11600" b="0" i="0" u="none" strike="noStrike" cap="all" spc="-116" baseline="0">
           <a:solidFill>
             <a:srgbClr val="00BFF3"/>
           </a:solidFill>
@@ -3799,7 +3864,7 @@
         <a:buFontTx/>
         <a:buNone/>
         <a:tabLst/>
-        <a:defRPr b="0" baseline="0" cap="all" i="0" spc="-116" strike="noStrike" sz="11600" u="none">
+        <a:defRPr sz="11600" b="0" i="0" u="none" strike="noStrike" cap="all" spc="-116" baseline="0">
           <a:solidFill>
             <a:srgbClr val="00BFF3"/>
           </a:solidFill>
@@ -3825,7 +3890,7 @@
         <a:buFontTx/>
         <a:buNone/>
         <a:tabLst/>
-        <a:defRPr b="0" baseline="0" cap="all" i="0" spc="-116" strike="noStrike" sz="11600" u="none">
+        <a:defRPr sz="11600" b="0" i="0" u="none" strike="noStrike" cap="all" spc="-116" baseline="0">
           <a:solidFill>
             <a:srgbClr val="00BFF3"/>
           </a:solidFill>
@@ -3851,7 +3916,7 @@
         <a:buFontTx/>
         <a:buNone/>
         <a:tabLst/>
-        <a:defRPr b="0" baseline="0" cap="all" i="0" spc="-116" strike="noStrike" sz="11600" u="none">
+        <a:defRPr sz="11600" b="0" i="0" u="none" strike="noStrike" cap="all" spc="-116" baseline="0">
           <a:solidFill>
             <a:srgbClr val="00BFF3"/>
           </a:solidFill>
@@ -3877,7 +3942,7 @@
         <a:buFontTx/>
         <a:buNone/>
         <a:tabLst/>
-        <a:defRPr b="0" baseline="0" cap="all" i="0" spc="-116" strike="noStrike" sz="11600" u="none">
+        <a:defRPr sz="11600" b="0" i="0" u="none" strike="noStrike" cap="all" spc="-116" baseline="0">
           <a:solidFill>
             <a:srgbClr val="00BFF3"/>
           </a:solidFill>
@@ -3903,7 +3968,7 @@
         <a:buFontTx/>
         <a:buNone/>
         <a:tabLst/>
-        <a:defRPr b="0" baseline="0" cap="all" i="0" spc="-116" strike="noStrike" sz="11600" u="none">
+        <a:defRPr sz="11600" b="0" i="0" u="none" strike="noStrike" cap="all" spc="-116" baseline="0">
           <a:solidFill>
             <a:srgbClr val="00BFF3"/>
           </a:solidFill>
@@ -3929,7 +3994,7 @@
         <a:buFontTx/>
         <a:buNone/>
         <a:tabLst/>
-        <a:defRPr b="0" baseline="0" cap="all" i="0" spc="-116" strike="noStrike" sz="11600" u="none">
+        <a:defRPr sz="11600" b="0" i="0" u="none" strike="noStrike" cap="all" spc="-116" baseline="0">
           <a:solidFill>
             <a:srgbClr val="00BFF3"/>
           </a:solidFill>
@@ -3959,7 +4024,7 @@
         <a:buFontTx/>
         <a:buChar char="-"/>
         <a:tabLst/>
-        <a:defRPr b="1" baseline="0" cap="none" i="0" spc="0" strike="noStrike" sz="4200" u="none">
+        <a:defRPr sz="4200" b="1" i="0" u="none" strike="noStrike" cap="none" spc="0" baseline="0">
           <a:solidFill>
             <a:srgbClr val="53585F"/>
           </a:solidFill>
@@ -3987,7 +4052,7 @@
         <a:buFontTx/>
         <a:buChar char="-"/>
         <a:tabLst/>
-        <a:defRPr b="1" baseline="0" cap="none" i="0" spc="0" strike="noStrike" sz="4200" u="none">
+        <a:defRPr sz="4200" b="1" i="0" u="none" strike="noStrike" cap="none" spc="0" baseline="0">
           <a:solidFill>
             <a:srgbClr val="53585F"/>
           </a:solidFill>
@@ -4015,7 +4080,7 @@
         <a:buFontTx/>
         <a:buChar char="-"/>
         <a:tabLst/>
-        <a:defRPr b="1" baseline="0" cap="none" i="0" spc="0" strike="noStrike" sz="4200" u="none">
+        <a:defRPr sz="4200" b="1" i="0" u="none" strike="noStrike" cap="none" spc="0" baseline="0">
           <a:solidFill>
             <a:srgbClr val="53585F"/>
           </a:solidFill>
@@ -4043,7 +4108,7 @@
         <a:buFontTx/>
         <a:buChar char="-"/>
         <a:tabLst/>
-        <a:defRPr b="1" baseline="0" cap="none" i="0" spc="0" strike="noStrike" sz="4200" u="none">
+        <a:defRPr sz="4200" b="1" i="0" u="none" strike="noStrike" cap="none" spc="0" baseline="0">
           <a:solidFill>
             <a:srgbClr val="53585F"/>
           </a:solidFill>
@@ -4071,7 +4136,7 @@
         <a:buFontTx/>
         <a:buChar char="-"/>
         <a:tabLst/>
-        <a:defRPr b="1" baseline="0" cap="none" i="0" spc="0" strike="noStrike" sz="4200" u="none">
+        <a:defRPr sz="4200" b="1" i="0" u="none" strike="noStrike" cap="none" spc="0" baseline="0">
           <a:solidFill>
             <a:srgbClr val="53585F"/>
           </a:solidFill>
@@ -4099,7 +4164,7 @@
         <a:buFontTx/>
         <a:buChar char="-"/>
         <a:tabLst/>
-        <a:defRPr b="1" baseline="0" cap="none" i="0" spc="0" strike="noStrike" sz="4200" u="none">
+        <a:defRPr sz="4200" b="1" i="0" u="none" strike="noStrike" cap="none" spc="0" baseline="0">
           <a:solidFill>
             <a:srgbClr val="53585F"/>
           </a:solidFill>
@@ -4127,7 +4192,7 @@
         <a:buFontTx/>
         <a:buChar char="-"/>
         <a:tabLst/>
-        <a:defRPr b="1" baseline="0" cap="none" i="0" spc="0" strike="noStrike" sz="4200" u="none">
+        <a:defRPr sz="4200" b="1" i="0" u="none" strike="noStrike" cap="none" spc="0" baseline="0">
           <a:solidFill>
             <a:srgbClr val="53585F"/>
           </a:solidFill>
@@ -4155,7 +4220,7 @@
         <a:buFontTx/>
         <a:buChar char="-"/>
         <a:tabLst/>
-        <a:defRPr b="1" baseline="0" cap="none" i="0" spc="0" strike="noStrike" sz="4200" u="none">
+        <a:defRPr sz="4200" b="1" i="0" u="none" strike="noStrike" cap="none" spc="0" baseline="0">
           <a:solidFill>
             <a:srgbClr val="53585F"/>
           </a:solidFill>
@@ -4183,7 +4248,7 @@
         <a:buFontTx/>
         <a:buChar char="-"/>
         <a:tabLst/>
-        <a:defRPr b="1" baseline="0" cap="none" i="0" spc="0" strike="noStrike" sz="4200" u="none">
+        <a:defRPr sz="4200" b="1" i="0" u="none" strike="noStrike" cap="none" spc="0" baseline="0">
           <a:solidFill>
             <a:srgbClr val="53585F"/>
           </a:solidFill>
@@ -4211,7 +4276,7 @@
         <a:buFontTx/>
         <a:buNone/>
         <a:tabLst/>
-        <a:defRPr b="0" baseline="0" cap="none" i="0" spc="0" strike="noStrike" sz="1800" u="none">
+        <a:defRPr sz="1800" b="0" i="0" u="none" strike="noStrike" cap="none" spc="0" baseline="0">
           <a:solidFill>
             <a:schemeClr val="tx1"/>
           </a:solidFill>
@@ -4237,7 +4302,7 @@
         <a:buFontTx/>
         <a:buNone/>
         <a:tabLst/>
-        <a:defRPr b="0" baseline="0" cap="none" i="0" spc="0" strike="noStrike" sz="1800" u="none">
+        <a:defRPr sz="1800" b="0" i="0" u="none" strike="noStrike" cap="none" spc="0" baseline="0">
           <a:solidFill>
             <a:schemeClr val="tx1"/>
           </a:solidFill>
@@ -4263,7 +4328,7 @@
         <a:buFontTx/>
         <a:buNone/>
         <a:tabLst/>
-        <a:defRPr b="0" baseline="0" cap="none" i="0" spc="0" strike="noStrike" sz="1800" u="none">
+        <a:defRPr sz="1800" b="0" i="0" u="none" strike="noStrike" cap="none" spc="0" baseline="0">
           <a:solidFill>
             <a:schemeClr val="tx1"/>
           </a:solidFill>
@@ -4289,7 +4354,7 @@
         <a:buFontTx/>
         <a:buNone/>
         <a:tabLst/>
-        <a:defRPr b="0" baseline="0" cap="none" i="0" spc="0" strike="noStrike" sz="1800" u="none">
+        <a:defRPr sz="1800" b="0" i="0" u="none" strike="noStrike" cap="none" spc="0" baseline="0">
           <a:solidFill>
             <a:schemeClr val="tx1"/>
           </a:solidFill>
@@ -4315,7 +4380,7 @@
         <a:buFontTx/>
         <a:buNone/>
         <a:tabLst/>
-        <a:defRPr b="0" baseline="0" cap="none" i="0" spc="0" strike="noStrike" sz="1800" u="none">
+        <a:defRPr sz="1800" b="0" i="0" u="none" strike="noStrike" cap="none" spc="0" baseline="0">
           <a:solidFill>
             <a:schemeClr val="tx1"/>
           </a:solidFill>
@@ -4341,7 +4406,7 @@
         <a:buFontTx/>
         <a:buNone/>
         <a:tabLst/>
-        <a:defRPr b="0" baseline="0" cap="none" i="0" spc="0" strike="noStrike" sz="1800" u="none">
+        <a:defRPr sz="1800" b="0" i="0" u="none" strike="noStrike" cap="none" spc="0" baseline="0">
           <a:solidFill>
             <a:schemeClr val="tx1"/>
           </a:solidFill>
@@ -4367,7 +4432,7 @@
         <a:buFontTx/>
         <a:buNone/>
         <a:tabLst/>
-        <a:defRPr b="0" baseline="0" cap="none" i="0" spc="0" strike="noStrike" sz="1800" u="none">
+        <a:defRPr sz="1800" b="0" i="0" u="none" strike="noStrike" cap="none" spc="0" baseline="0">
           <a:solidFill>
             <a:schemeClr val="tx1"/>
           </a:solidFill>
@@ -4393,7 +4458,7 @@
         <a:buFontTx/>
         <a:buNone/>
         <a:tabLst/>
-        <a:defRPr b="0" baseline="0" cap="none" i="0" spc="0" strike="noStrike" sz="1800" u="none">
+        <a:defRPr sz="1800" b="0" i="0" u="none" strike="noStrike" cap="none" spc="0" baseline="0">
           <a:solidFill>
             <a:schemeClr val="tx1"/>
           </a:solidFill>
@@ -4419,7 +4484,7 @@
         <a:buFontTx/>
         <a:buNone/>
         <a:tabLst/>
-        <a:defRPr b="0" baseline="0" cap="none" i="0" spc="0" strike="noStrike" sz="1800" u="none">
+        <a:defRPr sz="1800" b="0" i="0" u="none" strike="noStrike" cap="none" spc="0" baseline="0">
           <a:solidFill>
             <a:schemeClr val="tx1"/>
           </a:solidFill>
@@ -4436,7 +4501,7 @@
 </file>
 
 <file path=ppt/slides/slide1.xml><?xml version="1.0" encoding="utf-8"?>
-<p:sld xmlns:a="http://schemas.openxmlformats.org/drawingml/2006/main" xmlns:r="http://schemas.openxmlformats.org/officeDocument/2006/relationships" xmlns:p="http://schemas.openxmlformats.org/presentationml/2006/main" xmlns:m="http://schemas.openxmlformats.org/officeDocument/2006/math" xmlns:a14="http://schemas.microsoft.com/office/drawing/2010/main" showMasterSp="1" showMasterPhAnim="1">
+<p:sld xmlns:a="http://schemas.openxmlformats.org/drawingml/2006/main" xmlns:r="http://schemas.openxmlformats.org/officeDocument/2006/relationships" xmlns:p="http://schemas.openxmlformats.org/presentationml/2006/main">
   <p:cSld>
     <p:spTree>
       <p:nvGrpSpPr>
@@ -4455,7 +4520,9 @@
       <p:sp>
         <p:nvSpPr>
           <p:cNvPr id="150" name="13B - Wednesday 25th January 2023"/>
-          <p:cNvSpPr txBox="1"/>
+          <p:cNvSpPr txBox="1">
+            <a:spLocks noGrp="1"/>
+          </p:cNvSpPr>
           <p:nvPr>
             <p:ph type="subTitle" sz="quarter" idx="1"/>
           </p:nvPr>
@@ -4469,8 +4536,8 @@
           <a:bodyPr/>
           <a:lstStyle/>
           <a:p>
-            <a:pPr/>
             <a:r>
+              <a:rPr b="1" dirty="0"/>
               <a:t>13B - Wednesday 25th January 2023</a:t>
             </a:r>
           </a:p>
@@ -4479,7 +4546,9 @@
       <p:sp>
         <p:nvSpPr>
           <p:cNvPr id="151" name="Assembly Language"/>
-          <p:cNvSpPr txBox="1"/>
+          <p:cNvSpPr txBox="1">
+            <a:spLocks noGrp="1"/>
+          </p:cNvSpPr>
           <p:nvPr>
             <p:ph type="ctrTitle"/>
           </p:nvPr>
@@ -4490,11 +4559,13 @@
           </a:prstGeom>
         </p:spPr>
         <p:txBody>
-          <a:bodyPr/>
+          <a:bodyPr>
+            <a:normAutofit fontScale="90000"/>
+          </a:bodyPr>
           <a:lstStyle/>
           <a:p>
-            <a:pPr/>
             <a:r>
+              <a:rPr b="1" dirty="0"/>
               <a:t>Assembly Language</a:t>
             </a:r>
           </a:p>
@@ -4505,12 +4576,12 @@
   <p:clrMapOvr>
     <a:masterClrMapping/>
   </p:clrMapOvr>
-  <p:transition xmlns:p14="http://schemas.microsoft.com/office/powerpoint/2010/main" spd="med" advClick="1"/>
+  <p:transition spd="med"/>
 </p:sld>
 </file>
 
 <file path=ppt/slides/slide10.xml><?xml version="1.0" encoding="utf-8"?>
-<p:sld xmlns:a="http://schemas.openxmlformats.org/drawingml/2006/main" xmlns:r="http://schemas.openxmlformats.org/officeDocument/2006/relationships" xmlns:p="http://schemas.openxmlformats.org/presentationml/2006/main" xmlns:m="http://schemas.openxmlformats.org/officeDocument/2006/math" xmlns:a14="http://schemas.microsoft.com/office/drawing/2010/main" showMasterSp="1" showMasterPhAnim="1">
+<p:sld xmlns:a="http://schemas.openxmlformats.org/drawingml/2006/main" xmlns:r="http://schemas.openxmlformats.org/officeDocument/2006/relationships" xmlns:p="http://schemas.openxmlformats.org/presentationml/2006/main">
   <p:cSld>
     <p:spTree>
       <p:nvGrpSpPr>
@@ -4529,7 +4600,9 @@
       <p:sp>
         <p:nvSpPr>
           <p:cNvPr id="217" name="Treat each variable as a register.…"/>
-          <p:cNvSpPr txBox="1"/>
+          <p:cNvSpPr txBox="1">
+            <a:spLocks noGrp="1"/>
+          </p:cNvSpPr>
           <p:nvPr>
             <p:ph type="body" sz="quarter" idx="1"/>
           </p:nvPr>
@@ -4537,7 +4610,7 @@
         <p:spPr>
           <a:xfrm>
             <a:off x="1219200" y="5016710"/>
-            <a:ext cx="8356600" cy="7480090"/>
+            <a:ext cx="8910918" cy="7480090"/>
           </a:xfrm>
           <a:prstGeom prst="rect">
             <a:avLst/>
@@ -4547,38 +4620,42 @@
           <a:bodyPr/>
           <a:lstStyle/>
           <a:p>
-            <a:pPr/>
             <a:r>
+              <a:rPr b="0" dirty="0"/>
               <a:t>Treat each variable as a register.</a:t>
             </a:r>
           </a:p>
           <a:p>
-            <a:pPr/>
             <a:r>
+              <a:rPr b="0" dirty="0"/>
               <a:t>Treat each register as a variable.</a:t>
             </a:r>
           </a:p>
           <a:p>
-            <a:pPr/>
             <a:r>
+              <a:rPr b="0" dirty="0"/>
               <a:t>Draw arrows on Assembly Code.</a:t>
             </a:r>
           </a:p>
           <a:p>
-            <a:pPr/>
             <a:r>
-              <a:t>Memorise the common If and While structure.</a:t>
+              <a:rPr b="0" dirty="0" err="1"/>
+              <a:t>Memorise</a:t>
             </a:r>
-          </a:p>
-          <a:p>
-            <a:pPr/>
             <a:r>
+              <a:rPr b="0" dirty="0"/>
+              <a:t> the common If and While structure.</a:t>
+            </a:r>
+          </a:p>
+          <a:p>
+            <a:r>
+              <a:rPr b="0" dirty="0"/>
               <a:t>Think about your code in a language you’re used to.</a:t>
             </a:r>
           </a:p>
           <a:p>
-            <a:pPr/>
             <a:r>
+              <a:rPr b="0" dirty="0"/>
               <a:t>Practice, Practice, Practice.</a:t>
             </a:r>
           </a:p>
@@ -4587,14 +4664,16 @@
       <p:sp>
         <p:nvSpPr>
           <p:cNvPr id="218" name="Tips for solving questions"/>
-          <p:cNvSpPr txBox="1"/>
+          <p:cNvSpPr txBox="1">
+            <a:spLocks noGrp="1"/>
+          </p:cNvSpPr>
           <p:nvPr>
             <p:ph type="title"/>
           </p:nvPr>
         </p:nvSpPr>
         <p:spPr>
           <a:xfrm>
-            <a:off x="1219200" y="1218086"/>
+            <a:off x="1219200" y="554252"/>
             <a:ext cx="8356600" cy="3068291"/>
           </a:xfrm>
           <a:prstGeom prst="rect">
@@ -4602,11 +4681,13 @@
           </a:prstGeom>
         </p:spPr>
         <p:txBody>
-          <a:bodyPr/>
+          <a:bodyPr>
+            <a:normAutofit fontScale="90000"/>
+          </a:bodyPr>
           <a:lstStyle/>
           <a:p>
-            <a:pPr/>
             <a:r>
+              <a:rPr b="1" dirty="0"/>
               <a:t>Tips for solving questions</a:t>
             </a:r>
           </a:p>
@@ -4621,9 +4702,7 @@
           <p:nvPr/>
         </p:nvPicPr>
         <p:blipFill>
-          <a:blip r:embed="rId2">
-            <a:extLst/>
-          </a:blip>
+          <a:blip r:embed="rId2"/>
           <a:stretch>
             <a:fillRect/>
           </a:stretch>
@@ -4660,20 +4739,20 @@
           </a:ln>
           <a:extLst>
             <a:ext uri="{C572A759-6A51-4108-AA02-DFA0A04FC94B}">
-              <ma14:wrappingTextBoxFlag xmlns:ma14="http://schemas.microsoft.com/office/mac/drawingml/2011/main" val="1"/>
+              <ma14:wrappingTextBoxFlag xmlns:ma14="http://schemas.microsoft.com/office/mac/drawingml/2011/main" xmlns:a14="http://schemas.microsoft.com/office/drawing/2010/main" xmlns:m="http://schemas.openxmlformats.org/officeDocument/2006/math" xmlns="" val="1"/>
             </a:ext>
           </a:extLst>
         </p:spPr>
         <p:txBody>
           <a:bodyPr lIns="50800" tIns="50800" rIns="50800" bIns="50800" anchor="ctr">
-            <a:normAutofit fontScale="100000" lnSpcReduction="0"/>
+            <a:normAutofit/>
           </a:bodyPr>
           <a:lstStyle>
             <a:lvl1pPr defTabSz="514095">
               <a:lnSpc>
                 <a:spcPct val="80000"/>
               </a:lnSpc>
-              <a:defRPr cap="all" sz="12320">
+              <a:defRPr sz="12320" cap="all">
                 <a:solidFill>
                   <a:srgbClr val="FFFFFF"/>
                 </a:solidFill>
@@ -4685,7 +4764,6 @@
             </a:lvl1pPr>
           </a:lstStyle>
           <a:p>
-            <a:pPr/>
             <a:r>
               <a:t>Bubble sort</a:t>
             </a:r>
@@ -4697,12 +4775,117 @@
   <p:clrMapOvr>
     <a:masterClrMapping/>
   </p:clrMapOvr>
-  <p:transition xmlns:p14="http://schemas.microsoft.com/office/powerpoint/2010/main" spd="med" advClick="1"/>
+  <p:transition spd="med"/>
+  <p:timing>
+    <p:tnLst>
+      <p:par>
+        <p:cTn id="1" dur="indefinite" restart="never" nodeType="tmRoot">
+          <p:childTnLst>
+            <p:seq concurrent="1" nextAc="seek">
+              <p:cTn id="2" dur="indefinite" nodeType="mainSeq">
+                <p:childTnLst>
+                  <p:par>
+                    <p:cTn id="3" fill="hold">
+                      <p:stCondLst>
+                        <p:cond delay="indefinite"/>
+                      </p:stCondLst>
+                      <p:childTnLst>
+                        <p:par>
+                          <p:cTn id="4" fill="hold">
+                            <p:stCondLst>
+                              <p:cond delay="0"/>
+                            </p:stCondLst>
+                            <p:childTnLst>
+                              <p:par>
+                                <p:cTn id="5" presetID="1" presetClass="entr" presetSubtype="0" fill="hold" nodeType="clickEffect">
+                                  <p:stCondLst>
+                                    <p:cond delay="0"/>
+                                  </p:stCondLst>
+                                  <p:childTnLst>
+                                    <p:set>
+                                      <p:cBhvr>
+                                        <p:cTn id="6" dur="1" fill="hold">
+                                          <p:stCondLst>
+                                            <p:cond delay="0"/>
+                                          </p:stCondLst>
+                                        </p:cTn>
+                                        <p:tgtEl>
+                                          <p:spTgt spid="219"/>
+                                        </p:tgtEl>
+                                        <p:attrNameLst>
+                                          <p:attrName>style.visibility</p:attrName>
+                                        </p:attrNameLst>
+                                      </p:cBhvr>
+                                      <p:to>
+                                        <p:strVal val="visible"/>
+                                      </p:to>
+                                    </p:set>
+                                  </p:childTnLst>
+                                </p:cTn>
+                              </p:par>
+                              <p:par>
+                                <p:cTn id="7" presetID="1" presetClass="entr" presetSubtype="0" fill="hold" grpId="0" nodeType="withEffect">
+                                  <p:stCondLst>
+                                    <p:cond delay="0"/>
+                                  </p:stCondLst>
+                                  <p:childTnLst>
+                                    <p:set>
+                                      <p:cBhvr>
+                                        <p:cTn id="8" dur="1" fill="hold">
+                                          <p:stCondLst>
+                                            <p:cond delay="0"/>
+                                          </p:stCondLst>
+                                        </p:cTn>
+                                        <p:tgtEl>
+                                          <p:spTgt spid="220"/>
+                                        </p:tgtEl>
+                                        <p:attrNameLst>
+                                          <p:attrName>style.visibility</p:attrName>
+                                        </p:attrNameLst>
+                                      </p:cBhvr>
+                                      <p:to>
+                                        <p:strVal val="visible"/>
+                                      </p:to>
+                                    </p:set>
+                                  </p:childTnLst>
+                                </p:cTn>
+                              </p:par>
+                            </p:childTnLst>
+                          </p:cTn>
+                        </p:par>
+                      </p:childTnLst>
+                    </p:cTn>
+                  </p:par>
+                </p:childTnLst>
+              </p:cTn>
+              <p:prevCondLst>
+                <p:cond evt="onPrev" delay="0">
+                  <p:tgtEl>
+                    <p:sldTgt/>
+                  </p:tgtEl>
+                </p:cond>
+              </p:prevCondLst>
+              <p:nextCondLst>
+                <p:cond evt="onNext" delay="0">
+                  <p:tgtEl>
+                    <p:sldTgt/>
+                  </p:tgtEl>
+                </p:cond>
+              </p:nextCondLst>
+            </p:seq>
+          </p:childTnLst>
+        </p:cTn>
+      </p:par>
+    </p:tnLst>
+    <p:bldLst>
+      <p:bldP spid="220" grpId="0" animBg="1"/>
+    </p:bldLst>
+  </p:timing>
 </p:sld>
 </file>
 
 <file path=ppt/slides/slide2.xml><?xml version="1.0" encoding="utf-8"?>
-<p:sld xmlns:a="http://schemas.openxmlformats.org/drawingml/2006/main" xmlns:r="http://schemas.openxmlformats.org/officeDocument/2006/relationships" xmlns:p="http://schemas.openxmlformats.org/presentationml/2006/main" xmlns:m="http://schemas.openxmlformats.org/officeDocument/2006/math" xmlns:a14="http://schemas.microsoft.com/office/drawing/2010/main" showMasterSp="1" showMasterPhAnim="1">
+<p:sld xmlns:a="http://schemas.openxmlformats.org/drawingml/2006/main" xmlns:r="http://schemas.openxmlformats.org/officeDocument/2006/relationships" xmlns:p="http://schemas.openxmlformats.org/presentationml/2006/main">
   <p:cSld>
     <p:spTree>
       <p:nvGrpSpPr>
@@ -4721,7 +4904,9 @@
       <p:sp>
         <p:nvSpPr>
           <p:cNvPr id="153" name="In reality we don’t write programs in it very often*…"/>
-          <p:cNvSpPr txBox="1"/>
+          <p:cNvSpPr txBox="1">
+            <a:spLocks noGrp="1"/>
+          </p:cNvSpPr>
           <p:nvPr>
             <p:ph type="body" sz="quarter" idx="1"/>
           </p:nvPr>
@@ -4739,38 +4924,42 @@
           <a:bodyPr/>
           <a:lstStyle/>
           <a:p>
-            <a:pPr/>
             <a:r>
+              <a:rPr b="0" dirty="0"/>
               <a:t>In reality we don’t write programs in it very often*</a:t>
             </a:r>
           </a:p>
           <a:p>
-            <a:pPr/>
             <a:r>
+              <a:rPr b="0" dirty="0"/>
               <a:t>But we need to know it:</a:t>
             </a:r>
           </a:p>
           <a:p>
             <a:pPr lvl="1"/>
             <a:r>
+              <a:rPr b="0" dirty="0"/>
               <a:t>Finding Bugs</a:t>
             </a:r>
           </a:p>
           <a:p>
             <a:pPr lvl="1"/>
             <a:r>
+              <a:rPr b="0" dirty="0"/>
               <a:t>Incredible Performance</a:t>
             </a:r>
           </a:p>
           <a:p>
             <a:pPr lvl="1"/>
             <a:r>
+              <a:rPr b="0" dirty="0"/>
               <a:t>System Software</a:t>
             </a:r>
           </a:p>
           <a:p>
             <a:pPr lvl="1"/>
             <a:r>
+              <a:rPr b="0" dirty="0"/>
               <a:t>Malware</a:t>
             </a:r>
           </a:p>
@@ -4779,25 +4968,29 @@
       <p:sp>
         <p:nvSpPr>
           <p:cNvPr id="154" name="*It’s in your exam"/>
-          <p:cNvSpPr txBox="1"/>
+          <p:cNvSpPr txBox="1">
+            <a:spLocks noGrp="1"/>
+          </p:cNvSpPr>
           <p:nvPr>
             <p:ph type="title"/>
           </p:nvPr>
         </p:nvSpPr>
         <p:spPr>
           <a:xfrm>
-            <a:off x="13423900" y="4178319"/>
-            <a:ext cx="8356600" cy="2232004"/>
+            <a:off x="11389659" y="3681094"/>
+            <a:ext cx="12317506" cy="3176905"/>
           </a:xfrm>
           <a:prstGeom prst="rect">
             <a:avLst/>
           </a:prstGeom>
         </p:spPr>
         <p:txBody>
-          <a:bodyPr/>
+          <a:bodyPr>
+            <a:normAutofit fontScale="90000"/>
+          </a:bodyPr>
           <a:lstStyle>
             <a:lvl1pPr algn="ctr" defTabSz="379729">
-              <a:defRPr spc="-143" sz="14300">
+              <a:defRPr sz="14300" spc="-143">
                 <a:solidFill>
                   <a:srgbClr val="FFD74C"/>
                 </a:solidFill>
@@ -4805,8 +4998,8 @@
             </a:lvl1pPr>
           </a:lstStyle>
           <a:p>
-            <a:pPr/>
             <a:r>
+              <a:rPr b="1" dirty="0"/>
               <a:t>*It’s in your exam</a:t>
             </a:r>
           </a:p>
@@ -4815,7 +5008,9 @@
       <p:sp>
         <p:nvSpPr>
           <p:cNvPr id="155" name="Why are we even learning this?…"/>
-          <p:cNvSpPr txBox="1"/>
+          <p:cNvSpPr txBox="1">
+            <a:spLocks noGrp="1"/>
+          </p:cNvSpPr>
           <p:nvPr>
             <p:ph type="body" idx="22"/>
           </p:nvPr>
@@ -4830,18 +5025,21 @@
           </a:prstGeom>
           <a:extLst>
             <a:ext uri="{C572A759-6A51-4108-AA02-DFA0A04FC94B}">
-              <ma14:wrappingTextBoxFlag xmlns:ma14="http://schemas.microsoft.com/office/mac/drawingml/2011/main" val="1"/>
+              <ma14:wrappingTextBoxFlag xmlns:ma14="http://schemas.microsoft.com/office/mac/drawingml/2011/main" xmlns:a14="http://schemas.microsoft.com/office/drawing/2010/main" xmlns:m="http://schemas.openxmlformats.org/officeDocument/2006/math" xmlns="" val="1"/>
             </a:ext>
           </a:extLst>
         </p:spPr>
         <p:txBody>
-          <a:bodyPr/>
+          <a:bodyPr>
+            <a:normAutofit fontScale="92500"/>
+          </a:bodyPr>
           <a:lstStyle/>
           <a:p>
             <a:pPr defTabSz="344677">
               <a:defRPr sz="3775"/>
             </a:pPr>
             <a:r>
+              <a:rPr b="1" dirty="0"/>
               <a:t>Why are we even learning this?</a:t>
             </a:r>
           </a:p>
@@ -4850,6 +5048,7 @@
               <a:defRPr sz="3775"/>
             </a:pPr>
             <a:r>
+              <a:rPr b="1" dirty="0"/>
               <a:t>Why can’t we just use python? </a:t>
             </a:r>
           </a:p>
@@ -4858,7 +5057,8 @@
               <a:defRPr sz="2655"/>
             </a:pPr>
             <a:r>
-              <a:t>(Or whatever your favourite language is)</a:t>
+              <a:rPr b="1" dirty="0"/>
+              <a:t>(Or whatever your favorite language is)</a:t>
             </a:r>
           </a:p>
         </p:txBody>
@@ -4871,8 +5071,8 @@
         </p:nvSpPr>
         <p:spPr>
           <a:xfrm>
-            <a:off x="13423900" y="7211533"/>
-            <a:ext cx="8356600" cy="2232004"/>
+            <a:off x="13370112" y="7497617"/>
+            <a:ext cx="8356600" cy="3176905"/>
           </a:xfrm>
           <a:prstGeom prst="rect">
             <a:avLst/>
@@ -4882,20 +5082,20 @@
           </a:ln>
           <a:extLst>
             <a:ext uri="{C572A759-6A51-4108-AA02-DFA0A04FC94B}">
-              <ma14:wrappingTextBoxFlag xmlns:ma14="http://schemas.microsoft.com/office/mac/drawingml/2011/main" val="1"/>
+              <ma14:wrappingTextBoxFlag xmlns:ma14="http://schemas.microsoft.com/office/mac/drawingml/2011/main" xmlns:a14="http://schemas.microsoft.com/office/drawing/2010/main" xmlns:m="http://schemas.openxmlformats.org/officeDocument/2006/math" xmlns="" val="1"/>
             </a:ext>
           </a:extLst>
         </p:spPr>
         <p:txBody>
           <a:bodyPr lIns="50800" tIns="50800" rIns="50800" bIns="50800">
-            <a:normAutofit fontScale="100000" lnSpcReduction="0"/>
+            <a:normAutofit/>
           </a:bodyPr>
           <a:lstStyle>
             <a:lvl1pPr defTabSz="584200">
               <a:lnSpc>
                 <a:spcPct val="80000"/>
               </a:lnSpc>
-              <a:defRPr cap="all" spc="-100" sz="10000">
+              <a:defRPr sz="10000" cap="all" spc="-100">
                 <a:solidFill>
                   <a:srgbClr val="FFD74C"/>
                 </a:solidFill>
@@ -4907,8 +5107,8 @@
             </a:lvl1pPr>
           </a:lstStyle>
           <a:p>
-            <a:pPr/>
             <a:r>
+              <a:rPr dirty="0"/>
               <a:t>And it will come up</a:t>
             </a:r>
           </a:p>
@@ -4919,12 +5119,341 @@
   <p:clrMapOvr>
     <a:masterClrMapping/>
   </p:clrMapOvr>
-  <p:transition xmlns:p14="http://schemas.microsoft.com/office/powerpoint/2010/main" spd="med" advClick="1"/>
+  <p:transition spd="med"/>
+  <p:timing>
+    <p:tnLst>
+      <p:par>
+        <p:cTn id="1" dur="indefinite" restart="never" nodeType="tmRoot">
+          <p:childTnLst>
+            <p:seq concurrent="1" nextAc="seek">
+              <p:cTn id="2" dur="indefinite" nodeType="mainSeq">
+                <p:childTnLst>
+                  <p:par>
+                    <p:cTn id="3" fill="hold">
+                      <p:stCondLst>
+                        <p:cond delay="indefinite"/>
+                      </p:stCondLst>
+                      <p:childTnLst>
+                        <p:par>
+                          <p:cTn id="4" fill="hold">
+                            <p:stCondLst>
+                              <p:cond delay="0"/>
+                            </p:stCondLst>
+                            <p:childTnLst>
+                              <p:par>
+                                <p:cTn id="5" presetID="1" presetClass="entr" presetSubtype="0" fill="hold" grpId="0" nodeType="clickEffect">
+                                  <p:stCondLst>
+                                    <p:cond delay="0"/>
+                                  </p:stCondLst>
+                                  <p:childTnLst>
+                                    <p:set>
+                                      <p:cBhvr>
+                                        <p:cTn id="6" dur="1" fill="hold">
+                                          <p:stCondLst>
+                                            <p:cond delay="0"/>
+                                          </p:stCondLst>
+                                        </p:cTn>
+                                        <p:tgtEl>
+                                          <p:spTgt spid="153">
+                                            <p:txEl>
+                                              <p:pRg st="0" end="0"/>
+                                            </p:txEl>
+                                          </p:spTgt>
+                                        </p:tgtEl>
+                                        <p:attrNameLst>
+                                          <p:attrName>style.visibility</p:attrName>
+                                        </p:attrNameLst>
+                                      </p:cBhvr>
+                                      <p:to>
+                                        <p:strVal val="visible"/>
+                                      </p:to>
+                                    </p:set>
+                                  </p:childTnLst>
+                                </p:cTn>
+                              </p:par>
+                            </p:childTnLst>
+                          </p:cTn>
+                        </p:par>
+                      </p:childTnLst>
+                    </p:cTn>
+                  </p:par>
+                  <p:par>
+                    <p:cTn id="7" fill="hold">
+                      <p:stCondLst>
+                        <p:cond delay="indefinite"/>
+                      </p:stCondLst>
+                      <p:childTnLst>
+                        <p:par>
+                          <p:cTn id="8" fill="hold">
+                            <p:stCondLst>
+                              <p:cond delay="0"/>
+                            </p:stCondLst>
+                            <p:childTnLst>
+                              <p:par>
+                                <p:cTn id="9" presetID="1" presetClass="entr" presetSubtype="0" fill="hold" grpId="0" nodeType="clickEffect">
+                                  <p:stCondLst>
+                                    <p:cond delay="0"/>
+                                  </p:stCondLst>
+                                  <p:childTnLst>
+                                    <p:set>
+                                      <p:cBhvr>
+                                        <p:cTn id="10" dur="1" fill="hold">
+                                          <p:stCondLst>
+                                            <p:cond delay="0"/>
+                                          </p:stCondLst>
+                                        </p:cTn>
+                                        <p:tgtEl>
+                                          <p:spTgt spid="153">
+                                            <p:txEl>
+                                              <p:pRg st="1" end="1"/>
+                                            </p:txEl>
+                                          </p:spTgt>
+                                        </p:tgtEl>
+                                        <p:attrNameLst>
+                                          <p:attrName>style.visibility</p:attrName>
+                                        </p:attrNameLst>
+                                      </p:cBhvr>
+                                      <p:to>
+                                        <p:strVal val="visible"/>
+                                      </p:to>
+                                    </p:set>
+                                  </p:childTnLst>
+                                </p:cTn>
+                              </p:par>
+                              <p:par>
+                                <p:cTn id="11" presetID="1" presetClass="entr" presetSubtype="0" fill="hold" grpId="0" nodeType="withEffect">
+                                  <p:stCondLst>
+                                    <p:cond delay="0"/>
+                                  </p:stCondLst>
+                                  <p:childTnLst>
+                                    <p:set>
+                                      <p:cBhvr>
+                                        <p:cTn id="12" dur="1" fill="hold">
+                                          <p:stCondLst>
+                                            <p:cond delay="0"/>
+                                          </p:stCondLst>
+                                        </p:cTn>
+                                        <p:tgtEl>
+                                          <p:spTgt spid="153">
+                                            <p:txEl>
+                                              <p:pRg st="2" end="2"/>
+                                            </p:txEl>
+                                          </p:spTgt>
+                                        </p:tgtEl>
+                                        <p:attrNameLst>
+                                          <p:attrName>style.visibility</p:attrName>
+                                        </p:attrNameLst>
+                                      </p:cBhvr>
+                                      <p:to>
+                                        <p:strVal val="visible"/>
+                                      </p:to>
+                                    </p:set>
+                                  </p:childTnLst>
+                                </p:cTn>
+                              </p:par>
+                              <p:par>
+                                <p:cTn id="13" presetID="1" presetClass="entr" presetSubtype="0" fill="hold" grpId="0" nodeType="withEffect">
+                                  <p:stCondLst>
+                                    <p:cond delay="0"/>
+                                  </p:stCondLst>
+                                  <p:childTnLst>
+                                    <p:set>
+                                      <p:cBhvr>
+                                        <p:cTn id="14" dur="1" fill="hold">
+                                          <p:stCondLst>
+                                            <p:cond delay="0"/>
+                                          </p:stCondLst>
+                                        </p:cTn>
+                                        <p:tgtEl>
+                                          <p:spTgt spid="153">
+                                            <p:txEl>
+                                              <p:pRg st="3" end="3"/>
+                                            </p:txEl>
+                                          </p:spTgt>
+                                        </p:tgtEl>
+                                        <p:attrNameLst>
+                                          <p:attrName>style.visibility</p:attrName>
+                                        </p:attrNameLst>
+                                      </p:cBhvr>
+                                      <p:to>
+                                        <p:strVal val="visible"/>
+                                      </p:to>
+                                    </p:set>
+                                  </p:childTnLst>
+                                </p:cTn>
+                              </p:par>
+                              <p:par>
+                                <p:cTn id="15" presetID="1" presetClass="entr" presetSubtype="0" fill="hold" grpId="0" nodeType="withEffect">
+                                  <p:stCondLst>
+                                    <p:cond delay="0"/>
+                                  </p:stCondLst>
+                                  <p:childTnLst>
+                                    <p:set>
+                                      <p:cBhvr>
+                                        <p:cTn id="16" dur="1" fill="hold">
+                                          <p:stCondLst>
+                                            <p:cond delay="0"/>
+                                          </p:stCondLst>
+                                        </p:cTn>
+                                        <p:tgtEl>
+                                          <p:spTgt spid="153">
+                                            <p:txEl>
+                                              <p:pRg st="4" end="4"/>
+                                            </p:txEl>
+                                          </p:spTgt>
+                                        </p:tgtEl>
+                                        <p:attrNameLst>
+                                          <p:attrName>style.visibility</p:attrName>
+                                        </p:attrNameLst>
+                                      </p:cBhvr>
+                                      <p:to>
+                                        <p:strVal val="visible"/>
+                                      </p:to>
+                                    </p:set>
+                                  </p:childTnLst>
+                                </p:cTn>
+                              </p:par>
+                              <p:par>
+                                <p:cTn id="17" presetID="1" presetClass="entr" presetSubtype="0" fill="hold" grpId="0" nodeType="withEffect">
+                                  <p:stCondLst>
+                                    <p:cond delay="0"/>
+                                  </p:stCondLst>
+                                  <p:childTnLst>
+                                    <p:set>
+                                      <p:cBhvr>
+                                        <p:cTn id="18" dur="1" fill="hold">
+                                          <p:stCondLst>
+                                            <p:cond delay="0"/>
+                                          </p:stCondLst>
+                                        </p:cTn>
+                                        <p:tgtEl>
+                                          <p:spTgt spid="153">
+                                            <p:txEl>
+                                              <p:pRg st="5" end="5"/>
+                                            </p:txEl>
+                                          </p:spTgt>
+                                        </p:tgtEl>
+                                        <p:attrNameLst>
+                                          <p:attrName>style.visibility</p:attrName>
+                                        </p:attrNameLst>
+                                      </p:cBhvr>
+                                      <p:to>
+                                        <p:strVal val="visible"/>
+                                      </p:to>
+                                    </p:set>
+                                  </p:childTnLst>
+                                </p:cTn>
+                              </p:par>
+                            </p:childTnLst>
+                          </p:cTn>
+                        </p:par>
+                      </p:childTnLst>
+                    </p:cTn>
+                  </p:par>
+                  <p:par>
+                    <p:cTn id="19" fill="hold">
+                      <p:stCondLst>
+                        <p:cond delay="indefinite"/>
+                      </p:stCondLst>
+                      <p:childTnLst>
+                        <p:par>
+                          <p:cTn id="20" fill="hold">
+                            <p:stCondLst>
+                              <p:cond delay="0"/>
+                            </p:stCondLst>
+                            <p:childTnLst>
+                              <p:par>
+                                <p:cTn id="21" presetID="1" presetClass="entr" presetSubtype="0" fill="hold" grpId="0" nodeType="clickEffect">
+                                  <p:stCondLst>
+                                    <p:cond delay="0"/>
+                                  </p:stCondLst>
+                                  <p:childTnLst>
+                                    <p:set>
+                                      <p:cBhvr>
+                                        <p:cTn id="22" dur="1" fill="hold">
+                                          <p:stCondLst>
+                                            <p:cond delay="0"/>
+                                          </p:stCondLst>
+                                        </p:cTn>
+                                        <p:tgtEl>
+                                          <p:spTgt spid="156"/>
+                                        </p:tgtEl>
+                                        <p:attrNameLst>
+                                          <p:attrName>style.visibility</p:attrName>
+                                        </p:attrNameLst>
+                                      </p:cBhvr>
+                                      <p:to>
+                                        <p:strVal val="visible"/>
+                                      </p:to>
+                                    </p:set>
+                                  </p:childTnLst>
+                                </p:cTn>
+                              </p:par>
+                              <p:par>
+                                <p:cTn id="23" presetID="1" presetClass="entr" presetSubtype="0" fill="hold" grpId="0" nodeType="withEffect">
+                                  <p:stCondLst>
+                                    <p:cond delay="0"/>
+                                  </p:stCondLst>
+                                  <p:childTnLst>
+                                    <p:set>
+                                      <p:cBhvr>
+                                        <p:cTn id="24" dur="1" fill="hold">
+                                          <p:stCondLst>
+                                            <p:cond delay="0"/>
+                                          </p:stCondLst>
+                                        </p:cTn>
+                                        <p:tgtEl>
+                                          <p:spTgt spid="154"/>
+                                        </p:tgtEl>
+                                        <p:attrNameLst>
+                                          <p:attrName>style.visibility</p:attrName>
+                                        </p:attrNameLst>
+                                      </p:cBhvr>
+                                      <p:to>
+                                        <p:strVal val="visible"/>
+                                      </p:to>
+                                    </p:set>
+                                  </p:childTnLst>
+                                </p:cTn>
+                              </p:par>
+                            </p:childTnLst>
+                          </p:cTn>
+                        </p:par>
+                      </p:childTnLst>
+                    </p:cTn>
+                  </p:par>
+                </p:childTnLst>
+              </p:cTn>
+              <p:prevCondLst>
+                <p:cond evt="onPrev" delay="0">
+                  <p:tgtEl>
+                    <p:sldTgt/>
+                  </p:tgtEl>
+                </p:cond>
+              </p:prevCondLst>
+              <p:nextCondLst>
+                <p:cond evt="onNext" delay="0">
+                  <p:tgtEl>
+                    <p:sldTgt/>
+                  </p:tgtEl>
+                </p:cond>
+              </p:nextCondLst>
+            </p:seq>
+          </p:childTnLst>
+        </p:cTn>
+      </p:par>
+    </p:tnLst>
+    <p:bldLst>
+      <p:bldP spid="153" grpId="0" uiExpand="1" build="p"/>
+      <p:bldP spid="154" grpId="0" animBg="1"/>
+      <p:bldP spid="156" grpId="0" animBg="1"/>
+    </p:bldLst>
+  </p:timing>
 </p:sld>
 </file>
 
 <file path=ppt/slides/slide3.xml><?xml version="1.0" encoding="utf-8"?>
-<p:sld xmlns:a="http://schemas.openxmlformats.org/drawingml/2006/main" xmlns:r="http://schemas.openxmlformats.org/officeDocument/2006/relationships" xmlns:p="http://schemas.openxmlformats.org/presentationml/2006/main" xmlns:m="http://schemas.openxmlformats.org/officeDocument/2006/math" xmlns:a14="http://schemas.microsoft.com/office/drawing/2010/main" showMasterSp="1" showMasterPhAnim="1">
+<p:sld xmlns:a="http://schemas.openxmlformats.org/drawingml/2006/main" xmlns:r="http://schemas.openxmlformats.org/officeDocument/2006/relationships" xmlns:p="http://schemas.openxmlformats.org/presentationml/2006/main">
   <p:cSld>
     <p:spTree>
       <p:nvGrpSpPr>
@@ -4949,9 +5478,7 @@
           <p:nvPr/>
         </p:nvPicPr>
         <p:blipFill>
-          <a:blip r:embed="rId2">
-            <a:extLst/>
-          </a:blip>
+          <a:blip r:embed="rId2"/>
           <a:stretch>
             <a:fillRect/>
           </a:stretch>
@@ -4974,12 +5501,12 @@
   <p:clrMapOvr>
     <a:masterClrMapping/>
   </p:clrMapOvr>
-  <p:transition xmlns:p14="http://schemas.microsoft.com/office/powerpoint/2010/main" spd="med" advClick="1"/>
+  <p:transition spd="med"/>
 </p:sld>
 </file>
 
 <file path=ppt/slides/slide4.xml><?xml version="1.0" encoding="utf-8"?>
-<p:sld xmlns:a="http://schemas.openxmlformats.org/drawingml/2006/main" xmlns:r="http://schemas.openxmlformats.org/officeDocument/2006/relationships" xmlns:p="http://schemas.openxmlformats.org/presentationml/2006/main" xmlns:m="http://schemas.openxmlformats.org/officeDocument/2006/math" xmlns:a14="http://schemas.microsoft.com/office/drawing/2010/main" showMasterSp="1" showMasterPhAnim="1">
+<p:sld xmlns:a="http://schemas.openxmlformats.org/drawingml/2006/main" xmlns:r="http://schemas.openxmlformats.org/officeDocument/2006/relationships" xmlns:p="http://schemas.openxmlformats.org/presentationml/2006/main">
   <p:cSld>
     <p:spTree>
       <p:nvGrpSpPr>
@@ -4998,7 +5525,9 @@
       <p:sp>
         <p:nvSpPr>
           <p:cNvPr id="160" name="RECAP of instructions"/>
-          <p:cNvSpPr txBox="1"/>
+          <p:cNvSpPr txBox="1">
+            <a:spLocks noGrp="1"/>
+          </p:cNvSpPr>
           <p:nvPr>
             <p:ph type="title"/>
           </p:nvPr>
@@ -5012,8 +5541,8 @@
           <a:bodyPr/>
           <a:lstStyle/>
           <a:p>
-            <a:pPr/>
             <a:r>
+              <a:rPr b="1" dirty="0"/>
               <a:t>RECAP of instructions</a:t>
             </a:r>
           </a:p>
@@ -5028,9 +5557,7 @@
           <p:nvPr/>
         </p:nvPicPr>
         <p:blipFill>
-          <a:blip r:embed="rId3">
-            <a:extLst/>
-          </a:blip>
+          <a:blip r:embed="rId3"/>
           <a:stretch>
             <a:fillRect/>
           </a:stretch>
@@ -5057,9 +5584,7 @@
           <p:nvPr/>
         </p:nvPicPr>
         <p:blipFill>
-          <a:blip r:embed="rId4">
-            <a:extLst/>
-          </a:blip>
+          <a:blip r:embed="rId4"/>
           <a:stretch>
             <a:fillRect/>
           </a:stretch>
@@ -5082,12 +5607,12 @@
   <p:clrMapOvr>
     <a:masterClrMapping/>
   </p:clrMapOvr>
-  <p:transition xmlns:p14="http://schemas.microsoft.com/office/powerpoint/2010/main" spd="med" advClick="1"/>
+  <p:transition spd="med"/>
 </p:sld>
 </file>
 
 <file path=ppt/slides/slide5.xml><?xml version="1.0" encoding="utf-8"?>
-<p:sld xmlns:a="http://schemas.openxmlformats.org/drawingml/2006/main" xmlns:r="http://schemas.openxmlformats.org/officeDocument/2006/relationships" xmlns:p="http://schemas.openxmlformats.org/presentationml/2006/main" xmlns:m="http://schemas.openxmlformats.org/officeDocument/2006/math" xmlns:a14="http://schemas.microsoft.com/office/drawing/2010/main" showMasterSp="1" showMasterPhAnim="1">
+<p:sld xmlns:a="http://schemas.openxmlformats.org/drawingml/2006/main" xmlns:r="http://schemas.openxmlformats.org/officeDocument/2006/relationships" xmlns:p="http://schemas.openxmlformats.org/presentationml/2006/main">
   <p:cSld>
     <p:spTree>
       <p:nvGrpSpPr>
@@ -5134,61 +5659,23 @@
               <a:lnSpc>
                 <a:spcPct val="120000"/>
               </a:lnSpc>
-              <a:defRPr cap="all" sz="3000">
+              <a:defRPr sz="3000" cap="all">
                 <a:latin typeface="Proxima Nova Extrabold"/>
                 <a:ea typeface="Proxima Nova Extrabold"/>
                 <a:cs typeface="Proxima Nova Extrabold"/>
                 <a:sym typeface="Proxima Nova Extrabold"/>
               </a:defRPr>
             </a:pPr>
-          </a:p>
-        </p:txBody>
-      </p:sp>
-      <p:sp>
-        <p:nvSpPr>
-          <p:cNvPr id="167" name="Rounded Rectangle"/>
-          <p:cNvSpPr/>
-          <p:nvPr/>
-        </p:nvSpPr>
-        <p:spPr>
-          <a:xfrm>
-            <a:off x="13093177" y="3384668"/>
-            <a:ext cx="9761020" cy="8898465"/>
-          </a:xfrm>
-          <a:prstGeom prst="roundRect">
-            <a:avLst>
-              <a:gd name="adj" fmla="val 11402"/>
-            </a:avLst>
-          </a:prstGeom>
-          <a:solidFill>
-            <a:schemeClr val="accent4"/>
-          </a:solidFill>
-          <a:ln w="12700">
-            <a:miter lim="400000"/>
-          </a:ln>
-        </p:spPr>
-        <p:txBody>
-          <a:bodyPr lIns="50800" tIns="50800" rIns="50800" bIns="50800" anchor="ctr"/>
-          <a:lstStyle/>
-          <a:p>
-            <a:pPr>
-              <a:lnSpc>
-                <a:spcPct val="120000"/>
-              </a:lnSpc>
-              <a:defRPr cap="all" sz="3000">
-                <a:latin typeface="Proxima Nova Extrabold"/>
-                <a:ea typeface="Proxima Nova Extrabold"/>
-                <a:cs typeface="Proxima Nova Extrabold"/>
-                <a:sym typeface="Proxima Nova Extrabold"/>
-              </a:defRPr>
-            </a:pPr>
+            <a:endParaRPr/>
           </a:p>
         </p:txBody>
       </p:sp>
       <p:sp>
         <p:nvSpPr>
           <p:cNvPr id="168" name="If  statements"/>
-          <p:cNvSpPr txBox="1"/>
+          <p:cNvSpPr txBox="1">
+            <a:spLocks noGrp="1"/>
+          </p:cNvSpPr>
           <p:nvPr>
             <p:ph type="title"/>
           </p:nvPr>
@@ -5202,199 +5689,9 @@
           <a:bodyPr/>
           <a:lstStyle/>
           <a:p>
-            <a:pPr/>
             <a:r>
+              <a:rPr lang="en-GB" b="1" dirty="0"/>
               <a:t>If  statements</a:t>
-            </a:r>
-          </a:p>
-        </p:txBody>
-      </p:sp>
-      <p:sp>
-        <p:nvSpPr>
-          <p:cNvPr id="169" name="Rounded Rectangle"/>
-          <p:cNvSpPr/>
-          <p:nvPr/>
-        </p:nvSpPr>
-        <p:spPr>
-          <a:xfrm>
-            <a:off x="15987386" y="3384668"/>
-            <a:ext cx="6764054" cy="8898465"/>
-          </a:xfrm>
-          <a:prstGeom prst="roundRect">
-            <a:avLst>
-              <a:gd name="adj" fmla="val 15000"/>
-            </a:avLst>
-          </a:prstGeom>
-          <a:solidFill>
-            <a:schemeClr val="accent4"/>
-          </a:solidFill>
-          <a:ln w="12700">
-            <a:miter lim="400000"/>
-          </a:ln>
-        </p:spPr>
-        <p:txBody>
-          <a:bodyPr lIns="50800" tIns="50800" rIns="50800" bIns="50800" anchor="ctr"/>
-          <a:lstStyle/>
-          <a:p>
-            <a:pPr>
-              <a:lnSpc>
-                <a:spcPct val="120000"/>
-              </a:lnSpc>
-              <a:defRPr cap="all" sz="3000">
-                <a:latin typeface="Proxima Nova Extrabold"/>
-                <a:ea typeface="Proxima Nova Extrabold"/>
-                <a:cs typeface="Proxima Nova Extrabold"/>
-                <a:sym typeface="Proxima Nova Extrabold"/>
-              </a:defRPr>
-            </a:pPr>
-          </a:p>
-        </p:txBody>
-      </p:sp>
-      <p:sp>
-        <p:nvSpPr>
-          <p:cNvPr id="170" name="If else"/>
-          <p:cNvSpPr txBox="1"/>
-          <p:nvPr/>
-        </p:nvSpPr>
-        <p:spPr>
-          <a:xfrm>
-            <a:off x="16689361" y="3725545"/>
-            <a:ext cx="2568652" cy="1572260"/>
-          </a:xfrm>
-          <a:prstGeom prst="rect">
-            <a:avLst/>
-          </a:prstGeom>
-          <a:solidFill>
-            <a:schemeClr val="accent4"/>
-          </a:solidFill>
-          <a:ln w="12700">
-            <a:miter lim="400000"/>
-          </a:ln>
-          <a:extLst>
-            <a:ext uri="{C572A759-6A51-4108-AA02-DFA0A04FC94B}">
-              <ma14:wrappingTextBoxFlag xmlns:ma14="http://schemas.microsoft.com/office/mac/drawingml/2011/main" val="1"/>
-            </a:ext>
-          </a:extLst>
-        </p:spPr>
-        <p:txBody>
-          <a:bodyPr wrap="none" lIns="50800" tIns="50800" rIns="50800" bIns="50800" anchor="ctr">
-            <a:spAutoFit/>
-          </a:bodyPr>
-          <a:lstStyle>
-            <a:lvl1pPr algn="l">
-              <a:lnSpc>
-                <a:spcPct val="80000"/>
-              </a:lnSpc>
-              <a:defRPr cap="all" spc="-116" sz="11600">
-                <a:solidFill>
-                  <a:srgbClr val="00BFF3"/>
-                </a:solidFill>
-                <a:latin typeface="+mn-lt"/>
-                <a:ea typeface="+mn-ea"/>
-                <a:cs typeface="+mn-cs"/>
-                <a:sym typeface="Druk Medium"/>
-              </a:defRPr>
-            </a:lvl1pPr>
-          </a:lstStyle>
-          <a:p>
-            <a:pPr/>
-            <a:r>
-              <a:t>If else</a:t>
-            </a:r>
-          </a:p>
-        </p:txBody>
-      </p:sp>
-      <p:sp>
-        <p:nvSpPr>
-          <p:cNvPr id="171" name="CMP ...…"/>
-          <p:cNvSpPr txBox="1"/>
-          <p:nvPr/>
-        </p:nvSpPr>
-        <p:spPr>
-          <a:xfrm>
-            <a:off x="2854401" y="7773502"/>
-            <a:ext cx="8116529" cy="3340101"/>
-          </a:xfrm>
-          <a:prstGeom prst="rect">
-            <a:avLst/>
-          </a:prstGeom>
-          <a:ln w="12700">
-            <a:miter lim="400000"/>
-          </a:ln>
-          <a:extLst>
-            <a:ext uri="{C572A759-6A51-4108-AA02-DFA0A04FC94B}">
-              <ma14:wrappingTextBoxFlag xmlns:ma14="http://schemas.microsoft.com/office/mac/drawingml/2011/main" val="1"/>
-            </a:ext>
-          </a:extLst>
-        </p:spPr>
-        <p:txBody>
-          <a:bodyPr wrap="none" lIns="50800" tIns="50800" rIns="50800" bIns="50800" anchor="ctr">
-            <a:spAutoFit/>
-          </a:bodyPr>
-          <a:lstStyle/>
-          <a:p>
-            <a:pPr lvl="1" algn="l">
-              <a:defRPr b="1" sz="4500">
-                <a:latin typeface="Courier New"/>
-                <a:ea typeface="Courier New"/>
-                <a:cs typeface="Courier New"/>
-                <a:sym typeface="Courier New"/>
-              </a:defRPr>
-            </a:pPr>
-            <a:r>
-              <a:t>CMP ...</a:t>
-            </a:r>
-          </a:p>
-          <a:p>
-            <a:pPr lvl="1" algn="l">
-              <a:defRPr b="1" sz="4500">
-                <a:latin typeface="Courier New"/>
-                <a:ea typeface="Courier New"/>
-                <a:cs typeface="Courier New"/>
-                <a:sym typeface="Courier New"/>
-              </a:defRPr>
-            </a:pPr>
-            <a:r>
-              <a:t>B&lt;NOT Condition&gt; label</a:t>
-            </a:r>
-          </a:p>
-          <a:p>
-            <a:pPr lvl="1" algn="l">
-              <a:defRPr b="1" sz="4500">
-                <a:latin typeface="Courier New"/>
-                <a:ea typeface="Courier New"/>
-                <a:cs typeface="Courier New"/>
-                <a:sym typeface="Courier New"/>
-              </a:defRPr>
-            </a:pPr>
-            <a:r>
-              <a:t># Inner Code</a:t>
-            </a:r>
-          </a:p>
-          <a:p>
-            <a:pPr algn="l">
-              <a:defRPr b="1" sz="4500">
-                <a:latin typeface="Courier New"/>
-                <a:ea typeface="Courier New"/>
-                <a:cs typeface="Courier New"/>
-                <a:sym typeface="Courier New"/>
-              </a:defRPr>
-            </a:pPr>
-            <a:r>
-              <a:t>label:</a:t>
-            </a:r>
-          </a:p>
-          <a:p>
-            <a:pPr lvl="1" algn="l">
-              <a:defRPr b="1" sz="4500">
-                <a:latin typeface="Courier New"/>
-                <a:ea typeface="Courier New"/>
-                <a:cs typeface="Courier New"/>
-                <a:sym typeface="Courier New"/>
-              </a:defRPr>
-            </a:pPr>
-            <a:r>
-              <a:t># After</a:t>
             </a:r>
           </a:p>
         </p:txBody>
@@ -5407,8 +5704,8 @@
         </p:nvSpPr>
         <p:spPr>
           <a:xfrm>
-            <a:off x="3711456" y="4394751"/>
-            <a:ext cx="5182351" cy="2501901"/>
+            <a:off x="3711456" y="4324827"/>
+            <a:ext cx="5219378" cy="2641749"/>
           </a:xfrm>
           <a:prstGeom prst="rect">
             <a:avLst/>
@@ -5418,7 +5715,7 @@
           </a:ln>
           <a:extLst>
             <a:ext uri="{C572A759-6A51-4108-AA02-DFA0A04FC94B}">
-              <ma14:wrappingTextBoxFlag xmlns:ma14="http://schemas.microsoft.com/office/mac/drawingml/2011/main" val="1"/>
+              <ma14:wrappingTextBoxFlag xmlns:ma14="http://schemas.microsoft.com/office/mac/drawingml/2011/main" xmlns:a14="http://schemas.microsoft.com/office/drawing/2010/main" xmlns:m="http://schemas.openxmlformats.org/officeDocument/2006/math" xmlns="" val="1"/>
             </a:ext>
           </a:extLst>
         </p:spPr>
@@ -5429,7 +5726,7 @@
           <a:lstStyle/>
           <a:p>
             <a:pPr algn="l">
-              <a:defRPr b="1" sz="5500">
+              <a:defRPr sz="5500" b="1">
                 <a:latin typeface="Courier New"/>
                 <a:ea typeface="Courier New"/>
                 <a:cs typeface="Courier New"/>
@@ -5437,12 +5734,13 @@
               </a:defRPr>
             </a:pPr>
             <a:r>
+              <a:rPr dirty="0"/>
               <a:t>if ...:</a:t>
             </a:r>
           </a:p>
           <a:p>
             <a:pPr lvl="1" algn="l">
-              <a:defRPr b="1" sz="5500">
+              <a:defRPr sz="5500" b="1">
                 <a:latin typeface="Courier New"/>
                 <a:ea typeface="Courier New"/>
                 <a:cs typeface="Courier New"/>
@@ -5450,12 +5748,19 @@
               </a:defRPr>
             </a:pPr>
             <a:r>
+              <a:rPr dirty="0">
+                <a:solidFill>
+                  <a:schemeClr val="bg2">
+                    <a:lumMod val="50000"/>
+                  </a:schemeClr>
+                </a:solidFill>
+              </a:rPr>
               <a:t>#INNER CODE</a:t>
             </a:r>
           </a:p>
           <a:p>
             <a:pPr algn="l">
-              <a:defRPr b="1" sz="5500">
+              <a:defRPr sz="5500" b="1">
                 <a:latin typeface="Courier New"/>
                 <a:ea typeface="Courier New"/>
                 <a:cs typeface="Courier New"/>
@@ -5463,176 +5768,570 @@
               </a:defRPr>
             </a:pPr>
             <a:r>
+              <a:rPr dirty="0">
+                <a:solidFill>
+                  <a:schemeClr val="bg2">
+                    <a:lumMod val="50000"/>
+                  </a:schemeClr>
+                </a:solidFill>
+              </a:rPr>
               <a:t># After Code</a:t>
             </a:r>
           </a:p>
         </p:txBody>
       </p:sp>
-      <p:sp>
-        <p:nvSpPr>
-          <p:cNvPr id="173" name="if &lt;Condition&gt;:…"/>
-          <p:cNvSpPr txBox="1"/>
+      <p:grpSp>
+        <p:nvGrpSpPr>
+          <p:cNvPr id="3" name="Group 2">
+            <a:extLst>
+              <a:ext uri="{FF2B5EF4-FFF2-40B4-BE49-F238E27FC236}">
+                <a16:creationId xmlns:a16="http://schemas.microsoft.com/office/drawing/2014/main" id="{8CAC60AD-7495-29AD-4C10-8873A2B30357}"/>
+              </a:ext>
+            </a:extLst>
+          </p:cNvPr>
+          <p:cNvGrpSpPr/>
           <p:nvPr/>
-        </p:nvSpPr>
-        <p:spPr>
+        </p:nvGrpSpPr>
+        <p:grpSpPr>
           <a:xfrm>
-            <a:off x="14772775" y="6065279"/>
-            <a:ext cx="6401824" cy="4102101"/>
+            <a:off x="13403780" y="3324269"/>
+            <a:ext cx="9761020" cy="8898465"/>
+            <a:chOff x="13093177" y="3384668"/>
+            <a:chExt cx="9761020" cy="8898465"/>
           </a:xfrm>
-          <a:prstGeom prst="rect">
-            <a:avLst/>
-          </a:prstGeom>
-          <a:ln w="12700">
-            <a:miter lim="400000"/>
-          </a:ln>
-          <a:extLst>
-            <a:ext uri="{C572A759-6A51-4108-AA02-DFA0A04FC94B}">
-              <ma14:wrappingTextBoxFlag xmlns:ma14="http://schemas.microsoft.com/office/mac/drawingml/2011/main" val="1"/>
-            </a:ext>
-          </a:extLst>
-        </p:spPr>
-        <p:txBody>
-          <a:bodyPr wrap="none" lIns="50800" tIns="50800" rIns="50800" bIns="50800" anchor="ctr">
-            <a:spAutoFit/>
-          </a:bodyPr>
-          <a:lstStyle/>
-          <a:p>
-            <a:pPr algn="l">
-              <a:defRPr b="1" sz="5500">
-                <a:latin typeface="Courier New"/>
-                <a:ea typeface="Courier New"/>
-                <a:cs typeface="Courier New"/>
-                <a:sym typeface="Courier New"/>
-              </a:defRPr>
-            </a:pPr>
-            <a:r>
-              <a:t>if &lt;Condition&gt;:</a:t>
-            </a:r>
-          </a:p>
-          <a:p>
-            <a:pPr lvl="1" algn="l">
-              <a:defRPr b="1" sz="5500">
-                <a:latin typeface="Courier New"/>
-                <a:ea typeface="Courier New"/>
-                <a:cs typeface="Courier New"/>
-                <a:sym typeface="Courier New"/>
-              </a:defRPr>
-            </a:pPr>
-            <a:r>
-              <a:t># TRUE Code</a:t>
-            </a:r>
-          </a:p>
-          <a:p>
-            <a:pPr algn="l">
-              <a:defRPr b="1" sz="5500">
-                <a:latin typeface="Courier New"/>
-                <a:ea typeface="Courier New"/>
-                <a:cs typeface="Courier New"/>
-                <a:sym typeface="Courier New"/>
-              </a:defRPr>
-            </a:pPr>
-            <a:r>
-              <a:t>else:</a:t>
-            </a:r>
-          </a:p>
-          <a:p>
-            <a:pPr lvl="1" algn="l">
-              <a:defRPr b="1" sz="5500">
-                <a:latin typeface="Courier New"/>
-                <a:ea typeface="Courier New"/>
-                <a:cs typeface="Courier New"/>
-                <a:sym typeface="Courier New"/>
-              </a:defRPr>
-            </a:pPr>
-            <a:r>
-              <a:t># FALSE Code</a:t>
-            </a:r>
-          </a:p>
-          <a:p>
-            <a:pPr algn="l">
-              <a:defRPr b="1" sz="5500">
-                <a:latin typeface="Courier New"/>
-                <a:ea typeface="Courier New"/>
-                <a:cs typeface="Courier New"/>
-                <a:sym typeface="Courier New"/>
-              </a:defRPr>
-            </a:pPr>
-            <a:r>
-              <a:t># After Code</a:t>
-            </a:r>
-          </a:p>
-        </p:txBody>
-      </p:sp>
-      <p:sp>
-        <p:nvSpPr>
-          <p:cNvPr id="175" name="Connection Line"/>
-          <p:cNvSpPr/>
+        </p:grpSpPr>
+        <p:sp>
+          <p:nvSpPr>
+            <p:cNvPr id="167" name="Rounded Rectangle"/>
+            <p:cNvSpPr/>
+            <p:nvPr/>
+          </p:nvSpPr>
+          <p:spPr>
+            <a:xfrm>
+              <a:off x="13093177" y="3384668"/>
+              <a:ext cx="9761020" cy="8898465"/>
+            </a:xfrm>
+            <a:prstGeom prst="roundRect">
+              <a:avLst>
+                <a:gd name="adj" fmla="val 11402"/>
+              </a:avLst>
+            </a:prstGeom>
+            <a:solidFill>
+              <a:schemeClr val="accent4"/>
+            </a:solidFill>
+            <a:ln w="12700">
+              <a:miter lim="400000"/>
+            </a:ln>
+          </p:spPr>
+          <p:txBody>
+            <a:bodyPr lIns="50800" tIns="50800" rIns="50800" bIns="50800" anchor="ctr"/>
+            <a:lstStyle/>
+            <a:p>
+              <a:pPr>
+                <a:lnSpc>
+                  <a:spcPct val="120000"/>
+                </a:lnSpc>
+                <a:defRPr sz="3000" cap="all">
+                  <a:latin typeface="Proxima Nova Extrabold"/>
+                  <a:ea typeface="Proxima Nova Extrabold"/>
+                  <a:cs typeface="Proxima Nova Extrabold"/>
+                  <a:sym typeface="Proxima Nova Extrabold"/>
+                </a:defRPr>
+              </a:pPr>
+              <a:endParaRPr/>
+            </a:p>
+          </p:txBody>
+        </p:sp>
+        <p:sp>
+          <p:nvSpPr>
+            <p:cNvPr id="170" name="If else"/>
+            <p:cNvSpPr txBox="1"/>
+            <p:nvPr/>
+          </p:nvSpPr>
+          <p:spPr>
+            <a:xfrm>
+              <a:off x="15822157" y="3849109"/>
+              <a:ext cx="4303059" cy="1566326"/>
+            </a:xfrm>
+            <a:prstGeom prst="rect">
+              <a:avLst/>
+            </a:prstGeom>
+            <a:solidFill>
+              <a:schemeClr val="accent4"/>
+            </a:solidFill>
+            <a:ln w="12700">
+              <a:miter lim="400000"/>
+            </a:ln>
+            <a:extLst>
+              <a:ext uri="{C572A759-6A51-4108-AA02-DFA0A04FC94B}">
+                <ma14:wrappingTextBoxFlag xmlns:ma14="http://schemas.microsoft.com/office/mac/drawingml/2011/main" xmlns:a14="http://schemas.microsoft.com/office/drawing/2010/main" xmlns:m="http://schemas.openxmlformats.org/officeDocument/2006/math" xmlns="" val="1"/>
+              </a:ext>
+            </a:extLst>
+          </p:spPr>
+          <p:txBody>
+            <a:bodyPr wrap="square" lIns="50800" tIns="50800" rIns="50800" bIns="50800" anchor="ctr">
+              <a:spAutoFit/>
+            </a:bodyPr>
+            <a:lstStyle>
+              <a:lvl1pPr algn="l">
+                <a:lnSpc>
+                  <a:spcPct val="80000"/>
+                </a:lnSpc>
+                <a:defRPr sz="11600" cap="all" spc="-116">
+                  <a:solidFill>
+                    <a:srgbClr val="00BFF3"/>
+                  </a:solidFill>
+                  <a:latin typeface="+mn-lt"/>
+                  <a:ea typeface="+mn-ea"/>
+                  <a:cs typeface="+mn-cs"/>
+                  <a:sym typeface="Druk Medium"/>
+                </a:defRPr>
+              </a:lvl1pPr>
+            </a:lstStyle>
+            <a:p>
+              <a:r>
+                <a:rPr dirty="0"/>
+                <a:t>If else</a:t>
+              </a:r>
+            </a:p>
+          </p:txBody>
+        </p:sp>
+        <p:sp>
+          <p:nvSpPr>
+            <p:cNvPr id="173" name="if &lt;Condition&gt;:…"/>
+            <p:cNvSpPr txBox="1"/>
+            <p:nvPr/>
+          </p:nvSpPr>
+          <p:spPr>
+            <a:xfrm>
+              <a:off x="15127775" y="6113022"/>
+              <a:ext cx="6450484" cy="4334520"/>
+            </a:xfrm>
+            <a:prstGeom prst="rect">
+              <a:avLst/>
+            </a:prstGeom>
+            <a:ln w="12700">
+              <a:miter lim="400000"/>
+            </a:ln>
+            <a:extLst>
+              <a:ext uri="{C572A759-6A51-4108-AA02-DFA0A04FC94B}">
+                <ma14:wrappingTextBoxFlag xmlns:ma14="http://schemas.microsoft.com/office/mac/drawingml/2011/main" xmlns:a14="http://schemas.microsoft.com/office/drawing/2010/main" xmlns:m="http://schemas.openxmlformats.org/officeDocument/2006/math" xmlns="" val="1"/>
+              </a:ext>
+            </a:extLst>
+          </p:spPr>
+          <p:txBody>
+            <a:bodyPr wrap="none" lIns="50800" tIns="50800" rIns="50800" bIns="50800" anchor="ctr">
+              <a:spAutoFit/>
+            </a:bodyPr>
+            <a:lstStyle/>
+            <a:p>
+              <a:pPr algn="l">
+                <a:defRPr sz="5500" b="1">
+                  <a:latin typeface="Courier New"/>
+                  <a:ea typeface="Courier New"/>
+                  <a:cs typeface="Courier New"/>
+                  <a:sym typeface="Courier New"/>
+                </a:defRPr>
+              </a:pPr>
+              <a:r>
+                <a:rPr dirty="0"/>
+                <a:t>if &lt;Condition&gt;:</a:t>
+              </a:r>
+            </a:p>
+            <a:p>
+              <a:pPr lvl="1" algn="l">
+                <a:defRPr sz="5500" b="1">
+                  <a:latin typeface="Courier New"/>
+                  <a:ea typeface="Courier New"/>
+                  <a:cs typeface="Courier New"/>
+                  <a:sym typeface="Courier New"/>
+                </a:defRPr>
+              </a:pPr>
+              <a:r>
+                <a:rPr dirty="0">
+                  <a:solidFill>
+                    <a:schemeClr val="bg2">
+                      <a:lumMod val="50000"/>
+                    </a:schemeClr>
+                  </a:solidFill>
+                </a:rPr>
+                <a:t># TRUE Code</a:t>
+              </a:r>
+            </a:p>
+            <a:p>
+              <a:pPr algn="l">
+                <a:defRPr sz="5500" b="1">
+                  <a:latin typeface="Courier New"/>
+                  <a:ea typeface="Courier New"/>
+                  <a:cs typeface="Courier New"/>
+                  <a:sym typeface="Courier New"/>
+                </a:defRPr>
+              </a:pPr>
+              <a:r>
+                <a:rPr dirty="0"/>
+                <a:t>else:</a:t>
+              </a:r>
+            </a:p>
+            <a:p>
+              <a:pPr lvl="1" algn="l">
+                <a:defRPr sz="5500" b="1">
+                  <a:latin typeface="Courier New"/>
+                  <a:ea typeface="Courier New"/>
+                  <a:cs typeface="Courier New"/>
+                  <a:sym typeface="Courier New"/>
+                </a:defRPr>
+              </a:pPr>
+              <a:r>
+                <a:rPr dirty="0">
+                  <a:solidFill>
+                    <a:schemeClr val="bg2">
+                      <a:lumMod val="50000"/>
+                    </a:schemeClr>
+                  </a:solidFill>
+                </a:rPr>
+                <a:t># FALSE Code</a:t>
+              </a:r>
+            </a:p>
+            <a:p>
+              <a:pPr algn="l">
+                <a:defRPr sz="5500" b="1">
+                  <a:latin typeface="Courier New"/>
+                  <a:ea typeface="Courier New"/>
+                  <a:cs typeface="Courier New"/>
+                  <a:sym typeface="Courier New"/>
+                </a:defRPr>
+              </a:pPr>
+              <a:r>
+                <a:rPr dirty="0"/>
+                <a:t># After Code</a:t>
+              </a:r>
+            </a:p>
+          </p:txBody>
+        </p:sp>
+      </p:grpSp>
+      <p:grpSp>
+        <p:nvGrpSpPr>
+          <p:cNvPr id="4" name="Group 3">
+            <a:extLst>
+              <a:ext uri="{FF2B5EF4-FFF2-40B4-BE49-F238E27FC236}">
+                <a16:creationId xmlns:a16="http://schemas.microsoft.com/office/drawing/2014/main" id="{92A1DF72-51BD-2D12-4671-8E4A3A36BF8B}"/>
+              </a:ext>
+            </a:extLst>
+          </p:cNvPr>
+          <p:cNvGrpSpPr/>
           <p:nvPr/>
-        </p:nvSpPr>
-        <p:spPr>
+        </p:nvGrpSpPr>
+        <p:grpSpPr>
           <a:xfrm>
-            <a:off x="1814576" y="8879296"/>
-            <a:ext cx="1452063" cy="1179314"/>
+            <a:off x="2137301" y="7661013"/>
+            <a:ext cx="9221552" cy="3565079"/>
+            <a:chOff x="1814576" y="7661013"/>
+            <a:chExt cx="9221552" cy="3565079"/>
           </a:xfrm>
-          <a:custGeom>
-            <a:avLst/>
-            <a:gdLst/>
-            <a:ahLst/>
-            <a:cxnLst>
-              <a:cxn ang="0">
-                <a:pos x="wd2" y="hd2"/>
-              </a:cxn>
-              <a:cxn ang="5400000">
-                <a:pos x="wd2" y="hd2"/>
-              </a:cxn>
-              <a:cxn ang="10800000">
-                <a:pos x="wd2" y="hd2"/>
-              </a:cxn>
-              <a:cxn ang="16200000">
-                <a:pos x="wd2" y="hd2"/>
-              </a:cxn>
-            </a:cxnLst>
-            <a:rect l="0" t="0" r="r" b="b"/>
-            <a:pathLst>
-              <a:path w="16353" h="19238" fill="norm" stroke="1" extrusionOk="0">
-                <a:moveTo>
-                  <a:pt x="16353" y="809"/>
-                </a:moveTo>
-                <a:cubicBezTo>
-                  <a:pt x="-3340" y="-2362"/>
-                  <a:pt x="-5247" y="3781"/>
-                  <a:pt x="10632" y="19238"/>
-                </a:cubicBezTo>
-              </a:path>
-            </a:pathLst>
-          </a:custGeom>
-          <a:ln w="101600">
-            <a:solidFill>
-              <a:schemeClr val="accent5"/>
-            </a:solidFill>
-            <a:miter lim="400000"/>
-            <a:tailEnd type="triangle"/>
-          </a:ln>
-        </p:spPr>
-        <p:txBody>
-          <a:bodyPr/>
-          <a:lstStyle/>
-          <a:p>
-            <a:pPr/>
-          </a:p>
-        </p:txBody>
-      </p:sp>
+        </p:grpSpPr>
+        <p:sp>
+          <p:nvSpPr>
+            <p:cNvPr id="171" name="CMP ...…"/>
+            <p:cNvSpPr txBox="1"/>
+            <p:nvPr/>
+          </p:nvSpPr>
+          <p:spPr>
+            <a:xfrm>
+              <a:off x="2854401" y="7661013"/>
+              <a:ext cx="8181727" cy="3565079"/>
+            </a:xfrm>
+            <a:prstGeom prst="rect">
+              <a:avLst/>
+            </a:prstGeom>
+            <a:ln w="12700">
+              <a:miter lim="400000"/>
+            </a:ln>
+            <a:extLst>
+              <a:ext uri="{C572A759-6A51-4108-AA02-DFA0A04FC94B}">
+                <ma14:wrappingTextBoxFlag xmlns:ma14="http://schemas.microsoft.com/office/mac/drawingml/2011/main" xmlns:a14="http://schemas.microsoft.com/office/drawing/2010/main" xmlns:m="http://schemas.openxmlformats.org/officeDocument/2006/math" xmlns="" val="1"/>
+              </a:ext>
+            </a:extLst>
+          </p:spPr>
+          <p:txBody>
+            <a:bodyPr wrap="none" lIns="50800" tIns="50800" rIns="50800" bIns="50800" anchor="ctr">
+              <a:spAutoFit/>
+            </a:bodyPr>
+            <a:lstStyle/>
+            <a:p>
+              <a:pPr lvl="1" algn="l">
+                <a:defRPr sz="4500" b="1">
+                  <a:latin typeface="Courier New"/>
+                  <a:ea typeface="Courier New"/>
+                  <a:cs typeface="Courier New"/>
+                  <a:sym typeface="Courier New"/>
+                </a:defRPr>
+              </a:pPr>
+              <a:r>
+                <a:rPr dirty="0"/>
+                <a:t>CMP ...</a:t>
+              </a:r>
+            </a:p>
+            <a:p>
+              <a:pPr lvl="1" algn="l">
+                <a:defRPr sz="4500" b="1">
+                  <a:latin typeface="Courier New"/>
+                  <a:ea typeface="Courier New"/>
+                  <a:cs typeface="Courier New"/>
+                  <a:sym typeface="Courier New"/>
+                </a:defRPr>
+              </a:pPr>
+              <a:r>
+                <a:rPr dirty="0"/>
+                <a:t>B&lt;NOT Condition&gt; label</a:t>
+              </a:r>
+            </a:p>
+            <a:p>
+              <a:pPr lvl="1" algn="l">
+                <a:defRPr sz="4500" b="1">
+                  <a:latin typeface="Courier New"/>
+                  <a:ea typeface="Courier New"/>
+                  <a:cs typeface="Courier New"/>
+                  <a:sym typeface="Courier New"/>
+                </a:defRPr>
+              </a:pPr>
+              <a:r>
+                <a:rPr dirty="0">
+                  <a:solidFill>
+                    <a:schemeClr val="bg2">
+                      <a:lumMod val="50000"/>
+                    </a:schemeClr>
+                  </a:solidFill>
+                </a:rPr>
+                <a:t># Inner Code</a:t>
+              </a:r>
+            </a:p>
+            <a:p>
+              <a:pPr algn="l">
+                <a:defRPr sz="4500" b="1">
+                  <a:latin typeface="Courier New"/>
+                  <a:ea typeface="Courier New"/>
+                  <a:cs typeface="Courier New"/>
+                  <a:sym typeface="Courier New"/>
+                </a:defRPr>
+              </a:pPr>
+              <a:r>
+                <a:rPr dirty="0"/>
+                <a:t>label:</a:t>
+              </a:r>
+            </a:p>
+            <a:p>
+              <a:pPr lvl="1" algn="l">
+                <a:defRPr sz="4500" b="1">
+                  <a:latin typeface="Courier New"/>
+                  <a:ea typeface="Courier New"/>
+                  <a:cs typeface="Courier New"/>
+                  <a:sym typeface="Courier New"/>
+                </a:defRPr>
+              </a:pPr>
+              <a:r>
+                <a:rPr dirty="0">
+                  <a:solidFill>
+                    <a:schemeClr val="bg2">
+                      <a:lumMod val="50000"/>
+                    </a:schemeClr>
+                  </a:solidFill>
+                </a:rPr>
+                <a:t># After</a:t>
+              </a:r>
+            </a:p>
+          </p:txBody>
+        </p:sp>
+        <p:sp>
+          <p:nvSpPr>
+            <p:cNvPr id="175" name="Connection Line"/>
+            <p:cNvSpPr/>
+            <p:nvPr/>
+          </p:nvSpPr>
+          <p:spPr>
+            <a:xfrm>
+              <a:off x="1814576" y="8879296"/>
+              <a:ext cx="1452063" cy="1179314"/>
+            </a:xfrm>
+            <a:custGeom>
+              <a:avLst/>
+              <a:gdLst/>
+              <a:ahLst/>
+              <a:cxnLst>
+                <a:cxn ang="0">
+                  <a:pos x="wd2" y="hd2"/>
+                </a:cxn>
+                <a:cxn ang="5400000">
+                  <a:pos x="wd2" y="hd2"/>
+                </a:cxn>
+                <a:cxn ang="10800000">
+                  <a:pos x="wd2" y="hd2"/>
+                </a:cxn>
+                <a:cxn ang="16200000">
+                  <a:pos x="wd2" y="hd2"/>
+                </a:cxn>
+              </a:cxnLst>
+              <a:rect l="0" t="0" r="r" b="b"/>
+              <a:pathLst>
+                <a:path w="16353" h="19238" extrusionOk="0">
+                  <a:moveTo>
+                    <a:pt x="16353" y="809"/>
+                  </a:moveTo>
+                  <a:cubicBezTo>
+                    <a:pt x="-3340" y="-2362"/>
+                    <a:pt x="-5247" y="3781"/>
+                    <a:pt x="10632" y="19238"/>
+                  </a:cubicBezTo>
+                </a:path>
+              </a:pathLst>
+            </a:custGeom>
+            <a:ln w="101600">
+              <a:solidFill>
+                <a:schemeClr val="accent5"/>
+              </a:solidFill>
+              <a:miter lim="400000"/>
+              <a:tailEnd type="triangle"/>
+            </a:ln>
+          </p:spPr>
+          <p:txBody>
+            <a:bodyPr/>
+            <a:lstStyle/>
+            <a:p>
+              <a:endParaRPr/>
+            </a:p>
+          </p:txBody>
+        </p:sp>
+      </p:grpSp>
     </p:spTree>
   </p:cSld>
   <p:clrMapOvr>
     <a:masterClrMapping/>
   </p:clrMapOvr>
-  <p:transition xmlns:p14="http://schemas.microsoft.com/office/powerpoint/2010/main" spd="med" advClick="1"/>
+  <p:transition spd="med"/>
+  <p:timing>
+    <p:tnLst>
+      <p:par>
+        <p:cTn id="1" dur="indefinite" restart="never" nodeType="tmRoot">
+          <p:childTnLst>
+            <p:seq concurrent="1" nextAc="seek">
+              <p:cTn id="2" dur="indefinite" nodeType="mainSeq">
+                <p:childTnLst>
+                  <p:par>
+                    <p:cTn id="3" fill="hold">
+                      <p:stCondLst>
+                        <p:cond delay="indefinite"/>
+                      </p:stCondLst>
+                      <p:childTnLst>
+                        <p:par>
+                          <p:cTn id="4" fill="hold">
+                            <p:stCondLst>
+                              <p:cond delay="0"/>
+                            </p:stCondLst>
+                            <p:childTnLst>
+                              <p:par>
+                                <p:cTn id="5" presetID="1" presetClass="entr" presetSubtype="0" fill="hold" nodeType="clickEffect">
+                                  <p:stCondLst>
+                                    <p:cond delay="0"/>
+                                  </p:stCondLst>
+                                  <p:childTnLst>
+                                    <p:set>
+                                      <p:cBhvr>
+                                        <p:cTn id="6" dur="1" fill="hold">
+                                          <p:stCondLst>
+                                            <p:cond delay="0"/>
+                                          </p:stCondLst>
+                                        </p:cTn>
+                                        <p:tgtEl>
+                                          <p:spTgt spid="4"/>
+                                        </p:tgtEl>
+                                        <p:attrNameLst>
+                                          <p:attrName>style.visibility</p:attrName>
+                                        </p:attrNameLst>
+                                      </p:cBhvr>
+                                      <p:to>
+                                        <p:strVal val="visible"/>
+                                      </p:to>
+                                    </p:set>
+                                  </p:childTnLst>
+                                </p:cTn>
+                              </p:par>
+                            </p:childTnLst>
+                          </p:cTn>
+                        </p:par>
+                      </p:childTnLst>
+                    </p:cTn>
+                  </p:par>
+                  <p:par>
+                    <p:cTn id="7" fill="hold">
+                      <p:stCondLst>
+                        <p:cond delay="indefinite"/>
+                      </p:stCondLst>
+                      <p:childTnLst>
+                        <p:par>
+                          <p:cTn id="8" fill="hold">
+                            <p:stCondLst>
+                              <p:cond delay="0"/>
+                            </p:stCondLst>
+                            <p:childTnLst>
+                              <p:par>
+                                <p:cTn id="9" presetID="1" presetClass="entr" presetSubtype="0" fill="hold" nodeType="clickEffect">
+                                  <p:stCondLst>
+                                    <p:cond delay="0"/>
+                                  </p:stCondLst>
+                                  <p:childTnLst>
+                                    <p:set>
+                                      <p:cBhvr>
+                                        <p:cTn id="10" dur="1" fill="hold">
+                                          <p:stCondLst>
+                                            <p:cond delay="0"/>
+                                          </p:stCondLst>
+                                        </p:cTn>
+                                        <p:tgtEl>
+                                          <p:spTgt spid="3"/>
+                                        </p:tgtEl>
+                                        <p:attrNameLst>
+                                          <p:attrName>style.visibility</p:attrName>
+                                        </p:attrNameLst>
+                                      </p:cBhvr>
+                                      <p:to>
+                                        <p:strVal val="visible"/>
+                                      </p:to>
+                                    </p:set>
+                                  </p:childTnLst>
+                                </p:cTn>
+                              </p:par>
+                            </p:childTnLst>
+                          </p:cTn>
+                        </p:par>
+                      </p:childTnLst>
+                    </p:cTn>
+                  </p:par>
+                </p:childTnLst>
+              </p:cTn>
+              <p:prevCondLst>
+                <p:cond evt="onPrev" delay="0">
+                  <p:tgtEl>
+                    <p:sldTgt/>
+                  </p:tgtEl>
+                </p:cond>
+              </p:prevCondLst>
+              <p:nextCondLst>
+                <p:cond evt="onNext" delay="0">
+                  <p:tgtEl>
+                    <p:sldTgt/>
+                  </p:tgtEl>
+                </p:cond>
+              </p:nextCondLst>
+            </p:seq>
+          </p:childTnLst>
+        </p:cTn>
+      </p:par>
+    </p:tnLst>
+  </p:timing>
 </p:sld>
 </file>
 
 <file path=ppt/slides/slide6.xml><?xml version="1.0" encoding="utf-8"?>
-<p:sld xmlns:a="http://schemas.openxmlformats.org/drawingml/2006/main" xmlns:r="http://schemas.openxmlformats.org/officeDocument/2006/relationships" xmlns:p="http://schemas.openxmlformats.org/presentationml/2006/main" xmlns:m="http://schemas.openxmlformats.org/officeDocument/2006/math" xmlns:a14="http://schemas.microsoft.com/office/drawing/2010/main" showMasterSp="1" showMasterPhAnim="1">
+<p:sld xmlns:a="http://schemas.openxmlformats.org/drawingml/2006/main" xmlns:r="http://schemas.openxmlformats.org/officeDocument/2006/relationships" xmlns:p="http://schemas.openxmlformats.org/presentationml/2006/main">
   <p:cSld>
     <p:spTree>
       <p:nvGrpSpPr>
@@ -5679,13 +6378,14 @@
               <a:lnSpc>
                 <a:spcPct val="120000"/>
               </a:lnSpc>
-              <a:defRPr cap="all" sz="3000">
+              <a:defRPr sz="3000" cap="all">
                 <a:latin typeface="Proxima Nova Extrabold"/>
                 <a:ea typeface="Proxima Nova Extrabold"/>
                 <a:cs typeface="Proxima Nova Extrabold"/>
                 <a:sym typeface="Proxima Nova Extrabold"/>
               </a:defRPr>
             </a:pPr>
+            <a:endParaRPr/>
           </a:p>
         </p:txBody>
       </p:sp>
@@ -5720,13 +6420,14 @@
               <a:lnSpc>
                 <a:spcPct val="120000"/>
               </a:lnSpc>
-              <a:defRPr cap="all" sz="3000">
+              <a:defRPr sz="3000" cap="all">
                 <a:latin typeface="Proxima Nova Extrabold"/>
                 <a:ea typeface="Proxima Nova Extrabold"/>
                 <a:cs typeface="Proxima Nova Extrabold"/>
                 <a:sym typeface="Proxima Nova Extrabold"/>
               </a:defRPr>
             </a:pPr>
+            <a:endParaRPr/>
           </a:p>
         </p:txBody>
       </p:sp>
@@ -5738,7 +6439,7 @@
         </p:nvSpPr>
         <p:spPr>
           <a:xfrm>
-            <a:off x="4759674" y="4050528"/>
+            <a:off x="4490733" y="3853305"/>
             <a:ext cx="4305983" cy="4902201"/>
           </a:xfrm>
           <a:prstGeom prst="rect">
@@ -5749,7 +6450,7 @@
           </a:ln>
           <a:extLst>
             <a:ext uri="{C572A759-6A51-4108-AA02-DFA0A04FC94B}">
-              <ma14:wrappingTextBoxFlag xmlns:ma14="http://schemas.microsoft.com/office/mac/drawingml/2011/main" val="1"/>
+              <ma14:wrappingTextBoxFlag xmlns:ma14="http://schemas.microsoft.com/office/mac/drawingml/2011/main" xmlns:a14="http://schemas.microsoft.com/office/drawing/2010/main" xmlns:m="http://schemas.openxmlformats.org/officeDocument/2006/math" xmlns="" val="1"/>
             </a:ext>
           </a:extLst>
         </p:spPr>
@@ -5760,7 +6461,7 @@
           <a:lstStyle/>
           <a:p>
             <a:pPr algn="l">
-              <a:defRPr b="1" sz="5500">
+              <a:defRPr sz="5500" b="1">
                 <a:latin typeface="Courier New"/>
                 <a:ea typeface="Courier New"/>
                 <a:cs typeface="Courier New"/>
@@ -5768,12 +6469,13 @@
               </a:defRPr>
             </a:pPr>
             <a:r>
+              <a:rPr dirty="0"/>
               <a:t>x = 0</a:t>
             </a:r>
           </a:p>
           <a:p>
             <a:pPr algn="l">
-              <a:defRPr b="1" sz="5500">
+              <a:defRPr sz="5500" b="1">
                 <a:latin typeface="Courier New"/>
                 <a:ea typeface="Courier New"/>
                 <a:cs typeface="Courier New"/>
@@ -5781,12 +6483,13 @@
               </a:defRPr>
             </a:pPr>
             <a:r>
+              <a:rPr dirty="0"/>
               <a:t>if y == 7:</a:t>
             </a:r>
           </a:p>
           <a:p>
             <a:pPr lvl="1" algn="l">
-              <a:defRPr b="1" sz="5500">
+              <a:defRPr sz="5500" b="1">
                 <a:latin typeface="Courier New"/>
                 <a:ea typeface="Courier New"/>
                 <a:cs typeface="Courier New"/>
@@ -5794,12 +6497,13 @@
               </a:defRPr>
             </a:pPr>
             <a:r>
+              <a:rPr dirty="0"/>
               <a:t>x = 100</a:t>
             </a:r>
           </a:p>
           <a:p>
             <a:pPr algn="l">
-              <a:defRPr b="1" sz="5500">
+              <a:defRPr sz="5500" b="1">
                 <a:latin typeface="Courier New"/>
                 <a:ea typeface="Courier New"/>
                 <a:cs typeface="Courier New"/>
@@ -5807,12 +6511,13 @@
               </a:defRPr>
             </a:pPr>
             <a:r>
+              <a:rPr dirty="0"/>
               <a:t>else:</a:t>
             </a:r>
           </a:p>
           <a:p>
             <a:pPr lvl="1" algn="l">
-              <a:defRPr b="1" sz="5500">
+              <a:defRPr sz="5500" b="1">
                 <a:latin typeface="Courier New"/>
                 <a:ea typeface="Courier New"/>
                 <a:cs typeface="Courier New"/>
@@ -5820,6 +6525,7 @@
               </a:defRPr>
             </a:pPr>
             <a:r>
+              <a:rPr dirty="0"/>
               <a:t>x = 10</a:t>
             </a:r>
           </a:p>
@@ -5833,7 +6539,7 @@
         </p:nvSpPr>
         <p:spPr>
           <a:xfrm>
-            <a:off x="4237337" y="9485357"/>
+            <a:off x="3968395" y="9268369"/>
             <a:ext cx="5350657" cy="2501901"/>
           </a:xfrm>
           <a:prstGeom prst="rect">
@@ -5844,7 +6550,7 @@
           </a:ln>
           <a:extLst>
             <a:ext uri="{C572A759-6A51-4108-AA02-DFA0A04FC94B}">
-              <ma14:wrappingTextBoxFlag xmlns:ma14="http://schemas.microsoft.com/office/mac/drawingml/2011/main" val="1"/>
+              <ma14:wrappingTextBoxFlag xmlns:ma14="http://schemas.microsoft.com/office/mac/drawingml/2011/main" xmlns:a14="http://schemas.microsoft.com/office/drawing/2010/main" xmlns:m="http://schemas.openxmlformats.org/officeDocument/2006/math" xmlns="" val="1"/>
             </a:ext>
           </a:extLst>
         </p:spPr>
@@ -5855,7 +6561,7 @@
           <a:lstStyle/>
           <a:p>
             <a:pPr algn="l">
-              <a:defRPr b="1" sz="5500">
+              <a:defRPr sz="5500" b="1">
                 <a:latin typeface="Courier New"/>
                 <a:ea typeface="Courier New"/>
                 <a:cs typeface="Courier New"/>
@@ -5863,12 +6569,13 @@
               </a:defRPr>
             </a:pPr>
             <a:r>
+              <a:rPr dirty="0"/>
               <a:t>Use R0 for x</a:t>
             </a:r>
           </a:p>
           <a:p>
             <a:pPr algn="l">
-              <a:defRPr b="1" sz="5500">
+              <a:defRPr sz="5500" b="1">
                 <a:latin typeface="Courier New"/>
                 <a:ea typeface="Courier New"/>
                 <a:cs typeface="Courier New"/>
@@ -5876,6 +6583,7 @@
               </a:defRPr>
             </a:pPr>
             <a:r>
+              <a:rPr dirty="0"/>
               <a:t>Use R1 for y</a:t>
             </a:r>
           </a:p>
@@ -5884,7 +6592,9 @@
       <p:sp>
         <p:nvSpPr>
           <p:cNvPr id="183" name="Your Turn"/>
-          <p:cNvSpPr txBox="1"/>
+          <p:cNvSpPr txBox="1">
+            <a:spLocks noGrp="1"/>
+          </p:cNvSpPr>
           <p:nvPr>
             <p:ph type="title"/>
           </p:nvPr>
@@ -5898,8 +6608,8 @@
           <a:bodyPr/>
           <a:lstStyle/>
           <a:p>
-            <a:pPr/>
             <a:r>
+              <a:rPr b="1" dirty="0"/>
               <a:t>Your Turn</a:t>
             </a:r>
           </a:p>
@@ -5924,7 +6634,7 @@
           </a:ln>
           <a:extLst>
             <a:ext uri="{C572A759-6A51-4108-AA02-DFA0A04FC94B}">
-              <ma14:wrappingTextBoxFlag xmlns:ma14="http://schemas.microsoft.com/office/mac/drawingml/2011/main" val="1"/>
+              <ma14:wrappingTextBoxFlag xmlns:ma14="http://schemas.microsoft.com/office/mac/drawingml/2011/main" xmlns:a14="http://schemas.microsoft.com/office/drawing/2010/main" xmlns:m="http://schemas.openxmlformats.org/officeDocument/2006/math" xmlns="" val="1"/>
             </a:ext>
           </a:extLst>
         </p:spPr>
@@ -5935,7 +6645,7 @@
           <a:lstStyle/>
           <a:p>
             <a:pPr lvl="2" algn="l">
-              <a:defRPr b="1" sz="5500">
+              <a:defRPr sz="5500" b="1">
                 <a:latin typeface="Courier New"/>
                 <a:ea typeface="Courier New"/>
                 <a:cs typeface="Courier New"/>
@@ -5943,12 +6653,13 @@
               </a:defRPr>
             </a:pPr>
             <a:r>
+              <a:rPr dirty="0"/>
               <a:t>MOV R0, #0</a:t>
             </a:r>
           </a:p>
           <a:p>
             <a:pPr lvl="2" algn="l">
-              <a:defRPr b="1" sz="5500">
+              <a:defRPr sz="5500" b="1">
                 <a:latin typeface="Courier New"/>
                 <a:ea typeface="Courier New"/>
                 <a:cs typeface="Courier New"/>
@@ -5956,12 +6667,13 @@
               </a:defRPr>
             </a:pPr>
             <a:r>
+              <a:rPr dirty="0"/>
               <a:t>CMP R1, #7</a:t>
             </a:r>
           </a:p>
           <a:p>
             <a:pPr lvl="2" algn="l">
-              <a:defRPr b="1" sz="5500">
+              <a:defRPr sz="5500" b="1">
                 <a:latin typeface="Courier New"/>
                 <a:ea typeface="Courier New"/>
                 <a:cs typeface="Courier New"/>
@@ -5969,12 +6681,18 @@
               </a:defRPr>
             </a:pPr>
             <a:r>
-              <a:t>BEQ is_seven</a:t>
+              <a:rPr dirty="0"/>
+              <a:t>BEQ </a:t>
             </a:r>
+            <a:r>
+              <a:rPr dirty="0" err="1"/>
+              <a:t>is_seven</a:t>
+            </a:r>
+            <a:endParaRPr dirty="0"/>
           </a:p>
           <a:p>
             <a:pPr lvl="2" algn="l">
-              <a:defRPr b="1" sz="5500">
+              <a:defRPr sz="5500" b="1">
                 <a:latin typeface="Courier New"/>
                 <a:ea typeface="Courier New"/>
                 <a:cs typeface="Courier New"/>
@@ -5982,12 +6700,13 @@
               </a:defRPr>
             </a:pPr>
             <a:r>
+              <a:rPr dirty="0"/>
               <a:t>MOV R0, #10</a:t>
             </a:r>
           </a:p>
           <a:p>
             <a:pPr lvl="2" algn="l">
-              <a:defRPr b="1" sz="5500">
+              <a:defRPr sz="5500" b="1">
                 <a:latin typeface="Courier New"/>
                 <a:ea typeface="Courier New"/>
                 <a:cs typeface="Courier New"/>
@@ -5995,12 +6714,13 @@
               </a:defRPr>
             </a:pPr>
             <a:r>
+              <a:rPr dirty="0"/>
               <a:t>B after</a:t>
             </a:r>
           </a:p>
           <a:p>
             <a:pPr lvl="1" algn="l">
-              <a:defRPr b="1" sz="5500">
+              <a:defRPr sz="5500" b="1">
                 <a:latin typeface="Courier New"/>
                 <a:ea typeface="Courier New"/>
                 <a:cs typeface="Courier New"/>
@@ -6008,12 +6728,17 @@
               </a:defRPr>
             </a:pPr>
             <a:r>
-              <a:t>is_seven:</a:t>
+              <a:rPr dirty="0" err="1"/>
+              <a:t>is_seven</a:t>
             </a:r>
+            <a:r>
+              <a:rPr dirty="0"/>
+              <a:t>:</a:t>
+            </a:r>
           </a:p>
           <a:p>
             <a:pPr lvl="2" algn="l">
-              <a:defRPr b="1" sz="5500">
+              <a:defRPr sz="5500" b="1">
                 <a:latin typeface="Courier New"/>
                 <a:ea typeface="Courier New"/>
                 <a:cs typeface="Courier New"/>
@@ -6021,12 +6746,13 @@
               </a:defRPr>
             </a:pPr>
             <a:r>
+              <a:rPr dirty="0"/>
               <a:t>MOV R0, #100</a:t>
             </a:r>
           </a:p>
           <a:p>
             <a:pPr lvl="1" algn="l">
-              <a:defRPr b="1" sz="5500">
+              <a:defRPr sz="5500" b="1">
                 <a:latin typeface="Courier New"/>
                 <a:ea typeface="Courier New"/>
                 <a:cs typeface="Courier New"/>
@@ -6034,12 +6760,13 @@
               </a:defRPr>
             </a:pPr>
             <a:r>
+              <a:rPr dirty="0"/>
               <a:t>after:</a:t>
             </a:r>
           </a:p>
           <a:p>
             <a:pPr lvl="2" algn="l">
-              <a:defRPr b="1" sz="5500">
+              <a:defRPr sz="5500" b="1">
                 <a:latin typeface="Courier New"/>
                 <a:ea typeface="Courier New"/>
                 <a:cs typeface="Courier New"/>
@@ -6047,6 +6774,7 @@
               </a:defRPr>
             </a:pPr>
             <a:r>
+              <a:rPr dirty="0"/>
               <a:t>HALT</a:t>
             </a:r>
           </a:p>
@@ -6057,12 +6785,118 @@
   <p:clrMapOvr>
     <a:masterClrMapping/>
   </p:clrMapOvr>
-  <p:transition xmlns:p14="http://schemas.microsoft.com/office/powerpoint/2010/main" spd="med" advClick="1"/>
+  <p:transition spd="med"/>
+  <p:timing>
+    <p:tnLst>
+      <p:par>
+        <p:cTn id="1" dur="indefinite" restart="never" nodeType="tmRoot">
+          <p:childTnLst>
+            <p:seq concurrent="1" nextAc="seek">
+              <p:cTn id="2" dur="indefinite" nodeType="mainSeq">
+                <p:childTnLst>
+                  <p:par>
+                    <p:cTn id="3" fill="hold">
+                      <p:stCondLst>
+                        <p:cond delay="indefinite"/>
+                      </p:stCondLst>
+                      <p:childTnLst>
+                        <p:par>
+                          <p:cTn id="4" fill="hold">
+                            <p:stCondLst>
+                              <p:cond delay="0"/>
+                            </p:stCondLst>
+                            <p:childTnLst>
+                              <p:par>
+                                <p:cTn id="5" presetID="1" presetClass="entr" presetSubtype="0" fill="hold" grpId="0" nodeType="clickEffect">
+                                  <p:stCondLst>
+                                    <p:cond delay="0"/>
+                                  </p:stCondLst>
+                                  <p:childTnLst>
+                                    <p:set>
+                                      <p:cBhvr>
+                                        <p:cTn id="6" dur="1" fill="hold">
+                                          <p:stCondLst>
+                                            <p:cond delay="0"/>
+                                          </p:stCondLst>
+                                        </p:cTn>
+                                        <p:tgtEl>
+                                          <p:spTgt spid="184"/>
+                                        </p:tgtEl>
+                                        <p:attrNameLst>
+                                          <p:attrName>style.visibility</p:attrName>
+                                        </p:attrNameLst>
+                                      </p:cBhvr>
+                                      <p:to>
+                                        <p:strVal val="visible"/>
+                                      </p:to>
+                                    </p:set>
+                                  </p:childTnLst>
+                                </p:cTn>
+                              </p:par>
+                              <p:par>
+                                <p:cTn id="7" presetID="1" presetClass="entr" presetSubtype="0" fill="hold" grpId="0" nodeType="withEffect">
+                                  <p:stCondLst>
+                                    <p:cond delay="0"/>
+                                  </p:stCondLst>
+                                  <p:childTnLst>
+                                    <p:set>
+                                      <p:cBhvr>
+                                        <p:cTn id="8" dur="1" fill="hold">
+                                          <p:stCondLst>
+                                            <p:cond delay="0"/>
+                                          </p:stCondLst>
+                                        </p:cTn>
+                                        <p:tgtEl>
+                                          <p:spTgt spid="180"/>
+                                        </p:tgtEl>
+                                        <p:attrNameLst>
+                                          <p:attrName>style.visibility</p:attrName>
+                                        </p:attrNameLst>
+                                      </p:cBhvr>
+                                      <p:to>
+                                        <p:strVal val="visible"/>
+                                      </p:to>
+                                    </p:set>
+                                  </p:childTnLst>
+                                </p:cTn>
+                              </p:par>
+                            </p:childTnLst>
+                          </p:cTn>
+                        </p:par>
+                      </p:childTnLst>
+                    </p:cTn>
+                  </p:par>
+                </p:childTnLst>
+              </p:cTn>
+              <p:prevCondLst>
+                <p:cond evt="onPrev" delay="0">
+                  <p:tgtEl>
+                    <p:sldTgt/>
+                  </p:tgtEl>
+                </p:cond>
+              </p:prevCondLst>
+              <p:nextCondLst>
+                <p:cond evt="onNext" delay="0">
+                  <p:tgtEl>
+                    <p:sldTgt/>
+                  </p:tgtEl>
+                </p:cond>
+              </p:nextCondLst>
+            </p:seq>
+          </p:childTnLst>
+        </p:cTn>
+      </p:par>
+    </p:tnLst>
+    <p:bldLst>
+      <p:bldP spid="180" grpId="0" animBg="1"/>
+      <p:bldP spid="184" grpId="0" animBg="1"/>
+    </p:bldLst>
+  </p:timing>
 </p:sld>
 </file>
 
 <file path=ppt/slides/slide7.xml><?xml version="1.0" encoding="utf-8"?>
-<p:sld xmlns:a="http://schemas.openxmlformats.org/drawingml/2006/main" xmlns:r="http://schemas.openxmlformats.org/officeDocument/2006/relationships" xmlns:p="http://schemas.openxmlformats.org/presentationml/2006/main" xmlns:m="http://schemas.openxmlformats.org/officeDocument/2006/math" xmlns:a14="http://schemas.microsoft.com/office/drawing/2010/main" showMasterSp="1" showMasterPhAnim="1">
+<p:sld xmlns:a="http://schemas.openxmlformats.org/drawingml/2006/main" xmlns:r="http://schemas.openxmlformats.org/officeDocument/2006/relationships" xmlns:p="http://schemas.openxmlformats.org/presentationml/2006/main">
   <p:cSld>
     <p:spTree>
       <p:nvGrpSpPr>
@@ -6081,7 +6915,9 @@
       <p:sp>
         <p:nvSpPr>
           <p:cNvPr id="186" name="WHILE  LOOPS"/>
-          <p:cNvSpPr txBox="1"/>
+          <p:cNvSpPr txBox="1">
+            <a:spLocks noGrp="1"/>
+          </p:cNvSpPr>
           <p:nvPr>
             <p:ph type="title"/>
           </p:nvPr>
@@ -6095,8 +6931,8 @@
           <a:bodyPr/>
           <a:lstStyle/>
           <a:p>
-            <a:pPr/>
             <a:r>
+              <a:rPr b="1" dirty="0"/>
               <a:t>WHILE  LOOPS</a:t>
             </a:r>
           </a:p>
@@ -6133,134 +6969,14 @@
               <a:lnSpc>
                 <a:spcPct val="120000"/>
               </a:lnSpc>
-              <a:defRPr cap="all" sz="3000">
+              <a:defRPr sz="3000" cap="all">
                 <a:latin typeface="Proxima Nova Extrabold"/>
                 <a:ea typeface="Proxima Nova Extrabold"/>
                 <a:cs typeface="Proxima Nova Extrabold"/>
                 <a:sym typeface="Proxima Nova Extrabold"/>
               </a:defRPr>
             </a:pPr>
-          </a:p>
-        </p:txBody>
-      </p:sp>
-      <p:sp>
-        <p:nvSpPr>
-          <p:cNvPr id="188" name="loopStart:…"/>
-          <p:cNvSpPr txBox="1"/>
-          <p:nvPr/>
-        </p:nvSpPr>
-        <p:spPr>
-          <a:xfrm>
-            <a:off x="2339968" y="6841679"/>
-            <a:ext cx="9145396" cy="4635501"/>
-          </a:xfrm>
-          <a:prstGeom prst="rect">
-            <a:avLst/>
-          </a:prstGeom>
-          <a:ln w="12700">
-            <a:miter lim="400000"/>
-          </a:ln>
-          <a:extLst>
-            <a:ext uri="{C572A759-6A51-4108-AA02-DFA0A04FC94B}">
-              <ma14:wrappingTextBoxFlag xmlns:ma14="http://schemas.microsoft.com/office/mac/drawingml/2011/main" val="1"/>
-            </a:ext>
-          </a:extLst>
-        </p:spPr>
-        <p:txBody>
-          <a:bodyPr wrap="none" lIns="50800" tIns="50800" rIns="50800" bIns="50800" anchor="ctr">
-            <a:spAutoFit/>
-          </a:bodyPr>
-          <a:lstStyle/>
-          <a:p>
-            <a:pPr algn="l">
-              <a:defRPr b="1" sz="4500">
-                <a:latin typeface="Courier New"/>
-                <a:ea typeface="Courier New"/>
-                <a:cs typeface="Courier New"/>
-                <a:sym typeface="Courier New"/>
-              </a:defRPr>
-            </a:pPr>
-            <a:r>
-              <a:t>loopStart:</a:t>
-            </a:r>
-          </a:p>
-          <a:p>
-            <a:pPr lvl="1" algn="l">
-              <a:defRPr b="1" sz="4500">
-                <a:latin typeface="Courier New"/>
-                <a:ea typeface="Courier New"/>
-                <a:cs typeface="Courier New"/>
-                <a:sym typeface="Courier New"/>
-              </a:defRPr>
-            </a:pPr>
-            <a:r>
-              <a:t>CMP ...</a:t>
-            </a:r>
-          </a:p>
-          <a:p>
-            <a:pPr lvl="1" algn="l">
-              <a:defRPr b="1" sz="4500">
-                <a:latin typeface="Courier New"/>
-                <a:ea typeface="Courier New"/>
-                <a:cs typeface="Courier New"/>
-                <a:sym typeface="Courier New"/>
-              </a:defRPr>
-            </a:pPr>
-            <a:r>
-              <a:t>B&lt;NOT Condition&gt; loopDone</a:t>
-            </a:r>
-          </a:p>
-          <a:p>
-            <a:pPr lvl="1" algn="l">
-              <a:defRPr b="1" sz="4500">
-                <a:latin typeface="Courier New"/>
-                <a:ea typeface="Courier New"/>
-                <a:cs typeface="Courier New"/>
-                <a:sym typeface="Courier New"/>
-              </a:defRPr>
-            </a:pPr>
-            <a:r>
-              <a:t># Inner Code</a:t>
-            </a:r>
-          </a:p>
-          <a:p>
-            <a:pPr lvl="1" algn="l">
-              <a:defRPr b="1" sz="4500">
-                <a:latin typeface="Courier New"/>
-                <a:ea typeface="Courier New"/>
-                <a:cs typeface="Courier New"/>
-                <a:sym typeface="Courier New"/>
-              </a:defRPr>
-            </a:pPr>
-            <a:r>
-              <a:t>B loopStart</a:t>
-            </a:r>
-          </a:p>
-          <a:p>
-            <a:pPr algn="l">
-              <a:defRPr b="1" sz="4500">
-                <a:latin typeface="Courier New"/>
-                <a:ea typeface="Courier New"/>
-                <a:cs typeface="Courier New"/>
-                <a:sym typeface="Courier New"/>
-              </a:defRPr>
-            </a:pPr>
-            <a:r>
-              <a:t>loopDone:</a:t>
-            </a:r>
-          </a:p>
-          <a:p>
-            <a:pPr lvl="1" algn="l">
-              <a:defRPr b="1" sz="4500">
-                <a:latin typeface="Courier New"/>
-                <a:ea typeface="Courier New"/>
-                <a:cs typeface="Courier New"/>
-                <a:sym typeface="Courier New"/>
-              </a:defRPr>
-            </a:pPr>
-            <a:r>
-              <a:t># After</a:t>
-            </a:r>
+            <a:endParaRPr/>
           </a:p>
         </p:txBody>
       </p:sp>
@@ -6272,7 +6988,7 @@
         </p:nvSpPr>
         <p:spPr>
           <a:xfrm>
-            <a:off x="3930248" y="4036381"/>
+            <a:off x="4082551" y="4036381"/>
             <a:ext cx="5601519" cy="1701801"/>
           </a:xfrm>
           <a:prstGeom prst="rect">
@@ -6283,7 +6999,7 @@
           </a:ln>
           <a:extLst>
             <a:ext uri="{C572A759-6A51-4108-AA02-DFA0A04FC94B}">
-              <ma14:wrappingTextBoxFlag xmlns:ma14="http://schemas.microsoft.com/office/mac/drawingml/2011/main" val="1"/>
+              <ma14:wrappingTextBoxFlag xmlns:ma14="http://schemas.microsoft.com/office/mac/drawingml/2011/main" xmlns:a14="http://schemas.microsoft.com/office/drawing/2010/main" xmlns:m="http://schemas.openxmlformats.org/officeDocument/2006/math" xmlns="" val="1"/>
             </a:ext>
           </a:extLst>
         </p:spPr>
@@ -6293,7 +7009,7 @@
           </a:bodyPr>
           <a:lstStyle>
             <a:lvl1pPr algn="l">
-              <a:defRPr b="1" sz="5500">
+              <a:defRPr sz="5500" b="1">
                 <a:latin typeface="Courier New"/>
                 <a:ea typeface="Courier New"/>
                 <a:cs typeface="Courier New"/>
@@ -6301,7 +7017,7 @@
               </a:defRPr>
             </a:lvl1pPr>
             <a:lvl2pPr algn="l">
-              <a:defRPr b="1" sz="5500">
+              <a:defRPr sz="5500" b="1">
                 <a:latin typeface="Courier New"/>
                 <a:ea typeface="Courier New"/>
                 <a:cs typeface="Courier New"/>
@@ -6310,75 +7026,17 @@
             </a:lvl2pPr>
           </a:lstStyle>
           <a:p>
-            <a:pPr/>
             <a:r>
+              <a:rPr dirty="0"/>
               <a:t>while ...:</a:t>
             </a:r>
           </a:p>
           <a:p>
             <a:pPr lvl="1"/>
             <a:r>
+              <a:rPr dirty="0"/>
               <a:t># INNER CODE</a:t>
             </a:r>
-          </a:p>
-        </p:txBody>
-      </p:sp>
-      <p:sp>
-        <p:nvSpPr>
-          <p:cNvPr id="197" name="Connection Line"/>
-          <p:cNvSpPr/>
-          <p:nvPr/>
-        </p:nvSpPr>
-        <p:spPr>
-          <a:xfrm>
-            <a:off x="1727638" y="8492187"/>
-            <a:ext cx="1044041" cy="1929768"/>
-          </a:xfrm>
-          <a:custGeom>
-            <a:avLst/>
-            <a:gdLst/>
-            <a:ahLst/>
-            <a:cxnLst>
-              <a:cxn ang="0">
-                <a:pos x="wd2" y="hd2"/>
-              </a:cxn>
-              <a:cxn ang="5400000">
-                <a:pos x="wd2" y="hd2"/>
-              </a:cxn>
-              <a:cxn ang="10800000">
-                <a:pos x="wd2" y="hd2"/>
-              </a:cxn>
-              <a:cxn ang="16200000">
-                <a:pos x="wd2" y="hd2"/>
-              </a:cxn>
-            </a:cxnLst>
-            <a:rect l="0" t="0" r="r" b="b"/>
-            <a:pathLst>
-              <a:path w="16532" h="21600" fill="norm" stroke="1" extrusionOk="0">
-                <a:moveTo>
-                  <a:pt x="16532" y="0"/>
-                </a:moveTo>
-                <a:cubicBezTo>
-                  <a:pt x="-2387" y="3818"/>
-                  <a:pt x="-5068" y="11018"/>
-                  <a:pt x="8488" y="21600"/>
-                </a:cubicBezTo>
-              </a:path>
-            </a:pathLst>
-          </a:custGeom>
-          <a:ln w="101600">
-            <a:solidFill>
-              <a:schemeClr val="accent5"/>
-            </a:solidFill>
-            <a:miter lim="400000"/>
-            <a:tailEnd type="triangle"/>
-          </a:ln>
-        </p:spPr>
-        <p:txBody>
-          <a:bodyPr/>
-          <a:lstStyle/>
-          <a:p>
-            <a:pPr/>
           </a:p>
         </p:txBody>
       </p:sp>
@@ -6413,13 +7071,14 @@
               <a:lnSpc>
                 <a:spcPct val="120000"/>
               </a:lnSpc>
-              <a:defRPr cap="all" sz="3000">
+              <a:defRPr sz="3000" cap="all">
                 <a:latin typeface="Proxima Nova Extrabold"/>
                 <a:ea typeface="Proxima Nova Extrabold"/>
                 <a:cs typeface="Proxima Nova Extrabold"/>
                 <a:sym typeface="Proxima Nova Extrabold"/>
               </a:defRPr>
             </a:pPr>
+            <a:endParaRPr/>
           </a:p>
         </p:txBody>
       </p:sp>
@@ -6442,7 +7101,7 @@
           </a:ln>
           <a:extLst>
             <a:ext uri="{C572A759-6A51-4108-AA02-DFA0A04FC94B}">
-              <ma14:wrappingTextBoxFlag xmlns:ma14="http://schemas.microsoft.com/office/mac/drawingml/2011/main" val="1"/>
+              <ma14:wrappingTextBoxFlag xmlns:ma14="http://schemas.microsoft.com/office/mac/drawingml/2011/main" xmlns:a14="http://schemas.microsoft.com/office/drawing/2010/main" xmlns:m="http://schemas.openxmlformats.org/officeDocument/2006/math" xmlns="" val="1"/>
             </a:ext>
           </a:extLst>
         </p:spPr>
@@ -6452,7 +7111,7 @@
           </a:bodyPr>
           <a:lstStyle>
             <a:lvl1pPr algn="l">
-              <a:defRPr b="1" sz="5500">
+              <a:defRPr sz="5500" b="1">
                 <a:latin typeface="Courier New"/>
                 <a:ea typeface="Courier New"/>
                 <a:cs typeface="Courier New"/>
@@ -6460,7 +7119,7 @@
               </a:defRPr>
             </a:lvl1pPr>
             <a:lvl2pPr algn="l">
-              <a:defRPr b="1" sz="5500">
+              <a:defRPr sz="5500" b="1">
                 <a:latin typeface="Courier New"/>
                 <a:ea typeface="Courier New"/>
                 <a:cs typeface="Courier New"/>
@@ -6469,7 +7128,6 @@
             </a:lvl2pPr>
           </a:lstStyle>
           <a:p>
-            <a:pPr/>
             <a:r>
               <a:t>while ...:</a:t>
             </a:r>
@@ -6482,323 +7140,706 @@
           </a:p>
         </p:txBody>
       </p:sp>
-      <p:sp>
-        <p:nvSpPr>
-          <p:cNvPr id="198" name="Connection Line"/>
-          <p:cNvSpPr/>
+      <p:grpSp>
+        <p:nvGrpSpPr>
+          <p:cNvPr id="2" name="Group 1">
+            <a:extLst>
+              <a:ext uri="{FF2B5EF4-FFF2-40B4-BE49-F238E27FC236}">
+                <a16:creationId xmlns:a16="http://schemas.microsoft.com/office/drawing/2014/main" id="{5DE65689-2608-4718-1F4A-EE6DD32218EC}"/>
+              </a:ext>
+            </a:extLst>
+          </p:cNvPr>
+          <p:cNvGrpSpPr/>
           <p:nvPr/>
-        </p:nvSpPr>
-        <p:spPr>
+        </p:nvGrpSpPr>
+        <p:grpSpPr>
           <a:xfrm>
-            <a:off x="6273800" y="7188200"/>
-            <a:ext cx="5703736" cy="2575178"/>
+            <a:off x="1727638" y="6841679"/>
+            <a:ext cx="10249898" cy="4635501"/>
+            <a:chOff x="1727638" y="6841679"/>
+            <a:chExt cx="10249898" cy="4635501"/>
           </a:xfrm>
-          <a:custGeom>
-            <a:avLst/>
-            <a:gdLst/>
-            <a:ahLst/>
-            <a:cxnLst>
-              <a:cxn ang="0">
-                <a:pos x="wd2" y="hd2"/>
-              </a:cxn>
-              <a:cxn ang="5400000">
-                <a:pos x="wd2" y="hd2"/>
-              </a:cxn>
-              <a:cxn ang="10800000">
-                <a:pos x="wd2" y="hd2"/>
-              </a:cxn>
-              <a:cxn ang="16200000">
-                <a:pos x="wd2" y="hd2"/>
-              </a:cxn>
-            </a:cxnLst>
-            <a:rect l="0" t="0" r="r" b="b"/>
-            <a:pathLst>
-              <a:path w="16228" h="21600" fill="norm" stroke="1" extrusionOk="0">
-                <a:moveTo>
-                  <a:pt x="2565" y="21600"/>
-                </a:moveTo>
-                <a:cubicBezTo>
-                  <a:pt x="21600" y="14702"/>
-                  <a:pt x="20745" y="7502"/>
-                  <a:pt x="0" y="0"/>
-                </a:cubicBezTo>
-              </a:path>
-            </a:pathLst>
-          </a:custGeom>
-          <a:ln w="101600">
-            <a:solidFill>
-              <a:schemeClr val="accent2">
-                <a:hueOff val="312616"/>
-                <a:satOff val="21048"/>
-                <a:lumOff val="-29411"/>
-              </a:schemeClr>
-            </a:solidFill>
-            <a:miter lim="400000"/>
-            <a:tailEnd type="triangle"/>
-          </a:ln>
-        </p:spPr>
-        <p:txBody>
-          <a:bodyPr/>
-          <a:lstStyle/>
-          <a:p>
-            <a:pPr/>
-          </a:p>
-        </p:txBody>
-      </p:sp>
-      <p:sp>
-        <p:nvSpPr>
-          <p:cNvPr id="194" name="B test…"/>
-          <p:cNvSpPr txBox="1"/>
+        </p:grpSpPr>
+        <p:sp>
+          <p:nvSpPr>
+            <p:cNvPr id="188" name="loopStart:…"/>
+            <p:cNvSpPr txBox="1"/>
+            <p:nvPr/>
+          </p:nvSpPr>
+          <p:spPr>
+            <a:xfrm>
+              <a:off x="2339968" y="6841679"/>
+              <a:ext cx="9145396" cy="4635501"/>
+            </a:xfrm>
+            <a:prstGeom prst="rect">
+              <a:avLst/>
+            </a:prstGeom>
+            <a:ln w="12700">
+              <a:miter lim="400000"/>
+            </a:ln>
+            <a:extLst>
+              <a:ext uri="{C572A759-6A51-4108-AA02-DFA0A04FC94B}">
+                <ma14:wrappingTextBoxFlag xmlns:ma14="http://schemas.microsoft.com/office/mac/drawingml/2011/main" xmlns:a14="http://schemas.microsoft.com/office/drawing/2010/main" xmlns:m="http://schemas.openxmlformats.org/officeDocument/2006/math" xmlns="" val="1"/>
+              </a:ext>
+            </a:extLst>
+          </p:spPr>
+          <p:txBody>
+            <a:bodyPr wrap="none" lIns="50800" tIns="50800" rIns="50800" bIns="50800" anchor="ctr">
+              <a:spAutoFit/>
+            </a:bodyPr>
+            <a:lstStyle/>
+            <a:p>
+              <a:pPr algn="l">
+                <a:defRPr sz="4500" b="1">
+                  <a:latin typeface="Courier New"/>
+                  <a:ea typeface="Courier New"/>
+                  <a:cs typeface="Courier New"/>
+                  <a:sym typeface="Courier New"/>
+                </a:defRPr>
+              </a:pPr>
+              <a:r>
+                <a:rPr dirty="0" err="1"/>
+                <a:t>loopStart</a:t>
+              </a:r>
+              <a:r>
+                <a:rPr dirty="0"/>
+                <a:t>:</a:t>
+              </a:r>
+            </a:p>
+            <a:p>
+              <a:pPr lvl="1" algn="l">
+                <a:defRPr sz="4500" b="1">
+                  <a:latin typeface="Courier New"/>
+                  <a:ea typeface="Courier New"/>
+                  <a:cs typeface="Courier New"/>
+                  <a:sym typeface="Courier New"/>
+                </a:defRPr>
+              </a:pPr>
+              <a:r>
+                <a:rPr dirty="0"/>
+                <a:t>CMP ...</a:t>
+              </a:r>
+            </a:p>
+            <a:p>
+              <a:pPr lvl="1" algn="l">
+                <a:defRPr sz="4500" b="1">
+                  <a:latin typeface="Courier New"/>
+                  <a:ea typeface="Courier New"/>
+                  <a:cs typeface="Courier New"/>
+                  <a:sym typeface="Courier New"/>
+                </a:defRPr>
+              </a:pPr>
+              <a:r>
+                <a:rPr dirty="0"/>
+                <a:t>B&lt;NOT Condition&gt; </a:t>
+              </a:r>
+              <a:r>
+                <a:rPr dirty="0" err="1"/>
+                <a:t>loopDone</a:t>
+              </a:r>
+              <a:endParaRPr dirty="0"/>
+            </a:p>
+            <a:p>
+              <a:pPr lvl="1" algn="l">
+                <a:defRPr sz="4500" b="1">
+                  <a:latin typeface="Courier New"/>
+                  <a:ea typeface="Courier New"/>
+                  <a:cs typeface="Courier New"/>
+                  <a:sym typeface="Courier New"/>
+                </a:defRPr>
+              </a:pPr>
+              <a:r>
+                <a:rPr dirty="0"/>
+                <a:t># Inner Code</a:t>
+              </a:r>
+            </a:p>
+            <a:p>
+              <a:pPr lvl="1" algn="l">
+                <a:defRPr sz="4500" b="1">
+                  <a:latin typeface="Courier New"/>
+                  <a:ea typeface="Courier New"/>
+                  <a:cs typeface="Courier New"/>
+                  <a:sym typeface="Courier New"/>
+                </a:defRPr>
+              </a:pPr>
+              <a:r>
+                <a:rPr dirty="0"/>
+                <a:t>B </a:t>
+              </a:r>
+              <a:r>
+                <a:rPr dirty="0" err="1"/>
+                <a:t>loopStart</a:t>
+              </a:r>
+              <a:endParaRPr dirty="0"/>
+            </a:p>
+            <a:p>
+              <a:pPr algn="l">
+                <a:defRPr sz="4500" b="1">
+                  <a:latin typeface="Courier New"/>
+                  <a:ea typeface="Courier New"/>
+                  <a:cs typeface="Courier New"/>
+                  <a:sym typeface="Courier New"/>
+                </a:defRPr>
+              </a:pPr>
+              <a:r>
+                <a:rPr dirty="0" err="1"/>
+                <a:t>loopDone</a:t>
+              </a:r>
+              <a:r>
+                <a:rPr dirty="0"/>
+                <a:t>:</a:t>
+              </a:r>
+            </a:p>
+            <a:p>
+              <a:pPr lvl="1" algn="l">
+                <a:defRPr sz="4500" b="1">
+                  <a:latin typeface="Courier New"/>
+                  <a:ea typeface="Courier New"/>
+                  <a:cs typeface="Courier New"/>
+                  <a:sym typeface="Courier New"/>
+                </a:defRPr>
+              </a:pPr>
+              <a:r>
+                <a:rPr dirty="0"/>
+                <a:t># After</a:t>
+              </a:r>
+            </a:p>
+          </p:txBody>
+        </p:sp>
+        <p:sp>
+          <p:nvSpPr>
+            <p:cNvPr id="197" name="Connection Line"/>
+            <p:cNvSpPr/>
+            <p:nvPr/>
+          </p:nvSpPr>
+          <p:spPr>
+            <a:xfrm>
+              <a:off x="1727638" y="8492187"/>
+              <a:ext cx="1044041" cy="1929768"/>
+            </a:xfrm>
+            <a:custGeom>
+              <a:avLst/>
+              <a:gdLst/>
+              <a:ahLst/>
+              <a:cxnLst>
+                <a:cxn ang="0">
+                  <a:pos x="wd2" y="hd2"/>
+                </a:cxn>
+                <a:cxn ang="5400000">
+                  <a:pos x="wd2" y="hd2"/>
+                </a:cxn>
+                <a:cxn ang="10800000">
+                  <a:pos x="wd2" y="hd2"/>
+                </a:cxn>
+                <a:cxn ang="16200000">
+                  <a:pos x="wd2" y="hd2"/>
+                </a:cxn>
+              </a:cxnLst>
+              <a:rect l="0" t="0" r="r" b="b"/>
+              <a:pathLst>
+                <a:path w="16532" h="21600" extrusionOk="0">
+                  <a:moveTo>
+                    <a:pt x="16532" y="0"/>
+                  </a:moveTo>
+                  <a:cubicBezTo>
+                    <a:pt x="-2387" y="3818"/>
+                    <a:pt x="-5068" y="11018"/>
+                    <a:pt x="8488" y="21600"/>
+                  </a:cubicBezTo>
+                </a:path>
+              </a:pathLst>
+            </a:custGeom>
+            <a:ln w="101600">
+              <a:solidFill>
+                <a:schemeClr val="accent5"/>
+              </a:solidFill>
+              <a:miter lim="400000"/>
+              <a:tailEnd type="triangle"/>
+            </a:ln>
+          </p:spPr>
+          <p:txBody>
+            <a:bodyPr/>
+            <a:lstStyle/>
+            <a:p>
+              <a:endParaRPr/>
+            </a:p>
+          </p:txBody>
+        </p:sp>
+        <p:sp>
+          <p:nvSpPr>
+            <p:cNvPr id="198" name="Connection Line"/>
+            <p:cNvSpPr/>
+            <p:nvPr/>
+          </p:nvSpPr>
+          <p:spPr>
+            <a:xfrm>
+              <a:off x="6273800" y="7188200"/>
+              <a:ext cx="5703736" cy="2575178"/>
+            </a:xfrm>
+            <a:custGeom>
+              <a:avLst/>
+              <a:gdLst/>
+              <a:ahLst/>
+              <a:cxnLst>
+                <a:cxn ang="0">
+                  <a:pos x="wd2" y="hd2"/>
+                </a:cxn>
+                <a:cxn ang="5400000">
+                  <a:pos x="wd2" y="hd2"/>
+                </a:cxn>
+                <a:cxn ang="10800000">
+                  <a:pos x="wd2" y="hd2"/>
+                </a:cxn>
+                <a:cxn ang="16200000">
+                  <a:pos x="wd2" y="hd2"/>
+                </a:cxn>
+              </a:cxnLst>
+              <a:rect l="0" t="0" r="r" b="b"/>
+              <a:pathLst>
+                <a:path w="16228" h="21600" extrusionOk="0">
+                  <a:moveTo>
+                    <a:pt x="2565" y="21600"/>
+                  </a:moveTo>
+                  <a:cubicBezTo>
+                    <a:pt x="21600" y="14702"/>
+                    <a:pt x="20745" y="7502"/>
+                    <a:pt x="0" y="0"/>
+                  </a:cubicBezTo>
+                </a:path>
+              </a:pathLst>
+            </a:custGeom>
+            <a:ln w="101600">
+              <a:solidFill>
+                <a:schemeClr val="accent2">
+                  <a:hueOff val="312616"/>
+                  <a:satOff val="21048"/>
+                  <a:lumOff val="-29411"/>
+                </a:schemeClr>
+              </a:solidFill>
+              <a:miter lim="400000"/>
+              <a:tailEnd type="triangle"/>
+            </a:ln>
+          </p:spPr>
+          <p:txBody>
+            <a:bodyPr/>
+            <a:lstStyle/>
+            <a:p>
+              <a:endParaRPr/>
+            </a:p>
+          </p:txBody>
+        </p:sp>
+      </p:grpSp>
+      <p:grpSp>
+        <p:nvGrpSpPr>
+          <p:cNvPr id="3" name="Group 2">
+            <a:extLst>
+              <a:ext uri="{FF2B5EF4-FFF2-40B4-BE49-F238E27FC236}">
+                <a16:creationId xmlns:a16="http://schemas.microsoft.com/office/drawing/2014/main" id="{3483BA19-D589-517A-4E0A-3A81FCA7F798}"/>
+              </a:ext>
+            </a:extLst>
+          </p:cNvPr>
+          <p:cNvGrpSpPr/>
           <p:nvPr/>
-        </p:nvSpPr>
-        <p:spPr>
+        </p:nvGrpSpPr>
+        <p:grpSpPr>
           <a:xfrm>
-            <a:off x="14497956" y="6841679"/>
-            <a:ext cx="7430618" cy="4635501"/>
+            <a:off x="13730253" y="6841679"/>
+            <a:ext cx="8796349" cy="4635501"/>
+            <a:chOff x="13730253" y="6841679"/>
+            <a:chExt cx="8796349" cy="4635501"/>
           </a:xfrm>
-          <a:prstGeom prst="rect">
-            <a:avLst/>
-          </a:prstGeom>
-          <a:ln w="12700">
-            <a:miter lim="400000"/>
-          </a:ln>
-          <a:extLst>
-            <a:ext uri="{C572A759-6A51-4108-AA02-DFA0A04FC94B}">
-              <ma14:wrappingTextBoxFlag xmlns:ma14="http://schemas.microsoft.com/office/mac/drawingml/2011/main" val="1"/>
-            </a:ext>
-          </a:extLst>
-        </p:spPr>
-        <p:txBody>
-          <a:bodyPr wrap="none" lIns="50800" tIns="50800" rIns="50800" bIns="50800" anchor="ctr">
-            <a:spAutoFit/>
-          </a:bodyPr>
-          <a:lstStyle/>
-          <a:p>
-            <a:pPr lvl="1" algn="l">
-              <a:defRPr b="1" sz="4500">
-                <a:latin typeface="Courier New"/>
-                <a:ea typeface="Courier New"/>
-                <a:cs typeface="Courier New"/>
-                <a:sym typeface="Courier New"/>
-              </a:defRPr>
-            </a:pPr>
-            <a:r>
-              <a:t>B test</a:t>
-            </a:r>
-          </a:p>
-          <a:p>
-            <a:pPr algn="l">
-              <a:defRPr b="1" sz="4500">
-                <a:latin typeface="Courier New"/>
-                <a:ea typeface="Courier New"/>
-                <a:cs typeface="Courier New"/>
-                <a:sym typeface="Courier New"/>
-              </a:defRPr>
-            </a:pPr>
-            <a:r>
-              <a:t>loopTop:</a:t>
-            </a:r>
-          </a:p>
-          <a:p>
-            <a:pPr lvl="1" algn="l">
-              <a:defRPr b="1" sz="4500">
-                <a:latin typeface="Courier New"/>
-                <a:ea typeface="Courier New"/>
-                <a:cs typeface="Courier New"/>
-                <a:sym typeface="Courier New"/>
-              </a:defRPr>
-            </a:pPr>
-            <a:r>
-              <a:t># Inner Code</a:t>
-            </a:r>
-          </a:p>
-          <a:p>
-            <a:pPr algn="l">
-              <a:defRPr b="1" sz="4500">
-                <a:latin typeface="Courier New"/>
-                <a:ea typeface="Courier New"/>
-                <a:cs typeface="Courier New"/>
-                <a:sym typeface="Courier New"/>
-              </a:defRPr>
-            </a:pPr>
-            <a:r>
-              <a:t>test:</a:t>
-            </a:r>
-          </a:p>
-          <a:p>
-            <a:pPr lvl="1" algn="l">
-              <a:defRPr b="1" sz="4500">
-                <a:latin typeface="Courier New"/>
-                <a:ea typeface="Courier New"/>
-                <a:cs typeface="Courier New"/>
-                <a:sym typeface="Courier New"/>
-              </a:defRPr>
-            </a:pPr>
-            <a:r>
-              <a:t>CMP …</a:t>
-            </a:r>
-          </a:p>
-          <a:p>
-            <a:pPr lvl="1" algn="l">
-              <a:defRPr b="1" sz="4500">
-                <a:latin typeface="Courier New"/>
-                <a:ea typeface="Courier New"/>
-                <a:cs typeface="Courier New"/>
-                <a:sym typeface="Courier New"/>
-              </a:defRPr>
-            </a:pPr>
-            <a:r>
-              <a:t>B&lt;Condition&gt; loopTop</a:t>
-            </a:r>
-          </a:p>
-          <a:p>
-            <a:pPr lvl="1" algn="l">
-              <a:defRPr b="1" sz="4500">
-                <a:latin typeface="Courier New"/>
-                <a:ea typeface="Courier New"/>
-                <a:cs typeface="Courier New"/>
-                <a:sym typeface="Courier New"/>
-              </a:defRPr>
-            </a:pPr>
-            <a:r>
-              <a:t># After Code</a:t>
-            </a:r>
-          </a:p>
-        </p:txBody>
-      </p:sp>
-      <p:sp>
-        <p:nvSpPr>
-          <p:cNvPr id="199" name="Connection Line"/>
-          <p:cNvSpPr/>
-          <p:nvPr/>
-        </p:nvSpPr>
-        <p:spPr>
-          <a:xfrm>
-            <a:off x="13730253" y="7201968"/>
-            <a:ext cx="973778" cy="2031369"/>
-          </a:xfrm>
-          <a:custGeom>
-            <a:avLst/>
-            <a:gdLst/>
-            <a:ahLst/>
-            <a:cxnLst>
-              <a:cxn ang="0">
-                <a:pos x="wd2" y="hd2"/>
-              </a:cxn>
-              <a:cxn ang="5400000">
-                <a:pos x="wd2" y="hd2"/>
-              </a:cxn>
-              <a:cxn ang="10800000">
-                <a:pos x="wd2" y="hd2"/>
-              </a:cxn>
-              <a:cxn ang="16200000">
-                <a:pos x="wd2" y="hd2"/>
-              </a:cxn>
-            </a:cxnLst>
-            <a:rect l="0" t="0" r="r" b="b"/>
-            <a:pathLst>
-              <a:path w="16430" h="21600" fill="norm" stroke="1" extrusionOk="0">
-                <a:moveTo>
-                  <a:pt x="16430" y="0"/>
-                </a:moveTo>
-                <a:cubicBezTo>
-                  <a:pt x="-2884" y="5572"/>
-                  <a:pt x="-5170" y="12772"/>
-                  <a:pt x="9573" y="21600"/>
-                </a:cubicBezTo>
-              </a:path>
-            </a:pathLst>
-          </a:custGeom>
-          <a:ln w="101600">
-            <a:solidFill>
-              <a:schemeClr val="accent5"/>
-            </a:solidFill>
-            <a:miter lim="400000"/>
-            <a:tailEnd type="triangle"/>
-          </a:ln>
-        </p:spPr>
-        <p:txBody>
-          <a:bodyPr/>
-          <a:lstStyle/>
-          <a:p>
-            <a:pPr/>
-          </a:p>
-        </p:txBody>
-      </p:sp>
-      <p:sp>
-        <p:nvSpPr>
-          <p:cNvPr id="200" name="Connection Line"/>
-          <p:cNvSpPr/>
-          <p:nvPr/>
-        </p:nvSpPr>
-        <p:spPr>
-          <a:xfrm>
-            <a:off x="17526000" y="7874000"/>
-            <a:ext cx="5000602" cy="2586921"/>
-          </a:xfrm>
-          <a:custGeom>
-            <a:avLst/>
-            <a:gdLst/>
-            <a:ahLst/>
-            <a:cxnLst>
-              <a:cxn ang="0">
-                <a:pos x="wd2" y="hd2"/>
-              </a:cxn>
-              <a:cxn ang="5400000">
-                <a:pos x="wd2" y="hd2"/>
-              </a:cxn>
-              <a:cxn ang="10800000">
-                <a:pos x="wd2" y="hd2"/>
-              </a:cxn>
-              <a:cxn ang="16200000">
-                <a:pos x="wd2" y="hd2"/>
-              </a:cxn>
-            </a:cxnLst>
-            <a:rect l="0" t="0" r="r" b="b"/>
-            <a:pathLst>
-              <a:path w="18362" h="21600" fill="norm" stroke="1" extrusionOk="0">
-                <a:moveTo>
-                  <a:pt x="16555" y="21600"/>
-                </a:moveTo>
-                <a:cubicBezTo>
-                  <a:pt x="21600" y="13036"/>
-                  <a:pt x="16082" y="5836"/>
-                  <a:pt x="0" y="0"/>
-                </a:cubicBezTo>
-              </a:path>
-            </a:pathLst>
-          </a:custGeom>
-          <a:ln w="101600">
-            <a:solidFill>
-              <a:schemeClr val="accent2">
-                <a:hueOff val="312616"/>
-                <a:satOff val="21048"/>
-                <a:lumOff val="-29411"/>
-              </a:schemeClr>
-            </a:solidFill>
-            <a:miter lim="400000"/>
-            <a:tailEnd type="triangle"/>
-          </a:ln>
-        </p:spPr>
-        <p:txBody>
-          <a:bodyPr/>
-          <a:lstStyle/>
-          <a:p>
-            <a:pPr/>
-          </a:p>
-        </p:txBody>
-      </p:sp>
+        </p:grpSpPr>
+        <p:sp>
+          <p:nvSpPr>
+            <p:cNvPr id="194" name="B test…"/>
+            <p:cNvSpPr txBox="1"/>
+            <p:nvPr/>
+          </p:nvSpPr>
+          <p:spPr>
+            <a:xfrm>
+              <a:off x="14497956" y="6841679"/>
+              <a:ext cx="7430618" cy="4635501"/>
+            </a:xfrm>
+            <a:prstGeom prst="rect">
+              <a:avLst/>
+            </a:prstGeom>
+            <a:ln w="12700">
+              <a:miter lim="400000"/>
+            </a:ln>
+            <a:extLst>
+              <a:ext uri="{C572A759-6A51-4108-AA02-DFA0A04FC94B}">
+                <ma14:wrappingTextBoxFlag xmlns:ma14="http://schemas.microsoft.com/office/mac/drawingml/2011/main" xmlns:a14="http://schemas.microsoft.com/office/drawing/2010/main" xmlns:m="http://schemas.openxmlformats.org/officeDocument/2006/math" xmlns="" val="1"/>
+              </a:ext>
+            </a:extLst>
+          </p:spPr>
+          <p:txBody>
+            <a:bodyPr wrap="none" lIns="50800" tIns="50800" rIns="50800" bIns="50800" anchor="ctr">
+              <a:spAutoFit/>
+            </a:bodyPr>
+            <a:lstStyle/>
+            <a:p>
+              <a:pPr lvl="1" algn="l">
+                <a:defRPr sz="4500" b="1">
+                  <a:latin typeface="Courier New"/>
+                  <a:ea typeface="Courier New"/>
+                  <a:cs typeface="Courier New"/>
+                  <a:sym typeface="Courier New"/>
+                </a:defRPr>
+              </a:pPr>
+              <a:r>
+                <a:rPr dirty="0"/>
+                <a:t>B test</a:t>
+              </a:r>
+            </a:p>
+            <a:p>
+              <a:pPr algn="l">
+                <a:defRPr sz="4500" b="1">
+                  <a:latin typeface="Courier New"/>
+                  <a:ea typeface="Courier New"/>
+                  <a:cs typeface="Courier New"/>
+                  <a:sym typeface="Courier New"/>
+                </a:defRPr>
+              </a:pPr>
+              <a:r>
+                <a:rPr dirty="0" err="1"/>
+                <a:t>loopTop</a:t>
+              </a:r>
+              <a:r>
+                <a:rPr dirty="0"/>
+                <a:t>:</a:t>
+              </a:r>
+            </a:p>
+            <a:p>
+              <a:pPr lvl="1" algn="l">
+                <a:defRPr sz="4500" b="1">
+                  <a:latin typeface="Courier New"/>
+                  <a:ea typeface="Courier New"/>
+                  <a:cs typeface="Courier New"/>
+                  <a:sym typeface="Courier New"/>
+                </a:defRPr>
+              </a:pPr>
+              <a:r>
+                <a:rPr dirty="0"/>
+                <a:t># Inner Code</a:t>
+              </a:r>
+            </a:p>
+            <a:p>
+              <a:pPr algn="l">
+                <a:defRPr sz="4500" b="1">
+                  <a:latin typeface="Courier New"/>
+                  <a:ea typeface="Courier New"/>
+                  <a:cs typeface="Courier New"/>
+                  <a:sym typeface="Courier New"/>
+                </a:defRPr>
+              </a:pPr>
+              <a:r>
+                <a:rPr dirty="0"/>
+                <a:t>test:</a:t>
+              </a:r>
+            </a:p>
+            <a:p>
+              <a:pPr lvl="1" algn="l">
+                <a:defRPr sz="4500" b="1">
+                  <a:latin typeface="Courier New"/>
+                  <a:ea typeface="Courier New"/>
+                  <a:cs typeface="Courier New"/>
+                  <a:sym typeface="Courier New"/>
+                </a:defRPr>
+              </a:pPr>
+              <a:r>
+                <a:rPr dirty="0"/>
+                <a:t>CMP …</a:t>
+              </a:r>
+            </a:p>
+            <a:p>
+              <a:pPr lvl="1" algn="l">
+                <a:defRPr sz="4500" b="1">
+                  <a:latin typeface="Courier New"/>
+                  <a:ea typeface="Courier New"/>
+                  <a:cs typeface="Courier New"/>
+                  <a:sym typeface="Courier New"/>
+                </a:defRPr>
+              </a:pPr>
+              <a:r>
+                <a:rPr dirty="0"/>
+                <a:t>B&lt;Condition&gt; </a:t>
+              </a:r>
+              <a:r>
+                <a:rPr dirty="0" err="1"/>
+                <a:t>loopTop</a:t>
+              </a:r>
+              <a:endParaRPr dirty="0"/>
+            </a:p>
+            <a:p>
+              <a:pPr lvl="1" algn="l">
+                <a:defRPr sz="4500" b="1">
+                  <a:latin typeface="Courier New"/>
+                  <a:ea typeface="Courier New"/>
+                  <a:cs typeface="Courier New"/>
+                  <a:sym typeface="Courier New"/>
+                </a:defRPr>
+              </a:pPr>
+              <a:r>
+                <a:rPr dirty="0"/>
+                <a:t># After Code</a:t>
+              </a:r>
+            </a:p>
+          </p:txBody>
+        </p:sp>
+        <p:sp>
+          <p:nvSpPr>
+            <p:cNvPr id="199" name="Connection Line"/>
+            <p:cNvSpPr/>
+            <p:nvPr/>
+          </p:nvSpPr>
+          <p:spPr>
+            <a:xfrm>
+              <a:off x="13730253" y="7201968"/>
+              <a:ext cx="973778" cy="2031369"/>
+            </a:xfrm>
+            <a:custGeom>
+              <a:avLst/>
+              <a:gdLst/>
+              <a:ahLst/>
+              <a:cxnLst>
+                <a:cxn ang="0">
+                  <a:pos x="wd2" y="hd2"/>
+                </a:cxn>
+                <a:cxn ang="5400000">
+                  <a:pos x="wd2" y="hd2"/>
+                </a:cxn>
+                <a:cxn ang="10800000">
+                  <a:pos x="wd2" y="hd2"/>
+                </a:cxn>
+                <a:cxn ang="16200000">
+                  <a:pos x="wd2" y="hd2"/>
+                </a:cxn>
+              </a:cxnLst>
+              <a:rect l="0" t="0" r="r" b="b"/>
+              <a:pathLst>
+                <a:path w="16430" h="21600" extrusionOk="0">
+                  <a:moveTo>
+                    <a:pt x="16430" y="0"/>
+                  </a:moveTo>
+                  <a:cubicBezTo>
+                    <a:pt x="-2884" y="5572"/>
+                    <a:pt x="-5170" y="12772"/>
+                    <a:pt x="9573" y="21600"/>
+                  </a:cubicBezTo>
+                </a:path>
+              </a:pathLst>
+            </a:custGeom>
+            <a:ln w="101600">
+              <a:solidFill>
+                <a:schemeClr val="accent5"/>
+              </a:solidFill>
+              <a:miter lim="400000"/>
+              <a:tailEnd type="triangle"/>
+            </a:ln>
+          </p:spPr>
+          <p:txBody>
+            <a:bodyPr/>
+            <a:lstStyle/>
+            <a:p>
+              <a:endParaRPr/>
+            </a:p>
+          </p:txBody>
+        </p:sp>
+        <p:sp>
+          <p:nvSpPr>
+            <p:cNvPr id="200" name="Connection Line"/>
+            <p:cNvSpPr/>
+            <p:nvPr/>
+          </p:nvSpPr>
+          <p:spPr>
+            <a:xfrm>
+              <a:off x="17526000" y="7874000"/>
+              <a:ext cx="5000602" cy="2586921"/>
+            </a:xfrm>
+            <a:custGeom>
+              <a:avLst/>
+              <a:gdLst/>
+              <a:ahLst/>
+              <a:cxnLst>
+                <a:cxn ang="0">
+                  <a:pos x="wd2" y="hd2"/>
+                </a:cxn>
+                <a:cxn ang="5400000">
+                  <a:pos x="wd2" y="hd2"/>
+                </a:cxn>
+                <a:cxn ang="10800000">
+                  <a:pos x="wd2" y="hd2"/>
+                </a:cxn>
+                <a:cxn ang="16200000">
+                  <a:pos x="wd2" y="hd2"/>
+                </a:cxn>
+              </a:cxnLst>
+              <a:rect l="0" t="0" r="r" b="b"/>
+              <a:pathLst>
+                <a:path w="18362" h="21600" extrusionOk="0">
+                  <a:moveTo>
+                    <a:pt x="16555" y="21600"/>
+                  </a:moveTo>
+                  <a:cubicBezTo>
+                    <a:pt x="21600" y="13036"/>
+                    <a:pt x="16082" y="5836"/>
+                    <a:pt x="0" y="0"/>
+                  </a:cubicBezTo>
+                </a:path>
+              </a:pathLst>
+            </a:custGeom>
+            <a:ln w="101600">
+              <a:solidFill>
+                <a:schemeClr val="accent2">
+                  <a:hueOff val="312616"/>
+                  <a:satOff val="21048"/>
+                  <a:lumOff val="-29411"/>
+                </a:schemeClr>
+              </a:solidFill>
+              <a:miter lim="400000"/>
+              <a:tailEnd type="triangle"/>
+            </a:ln>
+          </p:spPr>
+          <p:txBody>
+            <a:bodyPr/>
+            <a:lstStyle/>
+            <a:p>
+              <a:endParaRPr/>
+            </a:p>
+          </p:txBody>
+        </p:sp>
+      </p:grpSp>
     </p:spTree>
   </p:cSld>
   <p:clrMapOvr>
     <a:masterClrMapping/>
   </p:clrMapOvr>
-  <p:transition xmlns:p14="http://schemas.microsoft.com/office/powerpoint/2010/main" spd="med" advClick="1"/>
+  <p:transition spd="med"/>
+  <p:timing>
+    <p:tnLst>
+      <p:par>
+        <p:cTn id="1" dur="indefinite" restart="never" nodeType="tmRoot">
+          <p:childTnLst>
+            <p:seq concurrent="1" nextAc="seek">
+              <p:cTn id="2" dur="indefinite" nodeType="mainSeq">
+                <p:childTnLst>
+                  <p:par>
+                    <p:cTn id="3" fill="hold">
+                      <p:stCondLst>
+                        <p:cond delay="indefinite"/>
+                      </p:stCondLst>
+                      <p:childTnLst>
+                        <p:par>
+                          <p:cTn id="4" fill="hold">
+                            <p:stCondLst>
+                              <p:cond delay="0"/>
+                            </p:stCondLst>
+                            <p:childTnLst>
+                              <p:par>
+                                <p:cTn id="5" presetID="1" presetClass="entr" presetSubtype="0" fill="hold" nodeType="clickEffect">
+                                  <p:stCondLst>
+                                    <p:cond delay="0"/>
+                                  </p:stCondLst>
+                                  <p:childTnLst>
+                                    <p:set>
+                                      <p:cBhvr>
+                                        <p:cTn id="6" dur="1" fill="hold">
+                                          <p:stCondLst>
+                                            <p:cond delay="0"/>
+                                          </p:stCondLst>
+                                        </p:cTn>
+                                        <p:tgtEl>
+                                          <p:spTgt spid="2"/>
+                                        </p:tgtEl>
+                                        <p:attrNameLst>
+                                          <p:attrName>style.visibility</p:attrName>
+                                        </p:attrNameLst>
+                                      </p:cBhvr>
+                                      <p:to>
+                                        <p:strVal val="visible"/>
+                                      </p:to>
+                                    </p:set>
+                                  </p:childTnLst>
+                                </p:cTn>
+                              </p:par>
+                            </p:childTnLst>
+                          </p:cTn>
+                        </p:par>
+                      </p:childTnLst>
+                    </p:cTn>
+                  </p:par>
+                  <p:par>
+                    <p:cTn id="7" fill="hold">
+                      <p:stCondLst>
+                        <p:cond delay="indefinite"/>
+                      </p:stCondLst>
+                      <p:childTnLst>
+                        <p:par>
+                          <p:cTn id="8" fill="hold">
+                            <p:stCondLst>
+                              <p:cond delay="0"/>
+                            </p:stCondLst>
+                            <p:childTnLst>
+                              <p:par>
+                                <p:cTn id="9" presetID="1" presetClass="entr" presetSubtype="0" fill="hold" nodeType="clickEffect">
+                                  <p:stCondLst>
+                                    <p:cond delay="0"/>
+                                  </p:stCondLst>
+                                  <p:childTnLst>
+                                    <p:set>
+                                      <p:cBhvr>
+                                        <p:cTn id="10" dur="1" fill="hold">
+                                          <p:stCondLst>
+                                            <p:cond delay="0"/>
+                                          </p:stCondLst>
+                                        </p:cTn>
+                                        <p:tgtEl>
+                                          <p:spTgt spid="3"/>
+                                        </p:tgtEl>
+                                        <p:attrNameLst>
+                                          <p:attrName>style.visibility</p:attrName>
+                                        </p:attrNameLst>
+                                      </p:cBhvr>
+                                      <p:to>
+                                        <p:strVal val="visible"/>
+                                      </p:to>
+                                    </p:set>
+                                  </p:childTnLst>
+                                </p:cTn>
+                              </p:par>
+                            </p:childTnLst>
+                          </p:cTn>
+                        </p:par>
+                      </p:childTnLst>
+                    </p:cTn>
+                  </p:par>
+                </p:childTnLst>
+              </p:cTn>
+              <p:prevCondLst>
+                <p:cond evt="onPrev" delay="0">
+                  <p:tgtEl>
+                    <p:sldTgt/>
+                  </p:tgtEl>
+                </p:cond>
+              </p:prevCondLst>
+              <p:nextCondLst>
+                <p:cond evt="onNext" delay="0">
+                  <p:tgtEl>
+                    <p:sldTgt/>
+                  </p:tgtEl>
+                </p:cond>
+              </p:nextCondLst>
+            </p:seq>
+          </p:childTnLst>
+        </p:cTn>
+      </p:par>
+    </p:tnLst>
+  </p:timing>
 </p:sld>
 </file>
 
 <file path=ppt/slides/slide8.xml><?xml version="1.0" encoding="utf-8"?>
-<p:sld xmlns:a="http://schemas.openxmlformats.org/drawingml/2006/main" xmlns:r="http://schemas.openxmlformats.org/officeDocument/2006/relationships" xmlns:p="http://schemas.openxmlformats.org/presentationml/2006/main" xmlns:m="http://schemas.openxmlformats.org/officeDocument/2006/math" xmlns:a14="http://schemas.microsoft.com/office/drawing/2010/main" showMasterSp="1" showMasterPhAnim="1">
+<p:sld xmlns:a="http://schemas.openxmlformats.org/drawingml/2006/main" xmlns:r="http://schemas.openxmlformats.org/officeDocument/2006/relationships" xmlns:p="http://schemas.openxmlformats.org/presentationml/2006/main">
   <p:cSld>
     <p:spTree>
       <p:nvGrpSpPr>
@@ -6845,54 +7886,14 @@
               <a:lnSpc>
                 <a:spcPct val="120000"/>
               </a:lnSpc>
-              <a:defRPr cap="all" sz="3000">
+              <a:defRPr sz="3000" cap="all">
                 <a:latin typeface="Proxima Nova Extrabold"/>
                 <a:ea typeface="Proxima Nova Extrabold"/>
                 <a:cs typeface="Proxima Nova Extrabold"/>
                 <a:sym typeface="Proxima Nova Extrabold"/>
               </a:defRPr>
             </a:pPr>
-          </a:p>
-        </p:txBody>
-      </p:sp>
-      <p:sp>
-        <p:nvSpPr>
-          <p:cNvPr id="205" name="Rounded Rectangle"/>
-          <p:cNvSpPr/>
-          <p:nvPr/>
-        </p:nvSpPr>
-        <p:spPr>
-          <a:xfrm>
-            <a:off x="13093177" y="3384668"/>
-            <a:ext cx="9761020" cy="8898465"/>
-          </a:xfrm>
-          <a:prstGeom prst="roundRect">
-            <a:avLst>
-              <a:gd name="adj" fmla="val 11402"/>
-            </a:avLst>
-          </a:prstGeom>
-          <a:solidFill>
-            <a:schemeClr val="accent4"/>
-          </a:solidFill>
-          <a:ln w="12700">
-            <a:miter lim="400000"/>
-          </a:ln>
-        </p:spPr>
-        <p:txBody>
-          <a:bodyPr lIns="50800" tIns="50800" rIns="50800" bIns="50800" anchor="ctr"/>
-          <a:lstStyle/>
-          <a:p>
-            <a:pPr>
-              <a:lnSpc>
-                <a:spcPct val="120000"/>
-              </a:lnSpc>
-              <a:defRPr cap="all" sz="3000">
-                <a:latin typeface="Proxima Nova Extrabold"/>
-                <a:ea typeface="Proxima Nova Extrabold"/>
-                <a:cs typeface="Proxima Nova Extrabold"/>
-                <a:sym typeface="Proxima Nova Extrabold"/>
-              </a:defRPr>
-            </a:pPr>
+            <a:endParaRPr/>
           </a:p>
         </p:txBody>
       </p:sp>
@@ -6904,7 +7905,7 @@
         </p:nvSpPr>
         <p:spPr>
           <a:xfrm>
-            <a:off x="3902322" y="4157917"/>
+            <a:off x="3902322" y="4262265"/>
             <a:ext cx="6020688" cy="3302001"/>
           </a:xfrm>
           <a:prstGeom prst="rect">
@@ -6915,7 +7916,7 @@
           </a:ln>
           <a:extLst>
             <a:ext uri="{C572A759-6A51-4108-AA02-DFA0A04FC94B}">
-              <ma14:wrappingTextBoxFlag xmlns:ma14="http://schemas.microsoft.com/office/mac/drawingml/2011/main" val="1"/>
+              <ma14:wrappingTextBoxFlag xmlns:ma14="http://schemas.microsoft.com/office/mac/drawingml/2011/main" xmlns:a14="http://schemas.microsoft.com/office/drawing/2010/main" xmlns:m="http://schemas.openxmlformats.org/officeDocument/2006/math" xmlns="" val="1"/>
             </a:ext>
           </a:extLst>
         </p:spPr>
@@ -6926,7 +7927,7 @@
           <a:lstStyle/>
           <a:p>
             <a:pPr algn="l">
-              <a:defRPr b="1" sz="5500">
+              <a:defRPr sz="5500" b="1">
                 <a:latin typeface="Courier New"/>
                 <a:ea typeface="Courier New"/>
                 <a:cs typeface="Courier New"/>
@@ -6934,12 +7935,13 @@
               </a:defRPr>
             </a:pPr>
             <a:r>
+              <a:rPr dirty="0"/>
               <a:t>sum = 0</a:t>
             </a:r>
           </a:p>
           <a:p>
             <a:pPr algn="l">
-              <a:defRPr b="1" sz="5500">
+              <a:defRPr sz="5500" b="1">
                 <a:latin typeface="Courier New"/>
                 <a:ea typeface="Courier New"/>
                 <a:cs typeface="Courier New"/>
@@ -6947,12 +7949,13 @@
               </a:defRPr>
             </a:pPr>
             <a:r>
+              <a:rPr dirty="0"/>
               <a:t>while x &gt; 1:</a:t>
             </a:r>
           </a:p>
           <a:p>
             <a:pPr lvl="1" algn="l">
-              <a:defRPr b="1" sz="5500">
+              <a:defRPr sz="5500" b="1">
                 <a:latin typeface="Courier New"/>
                 <a:ea typeface="Courier New"/>
                 <a:cs typeface="Courier New"/>
@@ -6960,12 +7963,13 @@
               </a:defRPr>
             </a:pPr>
             <a:r>
+              <a:rPr dirty="0"/>
               <a:t>sum = sum + x</a:t>
             </a:r>
           </a:p>
           <a:p>
             <a:pPr lvl="1" algn="l">
-              <a:defRPr b="1" sz="5500">
+              <a:defRPr sz="5500" b="1">
                 <a:latin typeface="Courier New"/>
                 <a:ea typeface="Courier New"/>
                 <a:cs typeface="Courier New"/>
@@ -6973,6 +7977,7 @@
               </a:defRPr>
             </a:pPr>
             <a:r>
+              <a:rPr dirty="0"/>
               <a:t>x = x - 1 </a:t>
             </a:r>
           </a:p>
@@ -6997,7 +8002,7 @@
           </a:ln>
           <a:extLst>
             <a:ext uri="{C572A759-6A51-4108-AA02-DFA0A04FC94B}">
-              <ma14:wrappingTextBoxFlag xmlns:ma14="http://schemas.microsoft.com/office/mac/drawingml/2011/main" val="1"/>
+              <ma14:wrappingTextBoxFlag xmlns:ma14="http://schemas.microsoft.com/office/mac/drawingml/2011/main" xmlns:a14="http://schemas.microsoft.com/office/drawing/2010/main" xmlns:m="http://schemas.openxmlformats.org/officeDocument/2006/math" xmlns="" val="1"/>
             </a:ext>
           </a:extLst>
         </p:spPr>
@@ -7008,7 +8013,7 @@
           <a:lstStyle/>
           <a:p>
             <a:pPr algn="l">
-              <a:defRPr b="1" sz="4300">
+              <a:defRPr sz="4300" b="1">
                 <a:latin typeface="Courier New"/>
                 <a:ea typeface="Courier New"/>
                 <a:cs typeface="Courier New"/>
@@ -7021,7 +8026,7 @@
           </a:p>
           <a:p>
             <a:pPr algn="l">
-              <a:defRPr b="1" sz="4300">
+              <a:defRPr sz="4300" b="1">
                 <a:latin typeface="Courier New"/>
                 <a:ea typeface="Courier New"/>
                 <a:cs typeface="Courier New"/>
@@ -7034,7 +8039,7 @@
           </a:p>
           <a:p>
             <a:pPr algn="l">
-              <a:defRPr b="1" sz="4300">
+              <a:defRPr sz="4300" b="1">
                 <a:latin typeface="Courier New"/>
                 <a:ea typeface="Courier New"/>
                 <a:cs typeface="Courier New"/>
@@ -7050,7 +8055,9 @@
       <p:sp>
         <p:nvSpPr>
           <p:cNvPr id="208" name="Your Turn"/>
-          <p:cNvSpPr txBox="1"/>
+          <p:cNvSpPr txBox="1">
+            <a:spLocks noGrp="1"/>
+          </p:cNvSpPr>
           <p:nvPr>
             <p:ph type="title"/>
           </p:nvPr>
@@ -7064,171 +8071,327 @@
           <a:bodyPr/>
           <a:lstStyle/>
           <a:p>
-            <a:pPr/>
             <a:r>
+              <a:rPr b="1" dirty="0"/>
               <a:t>Your Turn</a:t>
             </a:r>
           </a:p>
         </p:txBody>
       </p:sp>
-      <p:sp>
-        <p:nvSpPr>
-          <p:cNvPr id="209" name="MOV R1, #0…"/>
-          <p:cNvSpPr txBox="1"/>
+      <p:grpSp>
+        <p:nvGrpSpPr>
+          <p:cNvPr id="2" name="Group 1">
+            <a:extLst>
+              <a:ext uri="{FF2B5EF4-FFF2-40B4-BE49-F238E27FC236}">
+                <a16:creationId xmlns:a16="http://schemas.microsoft.com/office/drawing/2014/main" id="{793913CE-0CF4-8D50-6884-E738003A2CB9}"/>
+              </a:ext>
+            </a:extLst>
+          </p:cNvPr>
+          <p:cNvGrpSpPr/>
           <p:nvPr/>
-        </p:nvSpPr>
-        <p:spPr>
+        </p:nvGrpSpPr>
+        <p:grpSpPr>
           <a:xfrm>
-            <a:off x="14753759" y="4182650"/>
-            <a:ext cx="6439856" cy="7302501"/>
+            <a:off x="13093177" y="3384668"/>
+            <a:ext cx="9761020" cy="8898465"/>
+            <a:chOff x="13093177" y="3384668"/>
+            <a:chExt cx="9761020" cy="8898465"/>
           </a:xfrm>
-          <a:prstGeom prst="rect">
-            <a:avLst/>
-          </a:prstGeom>
-          <a:ln w="12700">
-            <a:miter lim="400000"/>
-          </a:ln>
-          <a:extLst>
-            <a:ext uri="{C572A759-6A51-4108-AA02-DFA0A04FC94B}">
-              <ma14:wrappingTextBoxFlag xmlns:ma14="http://schemas.microsoft.com/office/mac/drawingml/2011/main" val="1"/>
-            </a:ext>
-          </a:extLst>
-        </p:spPr>
-        <p:txBody>
-          <a:bodyPr wrap="none" lIns="50800" tIns="50800" rIns="50800" bIns="50800" anchor="ctr">
-            <a:spAutoFit/>
-          </a:bodyPr>
-          <a:lstStyle/>
-          <a:p>
-            <a:pPr lvl="1" algn="l">
-              <a:defRPr b="1" sz="5500">
-                <a:latin typeface="Courier New"/>
-                <a:ea typeface="Courier New"/>
-                <a:cs typeface="Courier New"/>
-                <a:sym typeface="Courier New"/>
-              </a:defRPr>
-            </a:pPr>
-            <a:r>
-              <a:t>MOV R1, #0</a:t>
-            </a:r>
-          </a:p>
-          <a:p>
-            <a:pPr lvl="1" algn="l">
-              <a:defRPr b="1" sz="5500">
-                <a:latin typeface="Courier New"/>
-                <a:ea typeface="Courier New"/>
-                <a:cs typeface="Courier New"/>
-                <a:sym typeface="Courier New"/>
-              </a:defRPr>
-            </a:pPr>
-            <a:r>
-              <a:t>B test</a:t>
-            </a:r>
-          </a:p>
-          <a:p>
-            <a:pPr algn="l">
-              <a:defRPr b="1" sz="5500">
-                <a:latin typeface="Courier New"/>
-                <a:ea typeface="Courier New"/>
-                <a:cs typeface="Courier New"/>
-                <a:sym typeface="Courier New"/>
-              </a:defRPr>
-            </a:pPr>
-            <a:r>
-              <a:t>loop_top:</a:t>
-            </a:r>
-          </a:p>
-          <a:p>
-            <a:pPr lvl="1" algn="l">
-              <a:defRPr b="1" sz="5500">
-                <a:latin typeface="Courier New"/>
-                <a:ea typeface="Courier New"/>
-                <a:cs typeface="Courier New"/>
-                <a:sym typeface="Courier New"/>
-              </a:defRPr>
-            </a:pPr>
-            <a:r>
-              <a:t>ADD R1, R1, R0</a:t>
-            </a:r>
-          </a:p>
-          <a:p>
-            <a:pPr lvl="1" algn="l">
-              <a:defRPr b="1" sz="5500">
-                <a:latin typeface="Courier New"/>
-                <a:ea typeface="Courier New"/>
-                <a:cs typeface="Courier New"/>
-                <a:sym typeface="Courier New"/>
-              </a:defRPr>
-            </a:pPr>
-            <a:r>
-              <a:t>SUB R1, R1, #1</a:t>
-            </a:r>
-          </a:p>
-          <a:p>
-            <a:pPr algn="l">
-              <a:defRPr b="1" sz="5500">
-                <a:latin typeface="Courier New"/>
-                <a:ea typeface="Courier New"/>
-                <a:cs typeface="Courier New"/>
-                <a:sym typeface="Courier New"/>
-              </a:defRPr>
-            </a:pPr>
-            <a:r>
-              <a:t>test:</a:t>
-            </a:r>
-          </a:p>
-          <a:p>
-            <a:pPr lvl="1" algn="l">
-              <a:defRPr b="1" sz="5500">
-                <a:latin typeface="Courier New"/>
-                <a:ea typeface="Courier New"/>
-                <a:cs typeface="Courier New"/>
-                <a:sym typeface="Courier New"/>
-              </a:defRPr>
-            </a:pPr>
-            <a:r>
-              <a:t>CMP R1, #1</a:t>
-            </a:r>
-          </a:p>
-          <a:p>
-            <a:pPr lvl="1" algn="l">
-              <a:defRPr b="1" sz="5500">
-                <a:latin typeface="Courier New"/>
-                <a:ea typeface="Courier New"/>
-                <a:cs typeface="Courier New"/>
-                <a:sym typeface="Courier New"/>
-              </a:defRPr>
-            </a:pPr>
-            <a:r>
-              <a:t>BLT loopTop</a:t>
-            </a:r>
-          </a:p>
-          <a:p>
-            <a:pPr lvl="1" algn="l">
-              <a:defRPr b="1" sz="5500">
-                <a:latin typeface="Courier New"/>
-                <a:ea typeface="Courier New"/>
-                <a:cs typeface="Courier New"/>
-                <a:sym typeface="Courier New"/>
-              </a:defRPr>
-            </a:pPr>
-            <a:r>
-              <a:t>HALT</a:t>
-            </a:r>
-          </a:p>
-        </p:txBody>
-      </p:sp>
+        </p:grpSpPr>
+        <p:sp>
+          <p:nvSpPr>
+            <p:cNvPr id="205" name="Rounded Rectangle"/>
+            <p:cNvSpPr/>
+            <p:nvPr/>
+          </p:nvSpPr>
+          <p:spPr>
+            <a:xfrm>
+              <a:off x="13093177" y="3384668"/>
+              <a:ext cx="9761020" cy="8898465"/>
+            </a:xfrm>
+            <a:prstGeom prst="roundRect">
+              <a:avLst>
+                <a:gd name="adj" fmla="val 11402"/>
+              </a:avLst>
+            </a:prstGeom>
+            <a:solidFill>
+              <a:schemeClr val="accent4"/>
+            </a:solidFill>
+            <a:ln w="12700">
+              <a:miter lim="400000"/>
+            </a:ln>
+          </p:spPr>
+          <p:txBody>
+            <a:bodyPr lIns="50800" tIns="50800" rIns="50800" bIns="50800" anchor="ctr"/>
+            <a:lstStyle/>
+            <a:p>
+              <a:pPr>
+                <a:lnSpc>
+                  <a:spcPct val="120000"/>
+                </a:lnSpc>
+                <a:defRPr sz="3000" cap="all">
+                  <a:latin typeface="Proxima Nova Extrabold"/>
+                  <a:ea typeface="Proxima Nova Extrabold"/>
+                  <a:cs typeface="Proxima Nova Extrabold"/>
+                  <a:sym typeface="Proxima Nova Extrabold"/>
+                </a:defRPr>
+              </a:pPr>
+              <a:endParaRPr/>
+            </a:p>
+          </p:txBody>
+        </p:sp>
+        <p:sp>
+          <p:nvSpPr>
+            <p:cNvPr id="209" name="MOV R1, #0…"/>
+            <p:cNvSpPr txBox="1"/>
+            <p:nvPr/>
+          </p:nvSpPr>
+          <p:spPr>
+            <a:xfrm>
+              <a:off x="14753759" y="4182649"/>
+              <a:ext cx="6439856" cy="7302501"/>
+            </a:xfrm>
+            <a:prstGeom prst="rect">
+              <a:avLst/>
+            </a:prstGeom>
+            <a:ln w="12700">
+              <a:miter lim="400000"/>
+            </a:ln>
+            <a:extLst>
+              <a:ext uri="{C572A759-6A51-4108-AA02-DFA0A04FC94B}">
+                <ma14:wrappingTextBoxFlag xmlns:ma14="http://schemas.microsoft.com/office/mac/drawingml/2011/main" xmlns:a14="http://schemas.microsoft.com/office/drawing/2010/main" xmlns:m="http://schemas.openxmlformats.org/officeDocument/2006/math" xmlns="" val="1"/>
+              </a:ext>
+            </a:extLst>
+          </p:spPr>
+          <p:txBody>
+            <a:bodyPr wrap="none" lIns="50800" tIns="50800" rIns="50800" bIns="50800" anchor="ctr">
+              <a:spAutoFit/>
+            </a:bodyPr>
+            <a:lstStyle/>
+            <a:p>
+              <a:pPr lvl="1" algn="l">
+                <a:defRPr sz="5500" b="1">
+                  <a:latin typeface="Courier New"/>
+                  <a:ea typeface="Courier New"/>
+                  <a:cs typeface="Courier New"/>
+                  <a:sym typeface="Courier New"/>
+                </a:defRPr>
+              </a:pPr>
+              <a:r>
+                <a:rPr dirty="0"/>
+                <a:t>MOV R1, #0</a:t>
+              </a:r>
+            </a:p>
+            <a:p>
+              <a:pPr lvl="1" algn="l">
+                <a:defRPr sz="5500" b="1">
+                  <a:latin typeface="Courier New"/>
+                  <a:ea typeface="Courier New"/>
+                  <a:cs typeface="Courier New"/>
+                  <a:sym typeface="Courier New"/>
+                </a:defRPr>
+              </a:pPr>
+              <a:r>
+                <a:rPr dirty="0"/>
+                <a:t>B test</a:t>
+              </a:r>
+            </a:p>
+            <a:p>
+              <a:pPr algn="l">
+                <a:defRPr sz="5500" b="1">
+                  <a:latin typeface="Courier New"/>
+                  <a:ea typeface="Courier New"/>
+                  <a:cs typeface="Courier New"/>
+                  <a:sym typeface="Courier New"/>
+                </a:defRPr>
+              </a:pPr>
+              <a:r>
+                <a:rPr dirty="0" err="1"/>
+                <a:t>loop_top</a:t>
+              </a:r>
+              <a:r>
+                <a:rPr dirty="0"/>
+                <a:t>:</a:t>
+              </a:r>
+            </a:p>
+            <a:p>
+              <a:pPr lvl="1" algn="l">
+                <a:defRPr sz="5500" b="1">
+                  <a:latin typeface="Courier New"/>
+                  <a:ea typeface="Courier New"/>
+                  <a:cs typeface="Courier New"/>
+                  <a:sym typeface="Courier New"/>
+                </a:defRPr>
+              </a:pPr>
+              <a:r>
+                <a:rPr dirty="0"/>
+                <a:t>ADD R1, R1, R0</a:t>
+              </a:r>
+            </a:p>
+            <a:p>
+              <a:pPr lvl="1" algn="l">
+                <a:defRPr sz="5500" b="1">
+                  <a:latin typeface="Courier New"/>
+                  <a:ea typeface="Courier New"/>
+                  <a:cs typeface="Courier New"/>
+                  <a:sym typeface="Courier New"/>
+                </a:defRPr>
+              </a:pPr>
+              <a:r>
+                <a:rPr dirty="0"/>
+                <a:t>SUB R1, R1, #1</a:t>
+              </a:r>
+            </a:p>
+            <a:p>
+              <a:pPr algn="l">
+                <a:defRPr sz="5500" b="1">
+                  <a:latin typeface="Courier New"/>
+                  <a:ea typeface="Courier New"/>
+                  <a:cs typeface="Courier New"/>
+                  <a:sym typeface="Courier New"/>
+                </a:defRPr>
+              </a:pPr>
+              <a:r>
+                <a:rPr dirty="0"/>
+                <a:t>test:</a:t>
+              </a:r>
+            </a:p>
+            <a:p>
+              <a:pPr lvl="1" algn="l">
+                <a:defRPr sz="5500" b="1">
+                  <a:latin typeface="Courier New"/>
+                  <a:ea typeface="Courier New"/>
+                  <a:cs typeface="Courier New"/>
+                  <a:sym typeface="Courier New"/>
+                </a:defRPr>
+              </a:pPr>
+              <a:r>
+                <a:rPr dirty="0"/>
+                <a:t>CMP R1, #1</a:t>
+              </a:r>
+            </a:p>
+            <a:p>
+              <a:pPr lvl="1" algn="l">
+                <a:defRPr sz="5500" b="1">
+                  <a:latin typeface="Courier New"/>
+                  <a:ea typeface="Courier New"/>
+                  <a:cs typeface="Courier New"/>
+                  <a:sym typeface="Courier New"/>
+                </a:defRPr>
+              </a:pPr>
+              <a:r>
+                <a:rPr dirty="0"/>
+                <a:t>BLT </a:t>
+              </a:r>
+              <a:r>
+                <a:rPr dirty="0" err="1"/>
+                <a:t>loopTop</a:t>
+              </a:r>
+              <a:endParaRPr dirty="0"/>
+            </a:p>
+            <a:p>
+              <a:pPr lvl="1" algn="l">
+                <a:defRPr sz="5500" b="1">
+                  <a:latin typeface="Courier New"/>
+                  <a:ea typeface="Courier New"/>
+                  <a:cs typeface="Courier New"/>
+                  <a:sym typeface="Courier New"/>
+                </a:defRPr>
+              </a:pPr>
+              <a:r>
+                <a:rPr dirty="0"/>
+                <a:t>HALT</a:t>
+              </a:r>
+            </a:p>
+          </p:txBody>
+        </p:sp>
+      </p:grpSp>
     </p:spTree>
   </p:cSld>
   <p:clrMapOvr>
     <a:masterClrMapping/>
   </p:clrMapOvr>
-  <p:transition xmlns:p14="http://schemas.microsoft.com/office/powerpoint/2010/main" spd="med" advClick="1"/>
+  <p:transition spd="med"/>
+  <p:timing>
+    <p:tnLst>
+      <p:par>
+        <p:cTn id="1" dur="indefinite" restart="never" nodeType="tmRoot">
+          <p:childTnLst>
+            <p:seq concurrent="1" nextAc="seek">
+              <p:cTn id="2" dur="indefinite" nodeType="mainSeq">
+                <p:childTnLst>
+                  <p:par>
+                    <p:cTn id="3" fill="hold">
+                      <p:stCondLst>
+                        <p:cond delay="indefinite"/>
+                      </p:stCondLst>
+                      <p:childTnLst>
+                        <p:par>
+                          <p:cTn id="4" fill="hold">
+                            <p:stCondLst>
+                              <p:cond delay="0"/>
+                            </p:stCondLst>
+                            <p:childTnLst>
+                              <p:par>
+                                <p:cTn id="5" presetID="1" presetClass="entr" presetSubtype="0" fill="hold" nodeType="clickEffect">
+                                  <p:stCondLst>
+                                    <p:cond delay="0"/>
+                                  </p:stCondLst>
+                                  <p:childTnLst>
+                                    <p:set>
+                                      <p:cBhvr>
+                                        <p:cTn id="6" dur="1" fill="hold">
+                                          <p:stCondLst>
+                                            <p:cond delay="0"/>
+                                          </p:stCondLst>
+                                        </p:cTn>
+                                        <p:tgtEl>
+                                          <p:spTgt spid="2"/>
+                                        </p:tgtEl>
+                                        <p:attrNameLst>
+                                          <p:attrName>style.visibility</p:attrName>
+                                        </p:attrNameLst>
+                                      </p:cBhvr>
+                                      <p:to>
+                                        <p:strVal val="visible"/>
+                                      </p:to>
+                                    </p:set>
+                                  </p:childTnLst>
+                                </p:cTn>
+                              </p:par>
+                            </p:childTnLst>
+                          </p:cTn>
+                        </p:par>
+                      </p:childTnLst>
+                    </p:cTn>
+                  </p:par>
+                </p:childTnLst>
+              </p:cTn>
+              <p:prevCondLst>
+                <p:cond evt="onPrev" delay="0">
+                  <p:tgtEl>
+                    <p:sldTgt/>
+                  </p:tgtEl>
+                </p:cond>
+              </p:prevCondLst>
+              <p:nextCondLst>
+                <p:cond evt="onNext" delay="0">
+                  <p:tgtEl>
+                    <p:sldTgt/>
+                  </p:tgtEl>
+                </p:cond>
+              </p:nextCondLst>
+            </p:seq>
+          </p:childTnLst>
+        </p:cTn>
+      </p:par>
+    </p:tnLst>
+  </p:timing>
 </p:sld>
 </file>
 
 <file path=ppt/slides/slide9.xml><?xml version="1.0" encoding="utf-8"?>
-<p:sld xmlns:a="http://schemas.openxmlformats.org/drawingml/2006/main" xmlns:r="http://schemas.openxmlformats.org/officeDocument/2006/relationships" xmlns:p="http://schemas.openxmlformats.org/presentationml/2006/main" xmlns:m="http://schemas.openxmlformats.org/officeDocument/2006/math" xmlns:a14="http://schemas.microsoft.com/office/drawing/2010/main" showMasterSp="1" showMasterPhAnim="1">
+<p:sld xmlns:a="http://schemas.openxmlformats.org/drawingml/2006/main" xmlns:r="http://schemas.openxmlformats.org/officeDocument/2006/relationships" xmlns:p="http://schemas.openxmlformats.org/presentationml/2006/main">
   <p:cSld>
     <p:spTree>
       <p:nvGrpSpPr>
@@ -7247,7 +8410,9 @@
       <p:sp>
         <p:nvSpPr>
           <p:cNvPr id="213" name="Your exam"/>
-          <p:cNvSpPr txBox="1"/>
+          <p:cNvSpPr txBox="1">
+            <a:spLocks noGrp="1"/>
+          </p:cNvSpPr>
           <p:nvPr>
             <p:ph type="title"/>
           </p:nvPr>
@@ -7261,8 +8426,8 @@
           <a:bodyPr/>
           <a:lstStyle/>
           <a:p>
-            <a:pPr/>
             <a:r>
+              <a:rPr b="1" dirty="0"/>
               <a:t>Your exam</a:t>
             </a:r>
           </a:p>
@@ -7271,7 +8436,9 @@
       <p:sp>
         <p:nvSpPr>
           <p:cNvPr id="214" name="Types of Question:…"/>
-          <p:cNvSpPr txBox="1"/>
+          <p:cNvSpPr txBox="1">
+            <a:spLocks noGrp="1"/>
+          </p:cNvSpPr>
           <p:nvPr>
             <p:ph type="body" sz="half" idx="1"/>
           </p:nvPr>
@@ -7289,26 +8456,26 @@
           <a:bodyPr/>
           <a:lstStyle/>
           <a:p>
-            <a:pPr/>
             <a:r>
+              <a:rPr dirty="0"/>
               <a:t>Types of Question:</a:t>
             </a:r>
           </a:p>
           <a:p>
-            <a:pPr/>
             <a:r>
+              <a:rPr dirty="0"/>
               <a:t>- Values in Registers + Tracing.</a:t>
             </a:r>
           </a:p>
           <a:p>
-            <a:pPr/>
             <a:r>
+              <a:rPr dirty="0"/>
               <a:t>- Write small assembly programs.</a:t>
             </a:r>
           </a:p>
           <a:p>
-            <a:pPr/>
             <a:r>
+              <a:rPr dirty="0"/>
               <a:t>- Operand vs Opcode.</a:t>
             </a:r>
           </a:p>
@@ -7323,9 +8490,7 @@
           <p:nvPr/>
         </p:nvPicPr>
         <p:blipFill>
-          <a:blip r:embed="rId2">
-            <a:extLst/>
-          </a:blip>
+          <a:blip r:embed="rId2"/>
           <a:stretch>
             <a:fillRect/>
           </a:stretch>
@@ -7348,12 +8513,192 @@
   <p:clrMapOvr>
     <a:masterClrMapping/>
   </p:clrMapOvr>
-  <p:transition xmlns:p14="http://schemas.microsoft.com/office/powerpoint/2010/main" spd="med" advClick="1"/>
+  <p:transition spd="med"/>
+  <p:timing>
+    <p:tnLst>
+      <p:par>
+        <p:cTn id="1" dur="indefinite" restart="never" nodeType="tmRoot">
+          <p:childTnLst>
+            <p:seq concurrent="1" nextAc="seek">
+              <p:cTn id="2" dur="indefinite" nodeType="mainSeq">
+                <p:childTnLst>
+                  <p:par>
+                    <p:cTn id="3" fill="hold">
+                      <p:stCondLst>
+                        <p:cond delay="indefinite"/>
+                      </p:stCondLst>
+                      <p:childTnLst>
+                        <p:par>
+                          <p:cTn id="4" fill="hold">
+                            <p:stCondLst>
+                              <p:cond delay="0"/>
+                            </p:stCondLst>
+                            <p:childTnLst>
+                              <p:par>
+                                <p:cTn id="5" presetID="1" presetClass="entr" presetSubtype="0" fill="hold" grpId="0" nodeType="clickEffect">
+                                  <p:stCondLst>
+                                    <p:cond delay="0"/>
+                                  </p:stCondLst>
+                                  <p:childTnLst>
+                                    <p:set>
+                                      <p:cBhvr>
+                                        <p:cTn id="6" dur="1" fill="hold">
+                                          <p:stCondLst>
+                                            <p:cond delay="0"/>
+                                          </p:stCondLst>
+                                        </p:cTn>
+                                        <p:tgtEl>
+                                          <p:spTgt spid="214">
+                                            <p:txEl>
+                                              <p:pRg st="1" end="1"/>
+                                            </p:txEl>
+                                          </p:spTgt>
+                                        </p:tgtEl>
+                                        <p:attrNameLst>
+                                          <p:attrName>style.visibility</p:attrName>
+                                        </p:attrNameLst>
+                                      </p:cBhvr>
+                                      <p:to>
+                                        <p:strVal val="visible"/>
+                                      </p:to>
+                                    </p:set>
+                                  </p:childTnLst>
+                                </p:cTn>
+                              </p:par>
+                            </p:childTnLst>
+                          </p:cTn>
+                        </p:par>
+                      </p:childTnLst>
+                    </p:cTn>
+                  </p:par>
+                  <p:par>
+                    <p:cTn id="7" fill="hold">
+                      <p:stCondLst>
+                        <p:cond delay="indefinite"/>
+                      </p:stCondLst>
+                      <p:childTnLst>
+                        <p:par>
+                          <p:cTn id="8" fill="hold">
+                            <p:stCondLst>
+                              <p:cond delay="0"/>
+                            </p:stCondLst>
+                            <p:childTnLst>
+                              <p:par>
+                                <p:cTn id="9" presetID="1" presetClass="entr" presetSubtype="0" fill="hold" grpId="0" nodeType="clickEffect">
+                                  <p:stCondLst>
+                                    <p:cond delay="0"/>
+                                  </p:stCondLst>
+                                  <p:childTnLst>
+                                    <p:set>
+                                      <p:cBhvr>
+                                        <p:cTn id="10" dur="1" fill="hold">
+                                          <p:stCondLst>
+                                            <p:cond delay="0"/>
+                                          </p:stCondLst>
+                                        </p:cTn>
+                                        <p:tgtEl>
+                                          <p:spTgt spid="214">
+                                            <p:txEl>
+                                              <p:pRg st="2" end="2"/>
+                                            </p:txEl>
+                                          </p:spTgt>
+                                        </p:tgtEl>
+                                        <p:attrNameLst>
+                                          <p:attrName>style.visibility</p:attrName>
+                                        </p:attrNameLst>
+                                      </p:cBhvr>
+                                      <p:to>
+                                        <p:strVal val="visible"/>
+                                      </p:to>
+                                    </p:set>
+                                  </p:childTnLst>
+                                </p:cTn>
+                              </p:par>
+                            </p:childTnLst>
+                          </p:cTn>
+                        </p:par>
+                      </p:childTnLst>
+                    </p:cTn>
+                  </p:par>
+                  <p:par>
+                    <p:cTn id="11" fill="hold">
+                      <p:stCondLst>
+                        <p:cond delay="indefinite"/>
+                      </p:stCondLst>
+                      <p:childTnLst>
+                        <p:par>
+                          <p:cTn id="12" fill="hold">
+                            <p:stCondLst>
+                              <p:cond delay="0"/>
+                            </p:stCondLst>
+                            <p:childTnLst>
+                              <p:par>
+                                <p:cTn id="13" presetID="1" presetClass="entr" presetSubtype="0" fill="hold" grpId="0" nodeType="clickEffect">
+                                  <p:stCondLst>
+                                    <p:cond delay="0"/>
+                                  </p:stCondLst>
+                                  <p:childTnLst>
+                                    <p:set>
+                                      <p:cBhvr>
+                                        <p:cTn id="14" dur="1" fill="hold">
+                                          <p:stCondLst>
+                                            <p:cond delay="0"/>
+                                          </p:stCondLst>
+                                        </p:cTn>
+                                        <p:tgtEl>
+                                          <p:spTgt spid="214">
+                                            <p:txEl>
+                                              <p:pRg st="3" end="3"/>
+                                            </p:txEl>
+                                          </p:spTgt>
+                                        </p:tgtEl>
+                                        <p:attrNameLst>
+                                          <p:attrName>style.visibility</p:attrName>
+                                        </p:attrNameLst>
+                                      </p:cBhvr>
+                                      <p:to>
+                                        <p:strVal val="visible"/>
+                                      </p:to>
+                                    </p:set>
+                                  </p:childTnLst>
+                                </p:cTn>
+                              </p:par>
+                            </p:childTnLst>
+                          </p:cTn>
+                        </p:par>
+                      </p:childTnLst>
+                    </p:cTn>
+                  </p:par>
+                </p:childTnLst>
+              </p:cTn>
+              <p:prevCondLst>
+                <p:cond evt="onPrev" delay="0">
+                  <p:tgtEl>
+                    <p:sldTgt/>
+                  </p:tgtEl>
+                </p:cond>
+              </p:prevCondLst>
+              <p:nextCondLst>
+                <p:cond evt="onNext" delay="0">
+                  <p:tgtEl>
+                    <p:sldTgt/>
+                  </p:tgtEl>
+                </p:cond>
+              </p:nextCondLst>
+            </p:seq>
+          </p:childTnLst>
+        </p:cTn>
+      </p:par>
+    </p:tnLst>
+    <p:bldLst>
+      <p:bldP spid="214" grpId="0" uiExpand="1" build="p"/>
+    </p:bldLst>
+  </p:timing>
 </p:sld>
 </file>
 
 <file path=ppt/theme/theme1.xml><?xml version="1.0" encoding="utf-8"?>
-<a:theme xmlns:a="http://schemas.openxmlformats.org/drawingml/2006/main" xmlns:r="http://schemas.openxmlformats.org/officeDocument/2006/relationships" name="25_BoldColor_ISO">
+<a:theme xmlns:a="http://schemas.openxmlformats.org/drawingml/2006/main" name="25_BoldColor_ISO">
   <a:themeElements>
     <a:clrScheme name="25_BoldColor_ISO">
       <a:dk1>
@@ -7552,7 +8897,7 @@
         <a:effectLst/>
         <a:sp3d/>
       </a:spPr>
-      <a:bodyPr rot="0" spcFirstLastPara="1" vertOverflow="overflow" horzOverflow="overflow" vert="horz" wrap="square" lIns="50800" tIns="50800" rIns="50800" bIns="50800" numCol="1" spcCol="38100" rtlCol="0" anchor="ctr" upright="0">
+      <a:bodyPr rot="0" spcFirstLastPara="1" vertOverflow="overflow" horzOverflow="overflow" vert="horz" wrap="square" lIns="50800" tIns="50800" rIns="50800" bIns="50800" numCol="1" spcCol="38100" rtlCol="0" anchor="ctr">
         <a:spAutoFit/>
       </a:bodyPr>
       <a:lstStyle>
@@ -7571,7 +8916,7 @@
           <a:buFontTx/>
           <a:buNone/>
           <a:tabLst/>
-          <a:defRPr b="0" baseline="0" cap="all" i="0" spc="0" strike="noStrike" sz="3000" u="none" kumimoji="0" normalizeH="0">
+          <a:defRPr kumimoji="0" sz="3000" b="0" i="0" u="none" strike="noStrike" cap="all" spc="0" normalizeH="0" baseline="0">
             <a:ln>
               <a:noFill/>
             </a:ln>
@@ -7601,7 +8946,7 @@
           <a:buFontTx/>
           <a:buNone/>
           <a:tabLst/>
-          <a:defRPr b="0" baseline="0" cap="none" i="0" spc="0" strike="noStrike" sz="1800" u="none" kumimoji="0" normalizeH="0">
+          <a:defRPr kumimoji="0" sz="1800" b="0" i="0" u="none" strike="noStrike" cap="none" spc="0" normalizeH="0" baseline="0">
             <a:ln>
               <a:noFill/>
             </a:ln>
@@ -7627,7 +8972,7 @@
           <a:buFontTx/>
           <a:buNone/>
           <a:tabLst/>
-          <a:defRPr b="0" baseline="0" cap="none" i="0" spc="0" strike="noStrike" sz="1800" u="none" kumimoji="0" normalizeH="0">
+          <a:defRPr kumimoji="0" sz="1800" b="0" i="0" u="none" strike="noStrike" cap="none" spc="0" normalizeH="0" baseline="0">
             <a:ln>
               <a:noFill/>
             </a:ln>
@@ -7653,7 +8998,7 @@
           <a:buFontTx/>
           <a:buNone/>
           <a:tabLst/>
-          <a:defRPr b="0" baseline="0" cap="none" i="0" spc="0" strike="noStrike" sz="1800" u="none" kumimoji="0" normalizeH="0">
+          <a:defRPr kumimoji="0" sz="1800" b="0" i="0" u="none" strike="noStrike" cap="none" spc="0" normalizeH="0" baseline="0">
             <a:ln>
               <a:noFill/>
             </a:ln>
@@ -7679,7 +9024,7 @@
           <a:buFontTx/>
           <a:buNone/>
           <a:tabLst/>
-          <a:defRPr b="0" baseline="0" cap="none" i="0" spc="0" strike="noStrike" sz="1800" u="none" kumimoji="0" normalizeH="0">
+          <a:defRPr kumimoji="0" sz="1800" b="0" i="0" u="none" strike="noStrike" cap="none" spc="0" normalizeH="0" baseline="0">
             <a:ln>
               <a:noFill/>
             </a:ln>
@@ -7705,7 +9050,7 @@
           <a:buFontTx/>
           <a:buNone/>
           <a:tabLst/>
-          <a:defRPr b="0" baseline="0" cap="none" i="0" spc="0" strike="noStrike" sz="1800" u="none" kumimoji="0" normalizeH="0">
+          <a:defRPr kumimoji="0" sz="1800" b="0" i="0" u="none" strike="noStrike" cap="none" spc="0" normalizeH="0" baseline="0">
             <a:ln>
               <a:noFill/>
             </a:ln>
@@ -7731,7 +9076,7 @@
           <a:buFontTx/>
           <a:buNone/>
           <a:tabLst/>
-          <a:defRPr b="0" baseline="0" cap="none" i="0" spc="0" strike="noStrike" sz="1800" u="none" kumimoji="0" normalizeH="0">
+          <a:defRPr kumimoji="0" sz="1800" b="0" i="0" u="none" strike="noStrike" cap="none" spc="0" normalizeH="0" baseline="0">
             <a:ln>
               <a:noFill/>
             </a:ln>
@@ -7757,7 +9102,7 @@
           <a:buFontTx/>
           <a:buNone/>
           <a:tabLst/>
-          <a:defRPr b="0" baseline="0" cap="none" i="0" spc="0" strike="noStrike" sz="1800" u="none" kumimoji="0" normalizeH="0">
+          <a:defRPr kumimoji="0" sz="1800" b="0" i="0" u="none" strike="noStrike" cap="none" spc="0" normalizeH="0" baseline="0">
             <a:ln>
               <a:noFill/>
             </a:ln>
@@ -7783,7 +9128,7 @@
           <a:buFontTx/>
           <a:buNone/>
           <a:tabLst/>
-          <a:defRPr b="0" baseline="0" cap="none" i="0" spc="0" strike="noStrike" sz="1800" u="none" kumimoji="0" normalizeH="0">
+          <a:defRPr kumimoji="0" sz="1800" b="0" i="0" u="none" strike="noStrike" cap="none" spc="0" normalizeH="0" baseline="0">
             <a:ln>
               <a:noFill/>
             </a:ln>
@@ -7809,7 +9154,7 @@
           <a:buFontTx/>
           <a:buNone/>
           <a:tabLst/>
-          <a:defRPr b="0" baseline="0" cap="none" i="0" spc="0" strike="noStrike" sz="1800" u="none" kumimoji="0" normalizeH="0">
+          <a:defRPr kumimoji="0" sz="1800" b="0" i="0" u="none" strike="noStrike" cap="none" spc="0" normalizeH="0" baseline="0">
             <a:ln>
               <a:noFill/>
             </a:ln>
@@ -7822,9 +9167,15 @@
         </a:lvl9pPr>
       </a:lstStyle>
       <a:style>
-        <a:lnRef idx="0"/>
-        <a:fillRef idx="0"/>
-        <a:effectRef idx="0"/>
+        <a:lnRef idx="0">
+          <a:scrgbClr r="0" g="0" b="0"/>
+        </a:lnRef>
+        <a:fillRef idx="0">
+          <a:scrgbClr r="0" g="0" b="0"/>
+        </a:fillRef>
+        <a:effectRef idx="0">
+          <a:scrgbClr r="0" g="0" b="0"/>
+        </a:effectRef>
         <a:fontRef idx="none"/>
       </a:style>
     </a:spDef>
@@ -7841,7 +9192,7 @@
         <a:effectLst/>
         <a:sp3d/>
       </a:spPr>
-      <a:bodyPr rot="0" spcFirstLastPara="1" vertOverflow="overflow" horzOverflow="overflow" vert="horz" wrap="square" lIns="91439" tIns="45719" rIns="91439" bIns="45719" numCol="1" spcCol="38100" rtlCol="0" anchor="t" upright="0">
+      <a:bodyPr rot="0" spcFirstLastPara="1" vertOverflow="overflow" horzOverflow="overflow" vert="horz" wrap="square" lIns="91439" tIns="45719" rIns="91439" bIns="45719" numCol="1" spcCol="38100" rtlCol="0" anchor="t">
         <a:noAutofit/>
       </a:bodyPr>
       <a:lstStyle>
@@ -7860,7 +9211,7 @@
           <a:buFontTx/>
           <a:buNone/>
           <a:tabLst/>
-          <a:defRPr b="0" baseline="0" cap="none" i="0" spc="0" strike="noStrike" sz="1800" u="none" kumimoji="0" normalizeH="0">
+          <a:defRPr kumimoji="0" sz="1800" b="0" i="0" u="none" strike="noStrike" cap="none" spc="0" normalizeH="0" baseline="0">
             <a:ln>
               <a:noFill/>
             </a:ln>
@@ -7886,7 +9237,7 @@
           <a:buFontTx/>
           <a:buNone/>
           <a:tabLst/>
-          <a:defRPr b="0" baseline="0" cap="none" i="0" spc="0" strike="noStrike" sz="1800" u="none" kumimoji="0" normalizeH="0">
+          <a:defRPr kumimoji="0" sz="1800" b="0" i="0" u="none" strike="noStrike" cap="none" spc="0" normalizeH="0" baseline="0">
             <a:ln>
               <a:noFill/>
             </a:ln>
@@ -7912,7 +9263,7 @@
           <a:buFontTx/>
           <a:buNone/>
           <a:tabLst/>
-          <a:defRPr b="0" baseline="0" cap="none" i="0" spc="0" strike="noStrike" sz="1800" u="none" kumimoji="0" normalizeH="0">
+          <a:defRPr kumimoji="0" sz="1800" b="0" i="0" u="none" strike="noStrike" cap="none" spc="0" normalizeH="0" baseline="0">
             <a:ln>
               <a:noFill/>
             </a:ln>
@@ -7938,7 +9289,7 @@
           <a:buFontTx/>
           <a:buNone/>
           <a:tabLst/>
-          <a:defRPr b="0" baseline="0" cap="none" i="0" spc="0" strike="noStrike" sz="1800" u="none" kumimoji="0" normalizeH="0">
+          <a:defRPr kumimoji="0" sz="1800" b="0" i="0" u="none" strike="noStrike" cap="none" spc="0" normalizeH="0" baseline="0">
             <a:ln>
               <a:noFill/>
             </a:ln>
@@ -7964,7 +9315,7 @@
           <a:buFontTx/>
           <a:buNone/>
           <a:tabLst/>
-          <a:defRPr b="0" baseline="0" cap="none" i="0" spc="0" strike="noStrike" sz="1800" u="none" kumimoji="0" normalizeH="0">
+          <a:defRPr kumimoji="0" sz="1800" b="0" i="0" u="none" strike="noStrike" cap="none" spc="0" normalizeH="0" baseline="0">
             <a:ln>
               <a:noFill/>
             </a:ln>
@@ -7990,7 +9341,7 @@
           <a:buFontTx/>
           <a:buNone/>
           <a:tabLst/>
-          <a:defRPr b="0" baseline="0" cap="none" i="0" spc="0" strike="noStrike" sz="1800" u="none" kumimoji="0" normalizeH="0">
+          <a:defRPr kumimoji="0" sz="1800" b="0" i="0" u="none" strike="noStrike" cap="none" spc="0" normalizeH="0" baseline="0">
             <a:ln>
               <a:noFill/>
             </a:ln>
@@ -8016,7 +9367,7 @@
           <a:buFontTx/>
           <a:buNone/>
           <a:tabLst/>
-          <a:defRPr b="0" baseline="0" cap="none" i="0" spc="0" strike="noStrike" sz="1800" u="none" kumimoji="0" normalizeH="0">
+          <a:defRPr kumimoji="0" sz="1800" b="0" i="0" u="none" strike="noStrike" cap="none" spc="0" normalizeH="0" baseline="0">
             <a:ln>
               <a:noFill/>
             </a:ln>
@@ -8042,7 +9393,7 @@
           <a:buFontTx/>
           <a:buNone/>
           <a:tabLst/>
-          <a:defRPr b="0" baseline="0" cap="none" i="0" spc="0" strike="noStrike" sz="1800" u="none" kumimoji="0" normalizeH="0">
+          <a:defRPr kumimoji="0" sz="1800" b="0" i="0" u="none" strike="noStrike" cap="none" spc="0" normalizeH="0" baseline="0">
             <a:ln>
               <a:noFill/>
             </a:ln>
@@ -8068,7 +9419,7 @@
           <a:buFontTx/>
           <a:buNone/>
           <a:tabLst/>
-          <a:defRPr b="0" baseline="0" cap="none" i="0" spc="0" strike="noStrike" sz="1800" u="none" kumimoji="0" normalizeH="0">
+          <a:defRPr kumimoji="0" sz="1800" b="0" i="0" u="none" strike="noStrike" cap="none" spc="0" normalizeH="0" baseline="0">
             <a:ln>
               <a:noFill/>
             </a:ln>
@@ -8094,7 +9445,7 @@
           <a:buFontTx/>
           <a:buNone/>
           <a:tabLst/>
-          <a:defRPr b="0" baseline="0" cap="none" i="0" spc="0" strike="noStrike" sz="1800" u="none" kumimoji="0" normalizeH="0">
+          <a:defRPr kumimoji="0" sz="1800" b="0" i="0" u="none" strike="noStrike" cap="none" spc="0" normalizeH="0" baseline="0">
             <a:ln>
               <a:noFill/>
             </a:ln>
@@ -8107,9 +9458,15 @@
         </a:lvl9pPr>
       </a:lstStyle>
       <a:style>
-        <a:lnRef idx="0"/>
-        <a:fillRef idx="0"/>
-        <a:effectRef idx="0"/>
+        <a:lnRef idx="0">
+          <a:scrgbClr r="0" g="0" b="0"/>
+        </a:lnRef>
+        <a:fillRef idx="0">
+          <a:scrgbClr r="0" g="0" b="0"/>
+        </a:fillRef>
+        <a:effectRef idx="0">
+          <a:scrgbClr r="0" g="0" b="0"/>
+        </a:effectRef>
         <a:fontRef idx="none"/>
       </a:style>
     </a:lnDef>
@@ -8123,7 +9480,7 @@
         <a:effectLst/>
         <a:sp3d/>
       </a:spPr>
-      <a:bodyPr rot="0" spcFirstLastPara="1" vertOverflow="overflow" horzOverflow="overflow" vert="horz" wrap="square" lIns="50800" tIns="50800" rIns="50800" bIns="50800" numCol="1" spcCol="38100" rtlCol="0" anchor="ctr" upright="0">
+      <a:bodyPr rot="0" spcFirstLastPara="1" vertOverflow="overflow" horzOverflow="overflow" vert="horz" wrap="square" lIns="50800" tIns="50800" rIns="50800" bIns="50800" numCol="1" spcCol="38100" rtlCol="0" anchor="ctr">
         <a:spAutoFit/>
       </a:bodyPr>
       <a:lstStyle>
@@ -8142,7 +9499,7 @@
           <a:buFontTx/>
           <a:buNone/>
           <a:tabLst/>
-          <a:defRPr b="0" baseline="0" cap="none" i="0" spc="0" strike="noStrike" sz="2200" u="none" kumimoji="0" normalizeH="0">
+          <a:defRPr kumimoji="0" sz="2200" b="0" i="0" u="none" strike="noStrike" cap="none" spc="0" normalizeH="0" baseline="0">
             <a:ln>
               <a:noFill/>
             </a:ln>
@@ -8172,7 +9529,7 @@
           <a:buFontTx/>
           <a:buNone/>
           <a:tabLst/>
-          <a:defRPr b="0" baseline="0" cap="none" i="0" spc="0" strike="noStrike" sz="1800" u="none" kumimoji="0" normalizeH="0">
+          <a:defRPr kumimoji="0" sz="1800" b="0" i="0" u="none" strike="noStrike" cap="none" spc="0" normalizeH="0" baseline="0">
             <a:ln>
               <a:noFill/>
             </a:ln>
@@ -8198,7 +9555,7 @@
           <a:buFontTx/>
           <a:buNone/>
           <a:tabLst/>
-          <a:defRPr b="0" baseline="0" cap="none" i="0" spc="0" strike="noStrike" sz="1800" u="none" kumimoji="0" normalizeH="0">
+          <a:defRPr kumimoji="0" sz="1800" b="0" i="0" u="none" strike="noStrike" cap="none" spc="0" normalizeH="0" baseline="0">
             <a:ln>
               <a:noFill/>
             </a:ln>
@@ -8224,7 +9581,7 @@
           <a:buFontTx/>
           <a:buNone/>
           <a:tabLst/>
-          <a:defRPr b="0" baseline="0" cap="none" i="0" spc="0" strike="noStrike" sz="1800" u="none" kumimoji="0" normalizeH="0">
+          <a:defRPr kumimoji="0" sz="1800" b="0" i="0" u="none" strike="noStrike" cap="none" spc="0" normalizeH="0" baseline="0">
             <a:ln>
               <a:noFill/>
             </a:ln>
@@ -8250,7 +9607,7 @@
           <a:buFontTx/>
           <a:buNone/>
           <a:tabLst/>
-          <a:defRPr b="0" baseline="0" cap="none" i="0" spc="0" strike="noStrike" sz="1800" u="none" kumimoji="0" normalizeH="0">
+          <a:defRPr kumimoji="0" sz="1800" b="0" i="0" u="none" strike="noStrike" cap="none" spc="0" normalizeH="0" baseline="0">
             <a:ln>
               <a:noFill/>
             </a:ln>
@@ -8276,7 +9633,7 @@
           <a:buFontTx/>
           <a:buNone/>
           <a:tabLst/>
-          <a:defRPr b="0" baseline="0" cap="none" i="0" spc="0" strike="noStrike" sz="1800" u="none" kumimoji="0" normalizeH="0">
+          <a:defRPr kumimoji="0" sz="1800" b="0" i="0" u="none" strike="noStrike" cap="none" spc="0" normalizeH="0" baseline="0">
             <a:ln>
               <a:noFill/>
             </a:ln>
@@ -8302,7 +9659,7 @@
           <a:buFontTx/>
           <a:buNone/>
           <a:tabLst/>
-          <a:defRPr b="0" baseline="0" cap="none" i="0" spc="0" strike="noStrike" sz="1800" u="none" kumimoji="0" normalizeH="0">
+          <a:defRPr kumimoji="0" sz="1800" b="0" i="0" u="none" strike="noStrike" cap="none" spc="0" normalizeH="0" baseline="0">
             <a:ln>
               <a:noFill/>
             </a:ln>
@@ -8328,7 +9685,7 @@
           <a:buFontTx/>
           <a:buNone/>
           <a:tabLst/>
-          <a:defRPr b="0" baseline="0" cap="none" i="0" spc="0" strike="noStrike" sz="1800" u="none" kumimoji="0" normalizeH="0">
+          <a:defRPr kumimoji="0" sz="1800" b="0" i="0" u="none" strike="noStrike" cap="none" spc="0" normalizeH="0" baseline="0">
             <a:ln>
               <a:noFill/>
             </a:ln>
@@ -8354,7 +9711,7 @@
           <a:buFontTx/>
           <a:buNone/>
           <a:tabLst/>
-          <a:defRPr b="0" baseline="0" cap="none" i="0" spc="0" strike="noStrike" sz="1800" u="none" kumimoji="0" normalizeH="0">
+          <a:defRPr kumimoji="0" sz="1800" b="0" i="0" u="none" strike="noStrike" cap="none" spc="0" normalizeH="0" baseline="0">
             <a:ln>
               <a:noFill/>
             </a:ln>
@@ -8380,7 +9737,7 @@
           <a:buFontTx/>
           <a:buNone/>
           <a:tabLst/>
-          <a:defRPr b="0" baseline="0" cap="none" i="0" spc="0" strike="noStrike" sz="1800" u="none" kumimoji="0" normalizeH="0">
+          <a:defRPr kumimoji="0" sz="1800" b="0" i="0" u="none" strike="noStrike" cap="none" spc="0" normalizeH="0" baseline="0">
             <a:ln>
               <a:noFill/>
             </a:ln>
@@ -8393,18 +9750,25 @@
         </a:lvl9pPr>
       </a:lstStyle>
       <a:style>
-        <a:lnRef idx="0"/>
-        <a:fillRef idx="0"/>
-        <a:effectRef idx="0"/>
+        <a:lnRef idx="0">
+          <a:scrgbClr r="0" g="0" b="0"/>
+        </a:lnRef>
+        <a:fillRef idx="0">
+          <a:scrgbClr r="0" g="0" b="0"/>
+        </a:fillRef>
+        <a:effectRef idx="0">
+          <a:scrgbClr r="0" g="0" b="0"/>
+        </a:effectRef>
         <a:fontRef idx="none"/>
       </a:style>
     </a:txDef>
   </a:objectDefaults>
+  <a:extraClrSchemeLst/>
 </a:theme>
 </file>
 
 <file path=ppt/theme/theme2.xml><?xml version="1.0" encoding="utf-8"?>
-<a:theme xmlns:a="http://schemas.openxmlformats.org/drawingml/2006/main" xmlns:r="http://schemas.openxmlformats.org/officeDocument/2006/relationships" name="25_BoldColor_ISO">
+<a:theme xmlns:a="http://schemas.openxmlformats.org/drawingml/2006/main" name="25_BoldColor_ISO">
   <a:themeElements>
     <a:clrScheme name="25_BoldColor_ISO">
       <a:dk1>
@@ -8603,7 +9967,7 @@
         <a:effectLst/>
         <a:sp3d/>
       </a:spPr>
-      <a:bodyPr rot="0" spcFirstLastPara="1" vertOverflow="overflow" horzOverflow="overflow" vert="horz" wrap="square" lIns="50800" tIns="50800" rIns="50800" bIns="50800" numCol="1" spcCol="38100" rtlCol="0" anchor="ctr" upright="0">
+      <a:bodyPr rot="0" spcFirstLastPara="1" vertOverflow="overflow" horzOverflow="overflow" vert="horz" wrap="square" lIns="50800" tIns="50800" rIns="50800" bIns="50800" numCol="1" spcCol="38100" rtlCol="0" anchor="ctr">
         <a:spAutoFit/>
       </a:bodyPr>
       <a:lstStyle>
@@ -8622,7 +9986,7 @@
           <a:buFontTx/>
           <a:buNone/>
           <a:tabLst/>
-          <a:defRPr b="0" baseline="0" cap="all" i="0" spc="0" strike="noStrike" sz="3000" u="none" kumimoji="0" normalizeH="0">
+          <a:defRPr kumimoji="0" sz="3000" b="0" i="0" u="none" strike="noStrike" cap="all" spc="0" normalizeH="0" baseline="0">
             <a:ln>
               <a:noFill/>
             </a:ln>
@@ -8652,7 +10016,7 @@
           <a:buFontTx/>
           <a:buNone/>
           <a:tabLst/>
-          <a:defRPr b="0" baseline="0" cap="none" i="0" spc="0" strike="noStrike" sz="1800" u="none" kumimoji="0" normalizeH="0">
+          <a:defRPr kumimoji="0" sz="1800" b="0" i="0" u="none" strike="noStrike" cap="none" spc="0" normalizeH="0" baseline="0">
             <a:ln>
               <a:noFill/>
             </a:ln>
@@ -8678,7 +10042,7 @@
           <a:buFontTx/>
           <a:buNone/>
           <a:tabLst/>
-          <a:defRPr b="0" baseline="0" cap="none" i="0" spc="0" strike="noStrike" sz="1800" u="none" kumimoji="0" normalizeH="0">
+          <a:defRPr kumimoji="0" sz="1800" b="0" i="0" u="none" strike="noStrike" cap="none" spc="0" normalizeH="0" baseline="0">
             <a:ln>
               <a:noFill/>
             </a:ln>
@@ -8704,7 +10068,7 @@
           <a:buFontTx/>
           <a:buNone/>
           <a:tabLst/>
-          <a:defRPr b="0" baseline="0" cap="none" i="0" spc="0" strike="noStrike" sz="1800" u="none" kumimoji="0" normalizeH="0">
+          <a:defRPr kumimoji="0" sz="1800" b="0" i="0" u="none" strike="noStrike" cap="none" spc="0" normalizeH="0" baseline="0">
             <a:ln>
               <a:noFill/>
             </a:ln>
@@ -8730,7 +10094,7 @@
           <a:buFontTx/>
           <a:buNone/>
           <a:tabLst/>
-          <a:defRPr b="0" baseline="0" cap="none" i="0" spc="0" strike="noStrike" sz="1800" u="none" kumimoji="0" normalizeH="0">
+          <a:defRPr kumimoji="0" sz="1800" b="0" i="0" u="none" strike="noStrike" cap="none" spc="0" normalizeH="0" baseline="0">
             <a:ln>
               <a:noFill/>
             </a:ln>
@@ -8756,7 +10120,7 @@
           <a:buFontTx/>
           <a:buNone/>
           <a:tabLst/>
-          <a:defRPr b="0" baseline="0" cap="none" i="0" spc="0" strike="noStrike" sz="1800" u="none" kumimoji="0" normalizeH="0">
+          <a:defRPr kumimoji="0" sz="1800" b="0" i="0" u="none" strike="noStrike" cap="none" spc="0" normalizeH="0" baseline="0">
             <a:ln>
               <a:noFill/>
             </a:ln>
@@ -8782,7 +10146,7 @@
           <a:buFontTx/>
           <a:buNone/>
           <a:tabLst/>
-          <a:defRPr b="0" baseline="0" cap="none" i="0" spc="0" strike="noStrike" sz="1800" u="none" kumimoji="0" normalizeH="0">
+          <a:defRPr kumimoji="0" sz="1800" b="0" i="0" u="none" strike="noStrike" cap="none" spc="0" normalizeH="0" baseline="0">
             <a:ln>
               <a:noFill/>
             </a:ln>
@@ -8808,7 +10172,7 @@
           <a:buFontTx/>
           <a:buNone/>
           <a:tabLst/>
-          <a:defRPr b="0" baseline="0" cap="none" i="0" spc="0" strike="noStrike" sz="1800" u="none" kumimoji="0" normalizeH="0">
+          <a:defRPr kumimoji="0" sz="1800" b="0" i="0" u="none" strike="noStrike" cap="none" spc="0" normalizeH="0" baseline="0">
             <a:ln>
               <a:noFill/>
             </a:ln>
@@ -8834,7 +10198,7 @@
           <a:buFontTx/>
           <a:buNone/>
           <a:tabLst/>
-          <a:defRPr b="0" baseline="0" cap="none" i="0" spc="0" strike="noStrike" sz="1800" u="none" kumimoji="0" normalizeH="0">
+          <a:defRPr kumimoji="0" sz="1800" b="0" i="0" u="none" strike="noStrike" cap="none" spc="0" normalizeH="0" baseline="0">
             <a:ln>
               <a:noFill/>
             </a:ln>
@@ -8860,7 +10224,7 @@
           <a:buFontTx/>
           <a:buNone/>
           <a:tabLst/>
-          <a:defRPr b="0" baseline="0" cap="none" i="0" spc="0" strike="noStrike" sz="1800" u="none" kumimoji="0" normalizeH="0">
+          <a:defRPr kumimoji="0" sz="1800" b="0" i="0" u="none" strike="noStrike" cap="none" spc="0" normalizeH="0" baseline="0">
             <a:ln>
               <a:noFill/>
             </a:ln>
@@ -8873,9 +10237,15 @@
         </a:lvl9pPr>
       </a:lstStyle>
       <a:style>
-        <a:lnRef idx="0"/>
-        <a:fillRef idx="0"/>
-        <a:effectRef idx="0"/>
+        <a:lnRef idx="0">
+          <a:scrgbClr r="0" g="0" b="0"/>
+        </a:lnRef>
+        <a:fillRef idx="0">
+          <a:scrgbClr r="0" g="0" b="0"/>
+        </a:fillRef>
+        <a:effectRef idx="0">
+          <a:scrgbClr r="0" g="0" b="0"/>
+        </a:effectRef>
         <a:fontRef idx="none"/>
       </a:style>
     </a:spDef>
@@ -8892,7 +10262,7 @@
         <a:effectLst/>
         <a:sp3d/>
       </a:spPr>
-      <a:bodyPr rot="0" spcFirstLastPara="1" vertOverflow="overflow" horzOverflow="overflow" vert="horz" wrap="square" lIns="91439" tIns="45719" rIns="91439" bIns="45719" numCol="1" spcCol="38100" rtlCol="0" anchor="t" upright="0">
+      <a:bodyPr rot="0" spcFirstLastPara="1" vertOverflow="overflow" horzOverflow="overflow" vert="horz" wrap="square" lIns="91439" tIns="45719" rIns="91439" bIns="45719" numCol="1" spcCol="38100" rtlCol="0" anchor="t">
         <a:noAutofit/>
       </a:bodyPr>
       <a:lstStyle>
@@ -8911,7 +10281,7 @@
           <a:buFontTx/>
           <a:buNone/>
           <a:tabLst/>
-          <a:defRPr b="0" baseline="0" cap="none" i="0" spc="0" strike="noStrike" sz="1800" u="none" kumimoji="0" normalizeH="0">
+          <a:defRPr kumimoji="0" sz="1800" b="0" i="0" u="none" strike="noStrike" cap="none" spc="0" normalizeH="0" baseline="0">
             <a:ln>
               <a:noFill/>
             </a:ln>
@@ -8937,7 +10307,7 @@
           <a:buFontTx/>
           <a:buNone/>
           <a:tabLst/>
-          <a:defRPr b="0" baseline="0" cap="none" i="0" spc="0" strike="noStrike" sz="1800" u="none" kumimoji="0" normalizeH="0">
+          <a:defRPr kumimoji="0" sz="1800" b="0" i="0" u="none" strike="noStrike" cap="none" spc="0" normalizeH="0" baseline="0">
             <a:ln>
               <a:noFill/>
             </a:ln>
@@ -8963,7 +10333,7 @@
           <a:buFontTx/>
           <a:buNone/>
           <a:tabLst/>
-          <a:defRPr b="0" baseline="0" cap="none" i="0" spc="0" strike="noStrike" sz="1800" u="none" kumimoji="0" normalizeH="0">
+          <a:defRPr kumimoji="0" sz="1800" b="0" i="0" u="none" strike="noStrike" cap="none" spc="0" normalizeH="0" baseline="0">
             <a:ln>
               <a:noFill/>
             </a:ln>
@@ -8989,7 +10359,7 @@
           <a:buFontTx/>
           <a:buNone/>
           <a:tabLst/>
-          <a:defRPr b="0" baseline="0" cap="none" i="0" spc="0" strike="noStrike" sz="1800" u="none" kumimoji="0" normalizeH="0">
+          <a:defRPr kumimoji="0" sz="1800" b="0" i="0" u="none" strike="noStrike" cap="none" spc="0" normalizeH="0" baseline="0">
             <a:ln>
               <a:noFill/>
             </a:ln>
@@ -9015,7 +10385,7 @@
           <a:buFontTx/>
           <a:buNone/>
           <a:tabLst/>
-          <a:defRPr b="0" baseline="0" cap="none" i="0" spc="0" strike="noStrike" sz="1800" u="none" kumimoji="0" normalizeH="0">
+          <a:defRPr kumimoji="0" sz="1800" b="0" i="0" u="none" strike="noStrike" cap="none" spc="0" normalizeH="0" baseline="0">
             <a:ln>
               <a:noFill/>
             </a:ln>
@@ -9041,7 +10411,7 @@
           <a:buFontTx/>
           <a:buNone/>
           <a:tabLst/>
-          <a:defRPr b="0" baseline="0" cap="none" i="0" spc="0" strike="noStrike" sz="1800" u="none" kumimoji="0" normalizeH="0">
+          <a:defRPr kumimoji="0" sz="1800" b="0" i="0" u="none" strike="noStrike" cap="none" spc="0" normalizeH="0" baseline="0">
             <a:ln>
               <a:noFill/>
             </a:ln>
@@ -9067,7 +10437,7 @@
           <a:buFontTx/>
           <a:buNone/>
           <a:tabLst/>
-          <a:defRPr b="0" baseline="0" cap="none" i="0" spc="0" strike="noStrike" sz="1800" u="none" kumimoji="0" normalizeH="0">
+          <a:defRPr kumimoji="0" sz="1800" b="0" i="0" u="none" strike="noStrike" cap="none" spc="0" normalizeH="0" baseline="0">
             <a:ln>
               <a:noFill/>
             </a:ln>
@@ -9093,7 +10463,7 @@
           <a:buFontTx/>
           <a:buNone/>
           <a:tabLst/>
-          <a:defRPr b="0" baseline="0" cap="none" i="0" spc="0" strike="noStrike" sz="1800" u="none" kumimoji="0" normalizeH="0">
+          <a:defRPr kumimoji="0" sz="1800" b="0" i="0" u="none" strike="noStrike" cap="none" spc="0" normalizeH="0" baseline="0">
             <a:ln>
               <a:noFill/>
             </a:ln>
@@ -9119,7 +10489,7 @@
           <a:buFontTx/>
           <a:buNone/>
           <a:tabLst/>
-          <a:defRPr b="0" baseline="0" cap="none" i="0" spc="0" strike="noStrike" sz="1800" u="none" kumimoji="0" normalizeH="0">
+          <a:defRPr kumimoji="0" sz="1800" b="0" i="0" u="none" strike="noStrike" cap="none" spc="0" normalizeH="0" baseline="0">
             <a:ln>
               <a:noFill/>
             </a:ln>
@@ -9145,7 +10515,7 @@
           <a:buFontTx/>
           <a:buNone/>
           <a:tabLst/>
-          <a:defRPr b="0" baseline="0" cap="none" i="0" spc="0" strike="noStrike" sz="1800" u="none" kumimoji="0" normalizeH="0">
+          <a:defRPr kumimoji="0" sz="1800" b="0" i="0" u="none" strike="noStrike" cap="none" spc="0" normalizeH="0" baseline="0">
             <a:ln>
               <a:noFill/>
             </a:ln>
@@ -9158,9 +10528,15 @@
         </a:lvl9pPr>
       </a:lstStyle>
       <a:style>
-        <a:lnRef idx="0"/>
-        <a:fillRef idx="0"/>
-        <a:effectRef idx="0"/>
+        <a:lnRef idx="0">
+          <a:scrgbClr r="0" g="0" b="0"/>
+        </a:lnRef>
+        <a:fillRef idx="0">
+          <a:scrgbClr r="0" g="0" b="0"/>
+        </a:fillRef>
+        <a:effectRef idx="0">
+          <a:scrgbClr r="0" g="0" b="0"/>
+        </a:effectRef>
         <a:fontRef idx="none"/>
       </a:style>
     </a:lnDef>
@@ -9174,7 +10550,7 @@
         <a:effectLst/>
         <a:sp3d/>
       </a:spPr>
-      <a:bodyPr rot="0" spcFirstLastPara="1" vertOverflow="overflow" horzOverflow="overflow" vert="horz" wrap="square" lIns="50800" tIns="50800" rIns="50800" bIns="50800" numCol="1" spcCol="38100" rtlCol="0" anchor="ctr" upright="0">
+      <a:bodyPr rot="0" spcFirstLastPara="1" vertOverflow="overflow" horzOverflow="overflow" vert="horz" wrap="square" lIns="50800" tIns="50800" rIns="50800" bIns="50800" numCol="1" spcCol="38100" rtlCol="0" anchor="ctr">
         <a:spAutoFit/>
       </a:bodyPr>
       <a:lstStyle>
@@ -9193,7 +10569,7 @@
           <a:buFontTx/>
           <a:buNone/>
           <a:tabLst/>
-          <a:defRPr b="0" baseline="0" cap="none" i="0" spc="0" strike="noStrike" sz="2200" u="none" kumimoji="0" normalizeH="0">
+          <a:defRPr kumimoji="0" sz="2200" b="0" i="0" u="none" strike="noStrike" cap="none" spc="0" normalizeH="0" baseline="0">
             <a:ln>
               <a:noFill/>
             </a:ln>
@@ -9223,7 +10599,7 @@
           <a:buFontTx/>
           <a:buNone/>
           <a:tabLst/>
-          <a:defRPr b="0" baseline="0" cap="none" i="0" spc="0" strike="noStrike" sz="1800" u="none" kumimoji="0" normalizeH="0">
+          <a:defRPr kumimoji="0" sz="1800" b="0" i="0" u="none" strike="noStrike" cap="none" spc="0" normalizeH="0" baseline="0">
             <a:ln>
               <a:noFill/>
             </a:ln>
@@ -9249,7 +10625,7 @@
           <a:buFontTx/>
           <a:buNone/>
           <a:tabLst/>
-          <a:defRPr b="0" baseline="0" cap="none" i="0" spc="0" strike="noStrike" sz="1800" u="none" kumimoji="0" normalizeH="0">
+          <a:defRPr kumimoji="0" sz="1800" b="0" i="0" u="none" strike="noStrike" cap="none" spc="0" normalizeH="0" baseline="0">
             <a:ln>
               <a:noFill/>
             </a:ln>
@@ -9275,7 +10651,7 @@
           <a:buFontTx/>
           <a:buNone/>
           <a:tabLst/>
-          <a:defRPr b="0" baseline="0" cap="none" i="0" spc="0" strike="noStrike" sz="1800" u="none" kumimoji="0" normalizeH="0">
+          <a:defRPr kumimoji="0" sz="1800" b="0" i="0" u="none" strike="noStrike" cap="none" spc="0" normalizeH="0" baseline="0">
             <a:ln>
               <a:noFill/>
             </a:ln>
@@ -9301,7 +10677,7 @@
           <a:buFontTx/>
           <a:buNone/>
           <a:tabLst/>
-          <a:defRPr b="0" baseline="0" cap="none" i="0" spc="0" strike="noStrike" sz="1800" u="none" kumimoji="0" normalizeH="0">
+          <a:defRPr kumimoji="0" sz="1800" b="0" i="0" u="none" strike="noStrike" cap="none" spc="0" normalizeH="0" baseline="0">
             <a:ln>
               <a:noFill/>
             </a:ln>
@@ -9327,7 +10703,7 @@
           <a:buFontTx/>
           <a:buNone/>
           <a:tabLst/>
-          <a:defRPr b="0" baseline="0" cap="none" i="0" spc="0" strike="noStrike" sz="1800" u="none" kumimoji="0" normalizeH="0">
+          <a:defRPr kumimoji="0" sz="1800" b="0" i="0" u="none" strike="noStrike" cap="none" spc="0" normalizeH="0" baseline="0">
             <a:ln>
               <a:noFill/>
             </a:ln>
@@ -9353,7 +10729,7 @@
           <a:buFontTx/>
           <a:buNone/>
           <a:tabLst/>
-          <a:defRPr b="0" baseline="0" cap="none" i="0" spc="0" strike="noStrike" sz="1800" u="none" kumimoji="0" normalizeH="0">
+          <a:defRPr kumimoji="0" sz="1800" b="0" i="0" u="none" strike="noStrike" cap="none" spc="0" normalizeH="0" baseline="0">
             <a:ln>
               <a:noFill/>
             </a:ln>
@@ -9379,7 +10755,7 @@
           <a:buFontTx/>
           <a:buNone/>
           <a:tabLst/>
-          <a:defRPr b="0" baseline="0" cap="none" i="0" spc="0" strike="noStrike" sz="1800" u="none" kumimoji="0" normalizeH="0">
+          <a:defRPr kumimoji="0" sz="1800" b="0" i="0" u="none" strike="noStrike" cap="none" spc="0" normalizeH="0" baseline="0">
             <a:ln>
               <a:noFill/>
             </a:ln>
@@ -9405,7 +10781,7 @@
           <a:buFontTx/>
           <a:buNone/>
           <a:tabLst/>
-          <a:defRPr b="0" baseline="0" cap="none" i="0" spc="0" strike="noStrike" sz="1800" u="none" kumimoji="0" normalizeH="0">
+          <a:defRPr kumimoji="0" sz="1800" b="0" i="0" u="none" strike="noStrike" cap="none" spc="0" normalizeH="0" baseline="0">
             <a:ln>
               <a:noFill/>
             </a:ln>
@@ -9431,7 +10807,7 @@
           <a:buFontTx/>
           <a:buNone/>
           <a:tabLst/>
-          <a:defRPr b="0" baseline="0" cap="none" i="0" spc="0" strike="noStrike" sz="1800" u="none" kumimoji="0" normalizeH="0">
+          <a:defRPr kumimoji="0" sz="1800" b="0" i="0" u="none" strike="noStrike" cap="none" spc="0" normalizeH="0" baseline="0">
             <a:ln>
               <a:noFill/>
             </a:ln>
@@ -9444,12 +10820,19 @@
         </a:lvl9pPr>
       </a:lstStyle>
       <a:style>
-        <a:lnRef idx="0"/>
-        <a:fillRef idx="0"/>
-        <a:effectRef idx="0"/>
+        <a:lnRef idx="0">
+          <a:scrgbClr r="0" g="0" b="0"/>
+        </a:lnRef>
+        <a:fillRef idx="0">
+          <a:scrgbClr r="0" g="0" b="0"/>
+        </a:fillRef>
+        <a:effectRef idx="0">
+          <a:scrgbClr r="0" g="0" b="0"/>
+        </a:effectRef>
         <a:fontRef idx="none"/>
       </a:style>
     </a:txDef>
   </a:objectDefaults>
+  <a:extraClrSchemeLst/>
 </a:theme>
 </file>